--- a/WIP/Users/ManhLN/Report 6/DDL_Slide_v1.0.pptx
+++ b/WIP/Users/ManhLN/Report 6/DDL_Slide_v1.0.pptx
@@ -5,7 +5,7 @@
     <p:sldMasterId id="2147483648" r:id="rId1"/>
   </p:sldMasterIdLst>
   <p:notesMasterIdLst>
-    <p:notesMasterId r:id="rId33"/>
+    <p:notesMasterId r:id="rId32"/>
   </p:notesMasterIdLst>
   <p:sldIdLst>
     <p:sldId id="268" r:id="rId2"/>
@@ -25,20 +25,19 @@
     <p:sldId id="298" r:id="rId16"/>
     <p:sldId id="299" r:id="rId17"/>
     <p:sldId id="300" r:id="rId18"/>
-    <p:sldId id="301" r:id="rId19"/>
-    <p:sldId id="266" r:id="rId20"/>
-    <p:sldId id="287" r:id="rId21"/>
-    <p:sldId id="288" r:id="rId22"/>
-    <p:sldId id="267" r:id="rId23"/>
-    <p:sldId id="289" r:id="rId24"/>
-    <p:sldId id="290" r:id="rId25"/>
-    <p:sldId id="265" r:id="rId26"/>
-    <p:sldId id="291" r:id="rId27"/>
-    <p:sldId id="292" r:id="rId28"/>
-    <p:sldId id="263" r:id="rId29"/>
-    <p:sldId id="293" r:id="rId30"/>
-    <p:sldId id="294" r:id="rId31"/>
-    <p:sldId id="264" r:id="rId32"/>
+    <p:sldId id="266" r:id="rId19"/>
+    <p:sldId id="287" r:id="rId20"/>
+    <p:sldId id="288" r:id="rId21"/>
+    <p:sldId id="267" r:id="rId22"/>
+    <p:sldId id="289" r:id="rId23"/>
+    <p:sldId id="290" r:id="rId24"/>
+    <p:sldId id="265" r:id="rId25"/>
+    <p:sldId id="291" r:id="rId26"/>
+    <p:sldId id="292" r:id="rId27"/>
+    <p:sldId id="263" r:id="rId28"/>
+    <p:sldId id="293" r:id="rId29"/>
+    <p:sldId id="294" r:id="rId30"/>
+    <p:sldId id="264" r:id="rId31"/>
   </p:sldIdLst>
   <p:sldSz cx="9144000" cy="6858000" type="screen4x3"/>
   <p:notesSz cx="6858000" cy="9144000"/>
@@ -175,7 +174,6 @@
             <p14:sldId id="298"/>
             <p14:sldId id="299"/>
             <p14:sldId id="300"/>
-            <p14:sldId id="301"/>
             <p14:sldId id="266"/>
           </p14:sldIdLst>
         </p14:section>
@@ -13921,408 +13919,6 @@
           <a:chExt cx="0" cy="0"/>
         </a:xfrm>
       </p:grpSpPr>
-      <p:grpSp>
-        <p:nvGrpSpPr>
-          <p:cNvPr id="14" name="Group 13"/>
-          <p:cNvGrpSpPr/>
-          <p:nvPr/>
-        </p:nvGrpSpPr>
-        <p:grpSpPr>
-          <a:xfrm>
-            <a:off x="13855" y="76200"/>
-            <a:ext cx="4838700" cy="4242852"/>
-            <a:chOff x="1066800" y="1181100"/>
-            <a:chExt cx="4838700" cy="4242852"/>
-          </a:xfrm>
-          <a:noFill/>
-        </p:grpSpPr>
-        <p:sp>
-          <p:nvSpPr>
-            <p:cNvPr id="15" name="TextBox 14"/>
-            <p:cNvSpPr txBox="1"/>
-            <p:nvPr/>
-          </p:nvSpPr>
-          <p:spPr>
-            <a:xfrm>
-              <a:off x="1600200" y="1182410"/>
-              <a:ext cx="4305300" cy="461665"/>
-            </a:xfrm>
-            <a:prstGeom prst="rect">
-              <a:avLst/>
-            </a:prstGeom>
-            <a:grpFill/>
-          </p:spPr>
-          <p:txBody>
-            <a:bodyPr wrap="square" rtlCol="0">
-              <a:spAutoFit/>
-            </a:bodyPr>
-            <a:lstStyle/>
-            <a:p>
-              <a:r>
-                <a:rPr lang="en-US" sz="2400" b="1" dirty="0">
-                  <a:solidFill>
-                    <a:schemeClr val="bg1"/>
-                  </a:solidFill>
-                  <a:latin typeface="Times New Roman" panose="02020603050405020304" pitchFamily="18" charset="0"/>
-                  <a:cs typeface="Times New Roman" panose="02020603050405020304" pitchFamily="18" charset="0"/>
-                </a:rPr>
-                <a:t>Software Design Description</a:t>
-              </a:r>
-              <a:endParaRPr lang="en-US" sz="2400" b="1" dirty="0">
-                <a:solidFill>
-                  <a:schemeClr val="bg1"/>
-                </a:solidFill>
-              </a:endParaRPr>
-            </a:p>
-          </p:txBody>
-        </p:sp>
-        <p:sp>
-          <p:nvSpPr>
-            <p:cNvPr id="16" name="TextBox 15"/>
-            <p:cNvSpPr txBox="1"/>
-            <p:nvPr/>
-          </p:nvSpPr>
-          <p:spPr>
-            <a:xfrm>
-              <a:off x="1066800" y="1638300"/>
-              <a:ext cx="533400" cy="3785652"/>
-            </a:xfrm>
-            <a:prstGeom prst="rect">
-              <a:avLst/>
-            </a:prstGeom>
-            <a:grpFill/>
-          </p:spPr>
-          <p:txBody>
-            <a:bodyPr wrap="square" rtlCol="0">
-              <a:spAutoFit/>
-            </a:bodyPr>
-            <a:lstStyle/>
-            <a:p>
-              <a:pPr algn="ctr"/>
-              <a:r>
-                <a:rPr lang="ja-JP" altLang="en-US" sz="2400" b="1" dirty="0">
-                  <a:solidFill>
-                    <a:schemeClr val="bg1"/>
-                  </a:solidFill>
-                  <a:latin typeface="Times New Roman" panose="02020603050405020304" pitchFamily="18" charset="0"/>
-                  <a:ea typeface="SimSun" panose="02010600030101010101" pitchFamily="2" charset="-122"/>
-                  <a:cs typeface="Times New Roman" panose="02020603050405020304" pitchFamily="18" charset="0"/>
-                </a:rPr>
-                <a:t>ソフトウェア要求仕様</a:t>
-              </a:r>
-              <a:endParaRPr lang="en-US" sz="2400" b="1" dirty="0">
-                <a:solidFill>
-                  <a:schemeClr val="bg1"/>
-                </a:solidFill>
-              </a:endParaRPr>
-            </a:p>
-          </p:txBody>
-        </p:sp>
-        <p:sp>
-          <p:nvSpPr>
-            <p:cNvPr id="17" name="TextBox 16"/>
-            <p:cNvSpPr txBox="1"/>
-            <p:nvPr/>
-          </p:nvSpPr>
-          <p:spPr>
-            <a:xfrm>
-              <a:off x="1066800" y="1181100"/>
-              <a:ext cx="533400" cy="461665"/>
-            </a:xfrm>
-            <a:prstGeom prst="rect">
-              <a:avLst/>
-            </a:prstGeom>
-            <a:grpFill/>
-          </p:spPr>
-          <p:txBody>
-            <a:bodyPr wrap="square" rtlCol="0">
-              <a:spAutoFit/>
-            </a:bodyPr>
-            <a:lstStyle/>
-            <a:p>
-              <a:pPr algn="ctr"/>
-              <a:r>
-                <a:rPr lang="en-US" sz="2400" b="1" dirty="0">
-                  <a:solidFill>
-                    <a:schemeClr val="bg1"/>
-                  </a:solidFill>
-                </a:rPr>
-                <a:t>4</a:t>
-              </a:r>
-            </a:p>
-          </p:txBody>
-        </p:sp>
-      </p:grpSp>
-      <p:pic>
-        <p:nvPicPr>
-          <p:cNvPr id="18" name="Picture 2" descr="C:\Users\Chinh\Desktop\Slides\logo_dandelion2.png"/>
-          <p:cNvPicPr>
-            <a:picLocks noChangeAspect="1" noChangeArrowheads="1"/>
-          </p:cNvPicPr>
-          <p:nvPr/>
-        </p:nvPicPr>
-        <p:blipFill>
-          <a:blip r:embed="rId2" cstate="print">
-            <a:extLst>
-              <a:ext uri="{28A0092B-C50C-407E-A947-70E740481C1C}">
-                <a14:useLocalDpi xmlns:a14="http://schemas.microsoft.com/office/drawing/2010/main" val="0"/>
-              </a:ext>
-            </a:extLst>
-          </a:blip>
-          <a:srcRect/>
-          <a:stretch>
-            <a:fillRect/>
-          </a:stretch>
-        </p:blipFill>
-        <p:spPr bwMode="auto">
-          <a:xfrm>
-            <a:off x="8458200" y="5846821"/>
-            <a:ext cx="685800" cy="1011179"/>
-          </a:xfrm>
-          <a:prstGeom prst="rect">
-            <a:avLst/>
-          </a:prstGeom>
-          <a:noFill/>
-          <a:extLst>
-            <a:ext uri="{909E8E84-426E-40DD-AFC4-6F175D3DCCD1}">
-              <a14:hiddenFill xmlns:a14="http://schemas.microsoft.com/office/drawing/2010/main">
-                <a:solidFill>
-                  <a:srgbClr val="FFFFFF"/>
-                </a:solidFill>
-              </a14:hiddenFill>
-            </a:ext>
-          </a:extLst>
-        </p:spPr>
-      </p:pic>
-      <p:sp>
-        <p:nvSpPr>
-          <p:cNvPr id="22" name="TextBox 21"/>
-          <p:cNvSpPr txBox="1"/>
-          <p:nvPr/>
-        </p:nvSpPr>
-        <p:spPr>
-          <a:xfrm>
-            <a:off x="699655" y="710448"/>
-            <a:ext cx="8305800" cy="400110"/>
-          </a:xfrm>
-          <a:prstGeom prst="rect">
-            <a:avLst/>
-          </a:prstGeom>
-          <a:noFill/>
-        </p:spPr>
-        <p:txBody>
-          <a:bodyPr wrap="square" rtlCol="0">
-            <a:spAutoFit/>
-          </a:bodyPr>
-          <a:lstStyle/>
-          <a:p>
-            <a:r>
-              <a:rPr lang="en-US" sz="2000" b="1" dirty="0" smtClean="0">
-                <a:solidFill>
-                  <a:srgbClr val="00B0F0"/>
-                </a:solidFill>
-                <a:latin typeface="Times New Roman" panose="02020603050405020304" pitchFamily="18" charset="0"/>
-                <a:cs typeface="Times New Roman" panose="02020603050405020304" pitchFamily="18" charset="0"/>
-              </a:rPr>
-              <a:t>4.4</a:t>
-            </a:r>
-            <a:r>
-              <a:rPr lang="ja-JP" altLang="en-US" sz="2000" b="1" dirty="0" smtClean="0">
-                <a:solidFill>
-                  <a:srgbClr val="00B0F0"/>
-                </a:solidFill>
-                <a:latin typeface="Times New Roman" panose="02020603050405020304" pitchFamily="18" charset="0"/>
-                <a:cs typeface="Times New Roman" panose="02020603050405020304" pitchFamily="18" charset="0"/>
-              </a:rPr>
-              <a:t> </a:t>
-            </a:r>
-            <a:r>
-              <a:rPr lang="en-US" sz="2000" b="1" dirty="0">
-                <a:solidFill>
-                  <a:srgbClr val="00B0F0"/>
-                </a:solidFill>
-                <a:latin typeface="Times New Roman" panose="02020603050405020304" pitchFamily="18" charset="0"/>
-                <a:cs typeface="Times New Roman" panose="02020603050405020304" pitchFamily="18" charset="0"/>
-              </a:rPr>
-              <a:t>Package </a:t>
-            </a:r>
-            <a:r>
-              <a:rPr lang="en-US" sz="2000" b="1" dirty="0" smtClean="0">
-                <a:solidFill>
-                  <a:srgbClr val="00B0F0"/>
-                </a:solidFill>
-                <a:latin typeface="Times New Roman" panose="02020603050405020304" pitchFamily="18" charset="0"/>
-                <a:cs typeface="Times New Roman" panose="02020603050405020304" pitchFamily="18" charset="0"/>
-              </a:rPr>
-              <a:t>View - </a:t>
-            </a:r>
-            <a:r>
-              <a:rPr lang="ja-JP" altLang="en-US" sz="2000" b="1" dirty="0" smtClean="0">
-                <a:solidFill>
-                  <a:srgbClr val="00B0F0"/>
-                </a:solidFill>
-                <a:latin typeface="SimSun" panose="02010600030101010101" pitchFamily="2" charset="-122"/>
-                <a:ea typeface="SimSun" panose="02010600030101010101" pitchFamily="2" charset="-122"/>
-                <a:cs typeface="Times New Roman" panose="02020603050405020304" pitchFamily="18" charset="0"/>
-              </a:rPr>
-              <a:t>パ</a:t>
-            </a:r>
-            <a:r>
-              <a:rPr lang="ja-JP" altLang="en-US" sz="2000" b="1" dirty="0">
-                <a:solidFill>
-                  <a:srgbClr val="00B0F0"/>
-                </a:solidFill>
-                <a:latin typeface="SimSun" panose="02010600030101010101" pitchFamily="2" charset="-122"/>
-                <a:ea typeface="SimSun" panose="02010600030101010101" pitchFamily="2" charset="-122"/>
-                <a:cs typeface="Times New Roman" panose="02020603050405020304" pitchFamily="18" charset="0"/>
-              </a:rPr>
-              <a:t>ッケージ ビュ</a:t>
-            </a:r>
-            <a:endParaRPr lang="en-US" sz="2000" b="1" dirty="0">
-              <a:solidFill>
-                <a:srgbClr val="00B0F0"/>
-              </a:solidFill>
-              <a:latin typeface="Times New Roman" panose="02020603050405020304" pitchFamily="18" charset="0"/>
-              <a:cs typeface="Times New Roman" panose="02020603050405020304" pitchFamily="18" charset="0"/>
-            </a:endParaRPr>
-          </a:p>
-        </p:txBody>
-      </p:sp>
-      <p:sp>
-        <p:nvSpPr>
-          <p:cNvPr id="2" name="TextBox 1"/>
-          <p:cNvSpPr txBox="1"/>
-          <p:nvPr/>
-        </p:nvSpPr>
-        <p:spPr>
-          <a:xfrm>
-            <a:off x="3136445" y="6426850"/>
-            <a:ext cx="3432222" cy="338554"/>
-          </a:xfrm>
-          <a:prstGeom prst="rect">
-            <a:avLst/>
-          </a:prstGeom>
-          <a:noFill/>
-        </p:spPr>
-        <p:txBody>
-          <a:bodyPr wrap="none" rtlCol="0">
-            <a:spAutoFit/>
-          </a:bodyPr>
-          <a:lstStyle/>
-          <a:p>
-            <a:pPr algn="ctr"/>
-            <a:r>
-              <a:rPr lang="en-US" sz="1600" b="1" dirty="0">
-                <a:latin typeface="Times New Roman" panose="02020603050405020304" pitchFamily="18" charset="0"/>
-                <a:cs typeface="Times New Roman" panose="02020603050405020304" pitchFamily="18" charset="0"/>
-              </a:rPr>
-              <a:t>Package </a:t>
-            </a:r>
-            <a:r>
-              <a:rPr lang="en-US" sz="1600" b="1" dirty="0" smtClean="0">
-                <a:latin typeface="Times New Roman" panose="02020603050405020304" pitchFamily="18" charset="0"/>
-                <a:cs typeface="Times New Roman" panose="02020603050405020304" pitchFamily="18" charset="0"/>
-              </a:rPr>
-              <a:t>View - </a:t>
-            </a:r>
-            <a:r>
-              <a:rPr lang="ja-JP" altLang="en-US" sz="1600" b="1" dirty="0" smtClean="0">
-                <a:latin typeface="SimSun" panose="02010600030101010101" pitchFamily="2" charset="-122"/>
-                <a:ea typeface="SimSun" panose="02010600030101010101" pitchFamily="2" charset="-122"/>
-                <a:cs typeface="Times New Roman" panose="02020603050405020304" pitchFamily="18" charset="0"/>
-              </a:rPr>
-              <a:t>パ</a:t>
-            </a:r>
-            <a:r>
-              <a:rPr lang="ja-JP" altLang="en-US" sz="1600" b="1" dirty="0">
-                <a:latin typeface="SimSun" panose="02010600030101010101" pitchFamily="2" charset="-122"/>
-                <a:ea typeface="SimSun" panose="02010600030101010101" pitchFamily="2" charset="-122"/>
-                <a:cs typeface="Times New Roman" panose="02020603050405020304" pitchFamily="18" charset="0"/>
-              </a:rPr>
-              <a:t>ッケージ ビュ</a:t>
-            </a:r>
-            <a:r>
-              <a:rPr lang="ja-JP" altLang="en-US" sz="1600" b="1" dirty="0" smtClean="0">
-                <a:latin typeface="SimSun" panose="02010600030101010101" pitchFamily="2" charset="-122"/>
-                <a:ea typeface="SimSun" panose="02010600030101010101" pitchFamily="2" charset="-122"/>
-                <a:cs typeface="Times New Roman" panose="02020603050405020304" pitchFamily="18" charset="0"/>
-              </a:rPr>
-              <a:t>ー</a:t>
-            </a:r>
-            <a:endParaRPr lang="en-US" sz="1600" b="1" dirty="0">
-              <a:latin typeface="Times New Roman" panose="02020603050405020304" pitchFamily="18" charset="0"/>
-              <a:cs typeface="Times New Roman" panose="02020603050405020304" pitchFamily="18" charset="0"/>
-            </a:endParaRPr>
-          </a:p>
-        </p:txBody>
-      </p:sp>
-      <p:pic>
-        <p:nvPicPr>
-          <p:cNvPr id="4" name="Picture 3"/>
-          <p:cNvPicPr>
-            <a:picLocks noChangeAspect="1"/>
-          </p:cNvPicPr>
-          <p:nvPr/>
-        </p:nvPicPr>
-        <p:blipFill>
-          <a:blip r:embed="rId3">
-            <a:extLst>
-              <a:ext uri="{28A0092B-C50C-407E-A947-70E740481C1C}">
-                <a14:useLocalDpi xmlns:a14="http://schemas.microsoft.com/office/drawing/2010/main" val="0"/>
-              </a:ext>
-            </a:extLst>
-          </a:blip>
-          <a:stretch>
-            <a:fillRect/>
-          </a:stretch>
-        </p:blipFill>
-        <p:spPr>
-          <a:xfrm>
-            <a:off x="1910920" y="1128111"/>
-            <a:ext cx="5937680" cy="5263632"/>
-          </a:xfrm>
-          <a:prstGeom prst="rect">
-            <a:avLst/>
-          </a:prstGeom>
-        </p:spPr>
-      </p:pic>
-    </p:spTree>
-    <p:extLst>
-      <p:ext uri="{BB962C8B-B14F-4D97-AF65-F5344CB8AC3E}">
-        <p14:creationId xmlns:p14="http://schemas.microsoft.com/office/powerpoint/2010/main" val="3696626234"/>
-      </p:ext>
-    </p:extLst>
-  </p:cSld>
-  <p:clrMapOvr>
-    <a:masterClrMapping/>
-  </p:clrMapOvr>
-  <p:timing>
-    <p:tnLst>
-      <p:par>
-        <p:cTn id="1" dur="indefinite" restart="never" nodeType="tmRoot"/>
-      </p:par>
-    </p:tnLst>
-  </p:timing>
-</p:sld>
-</file>
-
-<file path=ppt/slides/slide19.xml><?xml version="1.0" encoding="utf-8"?>
-<p:sld xmlns:a="http://schemas.openxmlformats.org/drawingml/2006/main" xmlns:r="http://schemas.openxmlformats.org/officeDocument/2006/relationships" xmlns:p="http://schemas.openxmlformats.org/presentationml/2006/main">
-  <p:cSld>
-    <p:spTree>
-      <p:nvGrpSpPr>
-        <p:cNvPr id="1" name=""/>
-        <p:cNvGrpSpPr/>
-        <p:nvPr/>
-      </p:nvGrpSpPr>
-      <p:grpSpPr>
-        <a:xfrm>
-          <a:off x="0" y="0"/>
-          <a:ext cx="0" cy="0"/>
-          <a:chOff x="0" y="0"/>
-          <a:chExt cx="0" cy="0"/>
-        </a:xfrm>
-      </p:grpSpPr>
       <p:sp>
         <p:nvSpPr>
           <p:cNvPr id="3" name="Subtitle 2"/>
@@ -15484,2189 +15080,7 @@
 </p:sld>
 </file>
 
-<file path=ppt/slides/slide2.xml><?xml version="1.0" encoding="utf-8"?>
-<p:sld xmlns:a="http://schemas.openxmlformats.org/drawingml/2006/main" xmlns:r="http://schemas.openxmlformats.org/officeDocument/2006/relationships" xmlns:p="http://schemas.openxmlformats.org/presentationml/2006/main">
-  <p:cSld>
-    <p:spTree>
-      <p:nvGrpSpPr>
-        <p:cNvPr id="1" name=""/>
-        <p:cNvGrpSpPr/>
-        <p:nvPr/>
-      </p:nvGrpSpPr>
-      <p:grpSpPr>
-        <a:xfrm>
-          <a:off x="0" y="0"/>
-          <a:ext cx="0" cy="0"/>
-          <a:chOff x="0" y="0"/>
-          <a:chExt cx="0" cy="0"/>
-        </a:xfrm>
-      </p:grpSpPr>
-      <p:graphicFrame>
-        <p:nvGraphicFramePr>
-          <p:cNvPr id="9" name="Table 8"/>
-          <p:cNvGraphicFramePr>
-            <a:graphicFrameLocks noGrp="1"/>
-          </p:cNvGraphicFramePr>
-          <p:nvPr>
-            <p:extLst>
-              <p:ext uri="{D42A27DB-BD31-4B8C-83A1-F6EECF244321}">
-                <p14:modId xmlns:p14="http://schemas.microsoft.com/office/powerpoint/2010/main" val="2244436259"/>
-              </p:ext>
-            </p:extLst>
-          </p:nvPr>
-        </p:nvGraphicFramePr>
-        <p:xfrm>
-          <a:off x="10134600" y="120232"/>
-          <a:ext cx="6096000" cy="2176046"/>
-        </p:xfrm>
-        <a:graphic>
-          <a:graphicData uri="http://schemas.openxmlformats.org/drawingml/2006/table">
-            <a:tbl>
-              <a:tblPr firstRow="1" bandRow="1"/>
-              <a:tblGrid>
-                <a:gridCol w="2050473"/>
-                <a:gridCol w="4045527"/>
-              </a:tblGrid>
-              <a:tr h="2176046">
-                <a:tc>
-                  <a:txBody>
-                    <a:bodyPr/>
-                    <a:lstStyle/>
-                    <a:p>
-                      <a:pPr marL="0" marR="0" indent="0" algn="l" defTabSz="914400" rtl="0" eaLnBrk="1" fontAlgn="auto" latinLnBrk="0" hangingPunct="1">
-                        <a:lnSpc>
-                          <a:spcPct val="100000"/>
-                        </a:lnSpc>
-                        <a:spcBef>
-                          <a:spcPts val="0"/>
-                        </a:spcBef>
-                        <a:spcAft>
-                          <a:spcPts val="0"/>
-                        </a:spcAft>
-                        <a:buClrTx/>
-                        <a:buSzTx/>
-                        <a:buFontTx/>
-                        <a:buNone/>
-                        <a:tabLst/>
-                        <a:defRPr/>
-                      </a:pPr>
-                      <a:endParaRPr lang="en-US" sz="1800" dirty="0">
-                        <a:solidFill>
-                          <a:schemeClr val="bg1"/>
-                        </a:solidFill>
-                      </a:endParaRPr>
-                    </a:p>
-                  </a:txBody>
-                  <a:tcPr>
-                    <a:lnL w="9525" cap="flat" cmpd="sng">
-                      <a:noFill/>
-                      <a:prstDash val="solid"/>
-                      <a:round/>
-                      <a:headEnd type="none" w="med" len="med"/>
-                      <a:tailEnd type="none" w="med" len="med"/>
-                    </a:lnL>
-                    <a:lnR w="9525" cap="flat" cmpd="sng">
-                      <a:noFill/>
-                      <a:prstDash val="solid"/>
-                      <a:round/>
-                      <a:headEnd type="none" w="med" len="med"/>
-                      <a:tailEnd type="none" w="med" len="med"/>
-                    </a:lnR>
-                    <a:lnT w="9525" cap="flat" cmpd="sng">
-                      <a:noFill/>
-                      <a:prstDash val="solid"/>
-                      <a:round/>
-                      <a:headEnd type="none" w="med" len="med"/>
-                      <a:tailEnd type="none" w="med" len="med"/>
-                    </a:lnT>
-                    <a:lnB w="9525" cap="flat" cmpd="sng">
-                      <a:noFill/>
-                      <a:prstDash val="solid"/>
-                      <a:round/>
-                      <a:headEnd type="none" w="med" len="med"/>
-                      <a:tailEnd type="none" w="med" len="med"/>
-                    </a:lnB>
-                    <a:lnTlToBr w="12700" cmpd="sng">
-                      <a:noFill/>
-                      <a:prstDash val="solid"/>
-                    </a:lnTlToBr>
-                    <a:lnBlToTr w="12700" cmpd="sng">
-                      <a:noFill/>
-                      <a:prstDash val="solid"/>
-                    </a:lnBlToTr>
-                  </a:tcPr>
-                </a:tc>
-                <a:tc>
-                  <a:txBody>
-                    <a:bodyPr/>
-                    <a:lstStyle/>
-                    <a:p>
-                      <a:pPr marL="0" marR="0" indent="0" algn="l" defTabSz="914400" rtl="0" eaLnBrk="1" fontAlgn="auto" latinLnBrk="0" hangingPunct="1">
-                        <a:lnSpc>
-                          <a:spcPct val="100000"/>
-                        </a:lnSpc>
-                        <a:spcBef>
-                          <a:spcPts val="0"/>
-                        </a:spcBef>
-                        <a:spcAft>
-                          <a:spcPts val="0"/>
-                        </a:spcAft>
-                        <a:buClrTx/>
-                        <a:buSzTx/>
-                        <a:buFontTx/>
-                        <a:buNone/>
-                        <a:tabLst/>
-                        <a:defRPr/>
-                      </a:pPr>
-                      <a:endParaRPr lang="en-US" sz="1600" dirty="0">
-                        <a:solidFill>
-                          <a:schemeClr val="bg1"/>
-                        </a:solidFill>
-                      </a:endParaRPr>
-                    </a:p>
-                  </a:txBody>
-                  <a:tcPr>
-                    <a:lnL w="9525" cap="flat" cmpd="sng">
-                      <a:noFill/>
-                      <a:prstDash val="solid"/>
-                      <a:round/>
-                      <a:headEnd type="none" w="med" len="med"/>
-                      <a:tailEnd type="none" w="med" len="med"/>
-                    </a:lnL>
-                    <a:lnR w="9525" cap="flat" cmpd="sng">
-                      <a:noFill/>
-                      <a:prstDash val="solid"/>
-                      <a:round/>
-                      <a:headEnd type="none" w="med" len="med"/>
-                      <a:tailEnd type="none" w="med" len="med"/>
-                    </a:lnR>
-                    <a:lnT w="9525" cap="flat" cmpd="sng">
-                      <a:noFill/>
-                      <a:prstDash val="solid"/>
-                      <a:round/>
-                      <a:headEnd type="none" w="med" len="med"/>
-                      <a:tailEnd type="none" w="med" len="med"/>
-                    </a:lnT>
-                    <a:lnB w="9525" cap="flat" cmpd="sng">
-                      <a:noFill/>
-                      <a:prstDash val="solid"/>
-                      <a:round/>
-                      <a:headEnd type="none" w="med" len="med"/>
-                      <a:tailEnd type="none" w="med" len="med"/>
-                    </a:lnB>
-                    <a:lnTlToBr w="12700" cmpd="sng">
-                      <a:noFill/>
-                      <a:prstDash val="solid"/>
-                    </a:lnTlToBr>
-                    <a:lnBlToTr w="12700" cmpd="sng">
-                      <a:noFill/>
-                      <a:prstDash val="solid"/>
-                    </a:lnBlToTr>
-                  </a:tcPr>
-                </a:tc>
-              </a:tr>
-            </a:tbl>
-          </a:graphicData>
-        </a:graphic>
-      </p:graphicFrame>
-      <p:sp>
-        <p:nvSpPr>
-          <p:cNvPr id="21" name="TextBox 20"/>
-          <p:cNvSpPr txBox="1"/>
-          <p:nvPr/>
-        </p:nvSpPr>
-        <p:spPr>
-          <a:xfrm>
-            <a:off x="609600" y="-36731"/>
-            <a:ext cx="1907895" cy="646331"/>
-          </a:xfrm>
-          <a:prstGeom prst="rect">
-            <a:avLst/>
-          </a:prstGeom>
-          <a:noFill/>
-        </p:spPr>
-        <p:txBody>
-          <a:bodyPr wrap="none" rtlCol="0">
-            <a:spAutoFit/>
-          </a:bodyPr>
-          <a:lstStyle/>
-          <a:p>
-            <a:r>
-              <a:rPr lang="en-US" sz="3600" b="1" dirty="0" smtClean="0">
-                <a:solidFill>
-                  <a:schemeClr val="bg1"/>
-                </a:solidFill>
-              </a:rPr>
-              <a:t>About us</a:t>
-            </a:r>
-            <a:endParaRPr lang="en-US" sz="3600" b="1" dirty="0">
-              <a:solidFill>
-                <a:schemeClr val="bg1"/>
-              </a:solidFill>
-            </a:endParaRPr>
-          </a:p>
-        </p:txBody>
-      </p:sp>
-      <p:grpSp>
-        <p:nvGrpSpPr>
-          <p:cNvPr id="75" name="Group 74"/>
-          <p:cNvGrpSpPr/>
-          <p:nvPr/>
-        </p:nvGrpSpPr>
-        <p:grpSpPr>
-          <a:xfrm>
-            <a:off x="2743200" y="2091908"/>
-            <a:ext cx="6324600" cy="4689892"/>
-            <a:chOff x="2438400" y="2091908"/>
-            <a:chExt cx="6324600" cy="4689892"/>
-          </a:xfrm>
-        </p:grpSpPr>
-        <p:grpSp>
-          <p:nvGrpSpPr>
-            <p:cNvPr id="45" name="Group 44"/>
-            <p:cNvGrpSpPr/>
-            <p:nvPr/>
-          </p:nvGrpSpPr>
-          <p:grpSpPr>
-            <a:xfrm>
-              <a:off x="2514600" y="2378702"/>
-              <a:ext cx="1828801" cy="2117098"/>
-              <a:chOff x="2743199" y="4653034"/>
-              <a:chExt cx="1828801" cy="2117098"/>
-            </a:xfrm>
-          </p:grpSpPr>
-          <p:grpSp>
-            <p:nvGrpSpPr>
-              <p:cNvPr id="27" name="Group 26"/>
-              <p:cNvGrpSpPr/>
-              <p:nvPr/>
-            </p:nvGrpSpPr>
-            <p:grpSpPr>
-              <a:xfrm>
-                <a:off x="2804448" y="4653034"/>
-                <a:ext cx="1747766" cy="1747766"/>
-                <a:chOff x="2862941" y="1609725"/>
-                <a:chExt cx="2748301" cy="2748301"/>
-              </a:xfrm>
-            </p:grpSpPr>
-            <p:sp>
-              <p:nvSpPr>
-                <p:cNvPr id="23" name="Oval 22"/>
-                <p:cNvSpPr/>
-                <p:nvPr/>
-              </p:nvSpPr>
-              <p:spPr>
-                <a:xfrm>
-                  <a:off x="2862941" y="1609725"/>
-                  <a:ext cx="2748301" cy="2748301"/>
-                </a:xfrm>
-                <a:prstGeom prst="ellipse">
-                  <a:avLst/>
-                </a:prstGeom>
-                <a:solidFill>
-                  <a:schemeClr val="bg1"/>
-                </a:solidFill>
-                <a:ln w="25400">
-                  <a:prstDash val="sysDash"/>
-                </a:ln>
-              </p:spPr>
-              <p:style>
-                <a:lnRef idx="2">
-                  <a:schemeClr val="accent1">
-                    <a:shade val="50000"/>
-                  </a:schemeClr>
-                </a:lnRef>
-                <a:fillRef idx="1">
-                  <a:schemeClr val="accent1"/>
-                </a:fillRef>
-                <a:effectRef idx="0">
-                  <a:schemeClr val="accent1"/>
-                </a:effectRef>
-                <a:fontRef idx="minor">
-                  <a:schemeClr val="lt1"/>
-                </a:fontRef>
-              </p:style>
-              <p:txBody>
-                <a:bodyPr rtlCol="0" anchor="ctr"/>
-                <a:lstStyle/>
-                <a:p>
-                  <a:pPr algn="ctr"/>
-                  <a:endParaRPr lang="en-US"/>
-                </a:p>
-              </p:txBody>
-            </p:sp>
-            <p:sp>
-              <p:nvSpPr>
-                <p:cNvPr id="26" name="Oval 25"/>
-                <p:cNvSpPr/>
-                <p:nvPr/>
-              </p:nvSpPr>
-              <p:spPr>
-                <a:xfrm>
-                  <a:off x="2966472" y="1718244"/>
-                  <a:ext cx="2548956" cy="2548956"/>
-                </a:xfrm>
-                <a:prstGeom prst="ellipse">
-                  <a:avLst/>
-                </a:prstGeom>
-                <a:blipFill>
-                  <a:blip r:embed="rId2"/>
-                  <a:stretch>
-                    <a:fillRect/>
-                  </a:stretch>
-                </a:blipFill>
-                <a:ln w="25400">
-                  <a:noFill/>
-                  <a:prstDash val="solid"/>
-                </a:ln>
-              </p:spPr>
-              <p:style>
-                <a:lnRef idx="2">
-                  <a:schemeClr val="accent1">
-                    <a:shade val="50000"/>
-                  </a:schemeClr>
-                </a:lnRef>
-                <a:fillRef idx="1">
-                  <a:schemeClr val="accent1"/>
-                </a:fillRef>
-                <a:effectRef idx="0">
-                  <a:schemeClr val="accent1"/>
-                </a:effectRef>
-                <a:fontRef idx="minor">
-                  <a:schemeClr val="lt1"/>
-                </a:fontRef>
-              </p:style>
-              <p:txBody>
-                <a:bodyPr rtlCol="0" anchor="ctr"/>
-                <a:lstStyle/>
-                <a:p>
-                  <a:pPr algn="ctr"/>
-                  <a:endParaRPr lang="en-US"/>
-                </a:p>
-              </p:txBody>
-            </p:sp>
-          </p:grpSp>
-          <p:sp>
-            <p:nvSpPr>
-              <p:cNvPr id="44" name="TextBox 43"/>
-              <p:cNvSpPr txBox="1"/>
-              <p:nvPr/>
-            </p:nvSpPr>
-            <p:spPr>
-              <a:xfrm>
-                <a:off x="2743199" y="6400800"/>
-                <a:ext cx="1828801" cy="369332"/>
-              </a:xfrm>
-              <a:prstGeom prst="rect">
-                <a:avLst/>
-              </a:prstGeom>
-              <a:noFill/>
-            </p:spPr>
-            <p:txBody>
-              <a:bodyPr wrap="square" rtlCol="0">
-                <a:spAutoFit/>
-              </a:bodyPr>
-              <a:lstStyle/>
-              <a:p>
-                <a:pPr algn="ctr"/>
-                <a:r>
-                  <a:rPr lang="en-US" b="1" dirty="0" smtClean="0">
-                    <a:solidFill>
-                      <a:srgbClr val="0070C0"/>
-                    </a:solidFill>
-                  </a:rPr>
-                  <a:t>Luu Ngoc Manh</a:t>
-                </a:r>
-                <a:endParaRPr lang="en-US" b="1" dirty="0">
-                  <a:solidFill>
-                    <a:srgbClr val="0070C0"/>
-                  </a:solidFill>
-                </a:endParaRPr>
-              </a:p>
-            </p:txBody>
-          </p:sp>
-        </p:grpSp>
-        <p:grpSp>
-          <p:nvGrpSpPr>
-            <p:cNvPr id="46" name="Group 45"/>
-            <p:cNvGrpSpPr/>
-            <p:nvPr/>
-          </p:nvGrpSpPr>
-          <p:grpSpPr>
-            <a:xfrm>
-              <a:off x="4495800" y="2362200"/>
-              <a:ext cx="1924245" cy="2117098"/>
-              <a:chOff x="2686244" y="4653034"/>
-              <a:chExt cx="1924245" cy="2117098"/>
-            </a:xfrm>
-          </p:grpSpPr>
-          <p:grpSp>
-            <p:nvGrpSpPr>
-              <p:cNvPr id="47" name="Group 46"/>
-              <p:cNvGrpSpPr/>
-              <p:nvPr/>
-            </p:nvGrpSpPr>
-            <p:grpSpPr>
-              <a:xfrm>
-                <a:off x="2804448" y="4653034"/>
-                <a:ext cx="1747766" cy="1747766"/>
-                <a:chOff x="2862941" y="1609725"/>
-                <a:chExt cx="2748301" cy="2748301"/>
-              </a:xfrm>
-            </p:grpSpPr>
-            <p:sp>
-              <p:nvSpPr>
-                <p:cNvPr id="49" name="Oval 48"/>
-                <p:cNvSpPr/>
-                <p:nvPr/>
-              </p:nvSpPr>
-              <p:spPr>
-                <a:xfrm>
-                  <a:off x="2862941" y="1609725"/>
-                  <a:ext cx="2748301" cy="2748301"/>
-                </a:xfrm>
-                <a:prstGeom prst="ellipse">
-                  <a:avLst/>
-                </a:prstGeom>
-                <a:solidFill>
-                  <a:schemeClr val="bg1"/>
-                </a:solidFill>
-                <a:ln w="25400">
-                  <a:prstDash val="sysDash"/>
-                </a:ln>
-              </p:spPr>
-              <p:style>
-                <a:lnRef idx="2">
-                  <a:schemeClr val="accent1">
-                    <a:shade val="50000"/>
-                  </a:schemeClr>
-                </a:lnRef>
-                <a:fillRef idx="1">
-                  <a:schemeClr val="accent1"/>
-                </a:fillRef>
-                <a:effectRef idx="0">
-                  <a:schemeClr val="accent1"/>
-                </a:effectRef>
-                <a:fontRef idx="minor">
-                  <a:schemeClr val="lt1"/>
-                </a:fontRef>
-              </p:style>
-              <p:txBody>
-                <a:bodyPr rtlCol="0" anchor="ctr"/>
-                <a:lstStyle/>
-                <a:p>
-                  <a:pPr algn="ctr"/>
-                  <a:endParaRPr lang="en-US"/>
-                </a:p>
-              </p:txBody>
-            </p:sp>
-            <p:sp>
-              <p:nvSpPr>
-                <p:cNvPr id="50" name="Oval 49"/>
-                <p:cNvSpPr/>
-                <p:nvPr/>
-              </p:nvSpPr>
-              <p:spPr>
-                <a:xfrm>
-                  <a:off x="2966472" y="1718244"/>
-                  <a:ext cx="2548956" cy="2548956"/>
-                </a:xfrm>
-                <a:prstGeom prst="ellipse">
-                  <a:avLst/>
-                </a:prstGeom>
-                <a:blipFill>
-                  <a:blip r:embed="rId2"/>
-                  <a:stretch>
-                    <a:fillRect/>
-                  </a:stretch>
-                </a:blipFill>
-                <a:ln w="25400">
-                  <a:noFill/>
-                  <a:prstDash val="solid"/>
-                </a:ln>
-              </p:spPr>
-              <p:style>
-                <a:lnRef idx="2">
-                  <a:schemeClr val="accent1">
-                    <a:shade val="50000"/>
-                  </a:schemeClr>
-                </a:lnRef>
-                <a:fillRef idx="1">
-                  <a:schemeClr val="accent1"/>
-                </a:fillRef>
-                <a:effectRef idx="0">
-                  <a:schemeClr val="accent1"/>
-                </a:effectRef>
-                <a:fontRef idx="minor">
-                  <a:schemeClr val="lt1"/>
-                </a:fontRef>
-              </p:style>
-              <p:txBody>
-                <a:bodyPr rtlCol="0" anchor="ctr"/>
-                <a:lstStyle/>
-                <a:p>
-                  <a:pPr algn="ctr"/>
-                  <a:endParaRPr lang="en-US"/>
-                </a:p>
-              </p:txBody>
-            </p:sp>
-          </p:grpSp>
-          <p:sp>
-            <p:nvSpPr>
-              <p:cNvPr id="48" name="TextBox 47"/>
-              <p:cNvSpPr txBox="1"/>
-              <p:nvPr/>
-            </p:nvSpPr>
-            <p:spPr>
-              <a:xfrm>
-                <a:off x="2686244" y="6400800"/>
-                <a:ext cx="1924245" cy="369332"/>
-              </a:xfrm>
-              <a:prstGeom prst="rect">
-                <a:avLst/>
-              </a:prstGeom>
-              <a:noFill/>
-            </p:spPr>
-            <p:txBody>
-              <a:bodyPr wrap="square" rtlCol="0">
-                <a:spAutoFit/>
-              </a:bodyPr>
-              <a:lstStyle/>
-              <a:p>
-                <a:pPr algn="ctr"/>
-                <a:r>
-                  <a:rPr lang="en-US" b="1" dirty="0" smtClean="0">
-                    <a:solidFill>
-                      <a:srgbClr val="0070C0"/>
-                    </a:solidFill>
-                  </a:rPr>
-                  <a:t>Nguyen Minh Huy</a:t>
-                </a:r>
-                <a:endParaRPr lang="en-US" b="1" dirty="0">
-                  <a:solidFill>
-                    <a:srgbClr val="0070C0"/>
-                  </a:solidFill>
-                </a:endParaRPr>
-              </a:p>
-            </p:txBody>
-          </p:sp>
-        </p:grpSp>
-        <p:grpSp>
-          <p:nvGrpSpPr>
-            <p:cNvPr id="51" name="Group 50"/>
-            <p:cNvGrpSpPr/>
-            <p:nvPr/>
-          </p:nvGrpSpPr>
-          <p:grpSpPr>
-            <a:xfrm>
-              <a:off x="6741824" y="2286000"/>
-              <a:ext cx="1828801" cy="2117098"/>
-              <a:chOff x="2743199" y="4653034"/>
-              <a:chExt cx="1828801" cy="2117098"/>
-            </a:xfrm>
-          </p:grpSpPr>
-          <p:grpSp>
-            <p:nvGrpSpPr>
-              <p:cNvPr id="52" name="Group 51"/>
-              <p:cNvGrpSpPr/>
-              <p:nvPr/>
-            </p:nvGrpSpPr>
-            <p:grpSpPr>
-              <a:xfrm>
-                <a:off x="2804448" y="4653034"/>
-                <a:ext cx="1747766" cy="1747766"/>
-                <a:chOff x="2862941" y="1609725"/>
-                <a:chExt cx="2748301" cy="2748301"/>
-              </a:xfrm>
-            </p:grpSpPr>
-            <p:sp>
-              <p:nvSpPr>
-                <p:cNvPr id="54" name="Oval 53"/>
-                <p:cNvSpPr/>
-                <p:nvPr/>
-              </p:nvSpPr>
-              <p:spPr>
-                <a:xfrm>
-                  <a:off x="2862941" y="1609725"/>
-                  <a:ext cx="2748301" cy="2748301"/>
-                </a:xfrm>
-                <a:prstGeom prst="ellipse">
-                  <a:avLst/>
-                </a:prstGeom>
-                <a:solidFill>
-                  <a:schemeClr val="bg1"/>
-                </a:solidFill>
-                <a:ln w="25400">
-                  <a:prstDash val="sysDash"/>
-                </a:ln>
-              </p:spPr>
-              <p:style>
-                <a:lnRef idx="2">
-                  <a:schemeClr val="accent1">
-                    <a:shade val="50000"/>
-                  </a:schemeClr>
-                </a:lnRef>
-                <a:fillRef idx="1">
-                  <a:schemeClr val="accent1"/>
-                </a:fillRef>
-                <a:effectRef idx="0">
-                  <a:schemeClr val="accent1"/>
-                </a:effectRef>
-                <a:fontRef idx="minor">
-                  <a:schemeClr val="lt1"/>
-                </a:fontRef>
-              </p:style>
-              <p:txBody>
-                <a:bodyPr rtlCol="0" anchor="ctr"/>
-                <a:lstStyle/>
-                <a:p>
-                  <a:pPr algn="ctr"/>
-                  <a:endParaRPr lang="en-US"/>
-                </a:p>
-              </p:txBody>
-            </p:sp>
-            <p:sp>
-              <p:nvSpPr>
-                <p:cNvPr id="55" name="Oval 54"/>
-                <p:cNvSpPr/>
-                <p:nvPr/>
-              </p:nvSpPr>
-              <p:spPr>
-                <a:xfrm>
-                  <a:off x="2966472" y="1718244"/>
-                  <a:ext cx="2548956" cy="2548956"/>
-                </a:xfrm>
-                <a:prstGeom prst="ellipse">
-                  <a:avLst/>
-                </a:prstGeom>
-                <a:blipFill>
-                  <a:blip r:embed="rId2"/>
-                  <a:stretch>
-                    <a:fillRect/>
-                  </a:stretch>
-                </a:blipFill>
-                <a:ln w="25400">
-                  <a:noFill/>
-                  <a:prstDash val="solid"/>
-                </a:ln>
-              </p:spPr>
-              <p:style>
-                <a:lnRef idx="2">
-                  <a:schemeClr val="accent1">
-                    <a:shade val="50000"/>
-                  </a:schemeClr>
-                </a:lnRef>
-                <a:fillRef idx="1">
-                  <a:schemeClr val="accent1"/>
-                </a:fillRef>
-                <a:effectRef idx="0">
-                  <a:schemeClr val="accent1"/>
-                </a:effectRef>
-                <a:fontRef idx="minor">
-                  <a:schemeClr val="lt1"/>
-                </a:fontRef>
-              </p:style>
-              <p:txBody>
-                <a:bodyPr rtlCol="0" anchor="ctr"/>
-                <a:lstStyle/>
-                <a:p>
-                  <a:pPr algn="ctr"/>
-                  <a:endParaRPr lang="en-US"/>
-                </a:p>
-              </p:txBody>
-            </p:sp>
-          </p:grpSp>
-          <p:sp>
-            <p:nvSpPr>
-              <p:cNvPr id="53" name="TextBox 52"/>
-              <p:cNvSpPr txBox="1"/>
-              <p:nvPr/>
-            </p:nvSpPr>
-            <p:spPr>
-              <a:xfrm>
-                <a:off x="2743199" y="6400800"/>
-                <a:ext cx="1828801" cy="369332"/>
-              </a:xfrm>
-              <a:prstGeom prst="rect">
-                <a:avLst/>
-              </a:prstGeom>
-              <a:noFill/>
-            </p:spPr>
-            <p:txBody>
-              <a:bodyPr wrap="square" rtlCol="0">
-                <a:spAutoFit/>
-              </a:bodyPr>
-              <a:lstStyle/>
-              <a:p>
-                <a:pPr algn="ctr"/>
-                <a:r>
-                  <a:rPr lang="en-US" b="1" dirty="0" smtClean="0">
-                    <a:solidFill>
-                      <a:srgbClr val="0070C0"/>
-                    </a:solidFill>
-                  </a:rPr>
-                  <a:t>Vu Ngoc Trung</a:t>
-                </a:r>
-                <a:endParaRPr lang="en-US" b="1" dirty="0">
-                  <a:solidFill>
-                    <a:srgbClr val="0070C0"/>
-                  </a:solidFill>
-                </a:endParaRPr>
-              </a:p>
-            </p:txBody>
-          </p:sp>
-        </p:grpSp>
-        <p:grpSp>
-          <p:nvGrpSpPr>
-            <p:cNvPr id="56" name="Group 55"/>
-            <p:cNvGrpSpPr/>
-            <p:nvPr/>
-          </p:nvGrpSpPr>
-          <p:grpSpPr>
-            <a:xfrm>
-              <a:off x="2514600" y="4512302"/>
-              <a:ext cx="1828801" cy="2117098"/>
-              <a:chOff x="2743199" y="4653034"/>
-              <a:chExt cx="1828801" cy="2117098"/>
-            </a:xfrm>
-          </p:grpSpPr>
-          <p:grpSp>
-            <p:nvGrpSpPr>
-              <p:cNvPr id="57" name="Group 56"/>
-              <p:cNvGrpSpPr/>
-              <p:nvPr/>
-            </p:nvGrpSpPr>
-            <p:grpSpPr>
-              <a:xfrm>
-                <a:off x="2804448" y="4653034"/>
-                <a:ext cx="1747766" cy="1747766"/>
-                <a:chOff x="2862941" y="1609725"/>
-                <a:chExt cx="2748301" cy="2748301"/>
-              </a:xfrm>
-            </p:grpSpPr>
-            <p:sp>
-              <p:nvSpPr>
-                <p:cNvPr id="59" name="Oval 58"/>
-                <p:cNvSpPr/>
-                <p:nvPr/>
-              </p:nvSpPr>
-              <p:spPr>
-                <a:xfrm>
-                  <a:off x="2862941" y="1609725"/>
-                  <a:ext cx="2748301" cy="2748301"/>
-                </a:xfrm>
-                <a:prstGeom prst="ellipse">
-                  <a:avLst/>
-                </a:prstGeom>
-                <a:solidFill>
-                  <a:schemeClr val="bg1"/>
-                </a:solidFill>
-                <a:ln w="25400">
-                  <a:prstDash val="sysDash"/>
-                </a:ln>
-              </p:spPr>
-              <p:style>
-                <a:lnRef idx="2">
-                  <a:schemeClr val="accent1">
-                    <a:shade val="50000"/>
-                  </a:schemeClr>
-                </a:lnRef>
-                <a:fillRef idx="1">
-                  <a:schemeClr val="accent1"/>
-                </a:fillRef>
-                <a:effectRef idx="0">
-                  <a:schemeClr val="accent1"/>
-                </a:effectRef>
-                <a:fontRef idx="minor">
-                  <a:schemeClr val="lt1"/>
-                </a:fontRef>
-              </p:style>
-              <p:txBody>
-                <a:bodyPr rtlCol="0" anchor="ctr"/>
-                <a:lstStyle/>
-                <a:p>
-                  <a:pPr algn="ctr"/>
-                  <a:endParaRPr lang="en-US"/>
-                </a:p>
-              </p:txBody>
-            </p:sp>
-            <p:sp>
-              <p:nvSpPr>
-                <p:cNvPr id="60" name="Oval 59"/>
-                <p:cNvSpPr/>
-                <p:nvPr/>
-              </p:nvSpPr>
-              <p:spPr>
-                <a:xfrm>
-                  <a:off x="2966472" y="1718244"/>
-                  <a:ext cx="2548956" cy="2548956"/>
-                </a:xfrm>
-                <a:prstGeom prst="ellipse">
-                  <a:avLst/>
-                </a:prstGeom>
-                <a:blipFill>
-                  <a:blip r:embed="rId2"/>
-                  <a:stretch>
-                    <a:fillRect/>
-                  </a:stretch>
-                </a:blipFill>
-                <a:ln w="25400">
-                  <a:noFill/>
-                  <a:prstDash val="solid"/>
-                </a:ln>
-              </p:spPr>
-              <p:style>
-                <a:lnRef idx="2">
-                  <a:schemeClr val="accent1">
-                    <a:shade val="50000"/>
-                  </a:schemeClr>
-                </a:lnRef>
-                <a:fillRef idx="1">
-                  <a:schemeClr val="accent1"/>
-                </a:fillRef>
-                <a:effectRef idx="0">
-                  <a:schemeClr val="accent1"/>
-                </a:effectRef>
-                <a:fontRef idx="minor">
-                  <a:schemeClr val="lt1"/>
-                </a:fontRef>
-              </p:style>
-              <p:txBody>
-                <a:bodyPr rtlCol="0" anchor="ctr"/>
-                <a:lstStyle/>
-                <a:p>
-                  <a:pPr algn="ctr"/>
-                  <a:endParaRPr lang="en-US"/>
-                </a:p>
-              </p:txBody>
-            </p:sp>
-          </p:grpSp>
-          <p:sp>
-            <p:nvSpPr>
-              <p:cNvPr id="58" name="TextBox 57"/>
-              <p:cNvSpPr txBox="1"/>
-              <p:nvPr/>
-            </p:nvSpPr>
-            <p:spPr>
-              <a:xfrm>
-                <a:off x="2743199" y="6400800"/>
-                <a:ext cx="1828801" cy="369332"/>
-              </a:xfrm>
-              <a:prstGeom prst="rect">
-                <a:avLst/>
-              </a:prstGeom>
-              <a:noFill/>
-            </p:spPr>
-            <p:txBody>
-              <a:bodyPr wrap="square" rtlCol="0">
-                <a:spAutoFit/>
-              </a:bodyPr>
-              <a:lstStyle/>
-              <a:p>
-                <a:pPr algn="ctr"/>
-                <a:r>
-                  <a:rPr lang="en-US" b="1" dirty="0" smtClean="0">
-                    <a:solidFill>
-                      <a:srgbClr val="0070C0"/>
-                    </a:solidFill>
-                  </a:rPr>
-                  <a:t>Duong Duc Anh</a:t>
-                </a:r>
-                <a:endParaRPr lang="en-US" b="1" dirty="0">
-                  <a:solidFill>
-                    <a:srgbClr val="0070C0"/>
-                  </a:solidFill>
-                </a:endParaRPr>
-              </a:p>
-            </p:txBody>
-          </p:sp>
-        </p:grpSp>
-        <p:grpSp>
-          <p:nvGrpSpPr>
-            <p:cNvPr id="61" name="Group 60"/>
-            <p:cNvGrpSpPr/>
-            <p:nvPr/>
-          </p:nvGrpSpPr>
-          <p:grpSpPr>
-            <a:xfrm>
-              <a:off x="4552755" y="4503168"/>
-              <a:ext cx="1828801" cy="2117098"/>
-              <a:chOff x="2743199" y="4653034"/>
-              <a:chExt cx="1828801" cy="2117098"/>
-            </a:xfrm>
-          </p:grpSpPr>
-          <p:grpSp>
-            <p:nvGrpSpPr>
-              <p:cNvPr id="62" name="Group 61"/>
-              <p:cNvGrpSpPr/>
-              <p:nvPr/>
-            </p:nvGrpSpPr>
-            <p:grpSpPr>
-              <a:xfrm>
-                <a:off x="2804448" y="4653034"/>
-                <a:ext cx="1747766" cy="1747766"/>
-                <a:chOff x="2862941" y="1609725"/>
-                <a:chExt cx="2748301" cy="2748301"/>
-              </a:xfrm>
-            </p:grpSpPr>
-            <p:sp>
-              <p:nvSpPr>
-                <p:cNvPr id="64" name="Oval 63"/>
-                <p:cNvSpPr/>
-                <p:nvPr/>
-              </p:nvSpPr>
-              <p:spPr>
-                <a:xfrm>
-                  <a:off x="2862941" y="1609725"/>
-                  <a:ext cx="2748301" cy="2748301"/>
-                </a:xfrm>
-                <a:prstGeom prst="ellipse">
-                  <a:avLst/>
-                </a:prstGeom>
-                <a:solidFill>
-                  <a:schemeClr val="bg1"/>
-                </a:solidFill>
-                <a:ln w="25400">
-                  <a:prstDash val="sysDash"/>
-                </a:ln>
-              </p:spPr>
-              <p:style>
-                <a:lnRef idx="2">
-                  <a:schemeClr val="accent1">
-                    <a:shade val="50000"/>
-                  </a:schemeClr>
-                </a:lnRef>
-                <a:fillRef idx="1">
-                  <a:schemeClr val="accent1"/>
-                </a:fillRef>
-                <a:effectRef idx="0">
-                  <a:schemeClr val="accent1"/>
-                </a:effectRef>
-                <a:fontRef idx="minor">
-                  <a:schemeClr val="lt1"/>
-                </a:fontRef>
-              </p:style>
-              <p:txBody>
-                <a:bodyPr rtlCol="0" anchor="ctr"/>
-                <a:lstStyle/>
-                <a:p>
-                  <a:pPr algn="ctr"/>
-                  <a:endParaRPr lang="en-US"/>
-                </a:p>
-              </p:txBody>
-            </p:sp>
-            <p:sp>
-              <p:nvSpPr>
-                <p:cNvPr id="65" name="Oval 64"/>
-                <p:cNvSpPr/>
-                <p:nvPr/>
-              </p:nvSpPr>
-              <p:spPr>
-                <a:xfrm>
-                  <a:off x="2966472" y="1718244"/>
-                  <a:ext cx="2548956" cy="2548956"/>
-                </a:xfrm>
-                <a:prstGeom prst="ellipse">
-                  <a:avLst/>
-                </a:prstGeom>
-                <a:blipFill>
-                  <a:blip r:embed="rId2"/>
-                  <a:stretch>
-                    <a:fillRect/>
-                  </a:stretch>
-                </a:blipFill>
-                <a:ln w="25400">
-                  <a:noFill/>
-                  <a:prstDash val="solid"/>
-                </a:ln>
-              </p:spPr>
-              <p:style>
-                <a:lnRef idx="2">
-                  <a:schemeClr val="accent1">
-                    <a:shade val="50000"/>
-                  </a:schemeClr>
-                </a:lnRef>
-                <a:fillRef idx="1">
-                  <a:schemeClr val="accent1"/>
-                </a:fillRef>
-                <a:effectRef idx="0">
-                  <a:schemeClr val="accent1"/>
-                </a:effectRef>
-                <a:fontRef idx="minor">
-                  <a:schemeClr val="lt1"/>
-                </a:fontRef>
-              </p:style>
-              <p:txBody>
-                <a:bodyPr rtlCol="0" anchor="ctr"/>
-                <a:lstStyle/>
-                <a:p>
-                  <a:pPr algn="ctr"/>
-                  <a:endParaRPr lang="en-US"/>
-                </a:p>
-              </p:txBody>
-            </p:sp>
-          </p:grpSp>
-          <p:sp>
-            <p:nvSpPr>
-              <p:cNvPr id="63" name="TextBox 62"/>
-              <p:cNvSpPr txBox="1"/>
-              <p:nvPr/>
-            </p:nvSpPr>
-            <p:spPr>
-              <a:xfrm>
-                <a:off x="2743199" y="6400800"/>
-                <a:ext cx="1828801" cy="369332"/>
-              </a:xfrm>
-              <a:prstGeom prst="rect">
-                <a:avLst/>
-              </a:prstGeom>
-              <a:noFill/>
-            </p:spPr>
-            <p:txBody>
-              <a:bodyPr wrap="square" rtlCol="0">
-                <a:spAutoFit/>
-              </a:bodyPr>
-              <a:lstStyle/>
-              <a:p>
-                <a:pPr algn="ctr"/>
-                <a:r>
-                  <a:rPr lang="en-US" b="1" dirty="0" smtClean="0">
-                    <a:solidFill>
-                      <a:srgbClr val="0070C0"/>
-                    </a:solidFill>
-                  </a:rPr>
-                  <a:t>Vu Cong Chinh</a:t>
-                </a:r>
-                <a:endParaRPr lang="en-US" b="1" dirty="0">
-                  <a:solidFill>
-                    <a:srgbClr val="0070C0"/>
-                  </a:solidFill>
-                </a:endParaRPr>
-              </a:p>
-            </p:txBody>
-          </p:sp>
-        </p:grpSp>
-        <p:grpSp>
-          <p:nvGrpSpPr>
-            <p:cNvPr id="66" name="Group 65"/>
-            <p:cNvGrpSpPr/>
-            <p:nvPr/>
-          </p:nvGrpSpPr>
-          <p:grpSpPr>
-            <a:xfrm>
-              <a:off x="6612420" y="4512302"/>
-              <a:ext cx="2150580" cy="2117098"/>
-              <a:chOff x="2613795" y="4653034"/>
-              <a:chExt cx="2150580" cy="2117098"/>
-            </a:xfrm>
-          </p:grpSpPr>
-          <p:grpSp>
-            <p:nvGrpSpPr>
-              <p:cNvPr id="67" name="Group 66"/>
-              <p:cNvGrpSpPr/>
-              <p:nvPr/>
-            </p:nvGrpSpPr>
-            <p:grpSpPr>
-              <a:xfrm>
-                <a:off x="2804448" y="4653034"/>
-                <a:ext cx="1747766" cy="1747766"/>
-                <a:chOff x="2862941" y="1609725"/>
-                <a:chExt cx="2748301" cy="2748301"/>
-              </a:xfrm>
-            </p:grpSpPr>
-            <p:sp>
-              <p:nvSpPr>
-                <p:cNvPr id="69" name="Oval 68"/>
-                <p:cNvSpPr/>
-                <p:nvPr/>
-              </p:nvSpPr>
-              <p:spPr>
-                <a:xfrm>
-                  <a:off x="2862941" y="1609725"/>
-                  <a:ext cx="2748301" cy="2748301"/>
-                </a:xfrm>
-                <a:prstGeom prst="ellipse">
-                  <a:avLst/>
-                </a:prstGeom>
-                <a:solidFill>
-                  <a:schemeClr val="bg1"/>
-                </a:solidFill>
-                <a:ln w="25400">
-                  <a:prstDash val="sysDash"/>
-                </a:ln>
-              </p:spPr>
-              <p:style>
-                <a:lnRef idx="2">
-                  <a:schemeClr val="accent1">
-                    <a:shade val="50000"/>
-                  </a:schemeClr>
-                </a:lnRef>
-                <a:fillRef idx="1">
-                  <a:schemeClr val="accent1"/>
-                </a:fillRef>
-                <a:effectRef idx="0">
-                  <a:schemeClr val="accent1"/>
-                </a:effectRef>
-                <a:fontRef idx="minor">
-                  <a:schemeClr val="lt1"/>
-                </a:fontRef>
-              </p:style>
-              <p:txBody>
-                <a:bodyPr rtlCol="0" anchor="ctr"/>
-                <a:lstStyle/>
-                <a:p>
-                  <a:pPr algn="ctr"/>
-                  <a:endParaRPr lang="en-US"/>
-                </a:p>
-              </p:txBody>
-            </p:sp>
-            <p:sp>
-              <p:nvSpPr>
-                <p:cNvPr id="70" name="Oval 69"/>
-                <p:cNvSpPr/>
-                <p:nvPr/>
-              </p:nvSpPr>
-              <p:spPr>
-                <a:xfrm>
-                  <a:off x="2966472" y="1718244"/>
-                  <a:ext cx="2548956" cy="2548956"/>
-                </a:xfrm>
-                <a:prstGeom prst="ellipse">
-                  <a:avLst/>
-                </a:prstGeom>
-                <a:blipFill>
-                  <a:blip r:embed="rId2"/>
-                  <a:stretch>
-                    <a:fillRect/>
-                  </a:stretch>
-                </a:blipFill>
-                <a:ln w="25400">
-                  <a:noFill/>
-                  <a:prstDash val="solid"/>
-                </a:ln>
-              </p:spPr>
-              <p:style>
-                <a:lnRef idx="2">
-                  <a:schemeClr val="accent1">
-                    <a:shade val="50000"/>
-                  </a:schemeClr>
-                </a:lnRef>
-                <a:fillRef idx="1">
-                  <a:schemeClr val="accent1"/>
-                </a:fillRef>
-                <a:effectRef idx="0">
-                  <a:schemeClr val="accent1"/>
-                </a:effectRef>
-                <a:fontRef idx="minor">
-                  <a:schemeClr val="lt1"/>
-                </a:fontRef>
-              </p:style>
-              <p:txBody>
-                <a:bodyPr rtlCol="0" anchor="ctr"/>
-                <a:lstStyle/>
-                <a:p>
-                  <a:pPr algn="ctr"/>
-                  <a:endParaRPr lang="en-US"/>
-                </a:p>
-              </p:txBody>
-            </p:sp>
-          </p:grpSp>
-          <p:sp>
-            <p:nvSpPr>
-              <p:cNvPr id="68" name="TextBox 67"/>
-              <p:cNvSpPr txBox="1"/>
-              <p:nvPr/>
-            </p:nvSpPr>
-            <p:spPr>
-              <a:xfrm>
-                <a:off x="2613795" y="6400800"/>
-                <a:ext cx="2150580" cy="369332"/>
-              </a:xfrm>
-              <a:prstGeom prst="rect">
-                <a:avLst/>
-              </a:prstGeom>
-              <a:noFill/>
-            </p:spPr>
-            <p:txBody>
-              <a:bodyPr wrap="square" rtlCol="0">
-                <a:spAutoFit/>
-              </a:bodyPr>
-              <a:lstStyle/>
-              <a:p>
-                <a:pPr algn="ctr"/>
-                <a:r>
-                  <a:rPr lang="en-US" b="1" dirty="0" smtClean="0">
-                    <a:solidFill>
-                      <a:srgbClr val="0070C0"/>
-                    </a:solidFill>
-                  </a:rPr>
-                  <a:t>Cao Thi Phuong Mai</a:t>
-                </a:r>
-                <a:endParaRPr lang="en-US" b="1" dirty="0">
-                  <a:solidFill>
-                    <a:srgbClr val="0070C0"/>
-                  </a:solidFill>
-                </a:endParaRPr>
-              </a:p>
-            </p:txBody>
-          </p:sp>
-        </p:grpSp>
-        <p:sp>
-          <p:nvSpPr>
-            <p:cNvPr id="71" name="Rectangle 70"/>
-            <p:cNvSpPr/>
-            <p:nvPr/>
-          </p:nvSpPr>
-          <p:spPr>
-            <a:xfrm>
-              <a:off x="2438400" y="2091908"/>
-              <a:ext cx="6324600" cy="4689892"/>
-            </a:xfrm>
-            <a:prstGeom prst="rect">
-              <a:avLst/>
-            </a:prstGeom>
-            <a:noFill/>
-            <a:ln w="25400" cmpd="sng">
-              <a:solidFill>
-                <a:srgbClr val="0070C0"/>
-              </a:solidFill>
-              <a:prstDash val="solid"/>
-            </a:ln>
-          </p:spPr>
-          <p:style>
-            <a:lnRef idx="2">
-              <a:schemeClr val="accent1">
-                <a:shade val="50000"/>
-              </a:schemeClr>
-            </a:lnRef>
-            <a:fillRef idx="1">
-              <a:schemeClr val="accent1"/>
-            </a:fillRef>
-            <a:effectRef idx="0">
-              <a:schemeClr val="accent1"/>
-            </a:effectRef>
-            <a:fontRef idx="minor">
-              <a:schemeClr val="lt1"/>
-            </a:fontRef>
-          </p:style>
-          <p:txBody>
-            <a:bodyPr rtlCol="0" anchor="ctr"/>
-            <a:lstStyle/>
-            <a:p>
-              <a:pPr algn="ctr"/>
-              <a:endParaRPr lang="en-US"/>
-            </a:p>
-          </p:txBody>
-        </p:sp>
-      </p:grpSp>
-      <p:sp>
-        <p:nvSpPr>
-          <p:cNvPr id="72" name="Rectangle 71"/>
-          <p:cNvSpPr/>
-          <p:nvPr/>
-        </p:nvSpPr>
-        <p:spPr>
-          <a:xfrm>
-            <a:off x="2743200" y="1380292"/>
-            <a:ext cx="6324600" cy="677108"/>
-          </a:xfrm>
-          <a:prstGeom prst="rect">
-            <a:avLst/>
-          </a:prstGeom>
-        </p:spPr>
-        <p:txBody>
-          <a:bodyPr wrap="square">
-            <a:spAutoFit/>
-          </a:bodyPr>
-          <a:lstStyle/>
-          <a:p>
-            <a:pPr>
-              <a:defRPr/>
-            </a:pPr>
-            <a:r>
-              <a:rPr lang="en-US" b="1" dirty="0">
-                <a:solidFill>
-                  <a:srgbClr val="0070C0"/>
-                </a:solidFill>
-                <a:latin typeface="Muli"/>
-                <a:ea typeface="Muli"/>
-                <a:cs typeface="Muli"/>
-                <a:sym typeface="Arial"/>
-                <a:rtl val="0"/>
-              </a:rPr>
-              <a:t>Team member </a:t>
-            </a:r>
-            <a:r>
-              <a:rPr lang="en-US" b="1" kern="0" dirty="0">
-                <a:solidFill>
-                  <a:srgbClr val="0070C0"/>
-                </a:solidFill>
-              </a:rPr>
-              <a:t>	      </a:t>
-            </a:r>
-          </a:p>
-          <a:p>
-            <a:pPr>
-              <a:defRPr/>
-            </a:pPr>
-            <a:r>
-              <a:rPr lang="ja-JP" altLang="en-US" sz="2000" b="1" kern="0" dirty="0">
-                <a:solidFill>
-                  <a:srgbClr val="0070C0"/>
-                </a:solidFill>
-                <a:latin typeface="News Cycle" panose="02000803000000000000" pitchFamily="2" charset="2"/>
-              </a:rPr>
-              <a:t>チームメンバ</a:t>
-            </a:r>
-            <a:r>
-              <a:rPr lang="ja-JP" altLang="en-US" sz="2000" b="1" kern="0" dirty="0">
-                <a:solidFill>
-                  <a:schemeClr val="bg1"/>
-                </a:solidFill>
-                <a:latin typeface="News Cycle" panose="02000803000000000000" pitchFamily="2" charset="2"/>
-              </a:rPr>
-              <a:t>ー </a:t>
-            </a:r>
-            <a:endParaRPr lang="en-US" sz="2000" b="1" dirty="0">
-              <a:solidFill>
-                <a:schemeClr val="bg1"/>
-              </a:solidFill>
-            </a:endParaRPr>
-          </a:p>
-        </p:txBody>
-      </p:sp>
-      <p:sp>
-        <p:nvSpPr>
-          <p:cNvPr id="73" name="Rectangle 72"/>
-          <p:cNvSpPr/>
-          <p:nvPr/>
-        </p:nvSpPr>
-        <p:spPr>
-          <a:xfrm>
-            <a:off x="609600" y="1379195"/>
-            <a:ext cx="1600200" cy="677108"/>
-          </a:xfrm>
-          <a:prstGeom prst="rect">
-            <a:avLst/>
-          </a:prstGeom>
-        </p:spPr>
-        <p:txBody>
-          <a:bodyPr wrap="square">
-            <a:spAutoFit/>
-          </a:bodyPr>
-          <a:lstStyle/>
-          <a:p>
-            <a:pPr>
-              <a:defRPr/>
-            </a:pPr>
-            <a:r>
-              <a:rPr lang="en-US" b="1" dirty="0">
-                <a:solidFill>
-                  <a:srgbClr val="0070C0"/>
-                </a:solidFill>
-                <a:latin typeface="Muli"/>
-                <a:ea typeface="Muli"/>
-                <a:cs typeface="Muli"/>
-                <a:sym typeface="Arial"/>
-                <a:rtl val="0"/>
-              </a:rPr>
-              <a:t>Supervisor</a:t>
-            </a:r>
-            <a:r>
-              <a:rPr lang="en-US" b="1" kern="0" dirty="0">
-                <a:solidFill>
-                  <a:srgbClr val="0070C0"/>
-                </a:solidFill>
-                <a:latin typeface="Roke1984" pitchFamily="50" charset="0"/>
-              </a:rPr>
-              <a:t> </a:t>
-            </a:r>
-          </a:p>
-          <a:p>
-            <a:pPr>
-              <a:defRPr/>
-            </a:pPr>
-            <a:r>
-              <a:rPr lang="ja-JP" altLang="en-US" sz="2000" b="1" kern="0" dirty="0">
-                <a:solidFill>
-                  <a:srgbClr val="0070C0"/>
-                </a:solidFill>
-              </a:rPr>
-              <a:t>指導教員</a:t>
-            </a:r>
-            <a:endParaRPr lang="en-US" altLang="ja-JP" sz="2000" b="1" kern="0" dirty="0">
-              <a:solidFill>
-                <a:srgbClr val="0070C0"/>
-              </a:solidFill>
-            </a:endParaRPr>
-          </a:p>
-        </p:txBody>
-      </p:sp>
-      <p:grpSp>
-        <p:nvGrpSpPr>
-          <p:cNvPr id="76" name="Group 75"/>
-          <p:cNvGrpSpPr/>
-          <p:nvPr/>
-        </p:nvGrpSpPr>
-        <p:grpSpPr>
-          <a:xfrm>
-            <a:off x="685800" y="2148377"/>
-            <a:ext cx="1524000" cy="1828800"/>
-            <a:chOff x="762000" y="2148377"/>
-            <a:chExt cx="1524000" cy="1828800"/>
-          </a:xfrm>
-        </p:grpSpPr>
-        <p:sp>
-          <p:nvSpPr>
-            <p:cNvPr id="19" name="Rectangle 18"/>
-            <p:cNvSpPr/>
-            <p:nvPr/>
-          </p:nvSpPr>
-          <p:spPr>
-            <a:xfrm>
-              <a:off x="762000" y="2148377"/>
-              <a:ext cx="1524000" cy="1828800"/>
-            </a:xfrm>
-            <a:prstGeom prst="rect">
-              <a:avLst/>
-            </a:prstGeom>
-            <a:noFill/>
-            <a:ln>
-              <a:solidFill>
-                <a:srgbClr val="0070C0"/>
-              </a:solidFill>
-              <a:prstDash val="solid"/>
-            </a:ln>
-          </p:spPr>
-          <p:style>
-            <a:lnRef idx="2">
-              <a:schemeClr val="accent1">
-                <a:shade val="50000"/>
-              </a:schemeClr>
-            </a:lnRef>
-            <a:fillRef idx="1">
-              <a:schemeClr val="accent1"/>
-            </a:fillRef>
-            <a:effectRef idx="0">
-              <a:schemeClr val="accent1"/>
-            </a:effectRef>
-            <a:fontRef idx="minor">
-              <a:schemeClr val="lt1"/>
-            </a:fontRef>
-          </p:style>
-          <p:txBody>
-            <a:bodyPr rtlCol="0" anchor="ctr"/>
-            <a:lstStyle/>
-            <a:p>
-              <a:pPr algn="ctr"/>
-              <a:endParaRPr lang="en-US" u="sng" dirty="0">
-                <a:solidFill>
-                  <a:srgbClr val="0070C0"/>
-                </a:solidFill>
-              </a:endParaRPr>
-            </a:p>
-          </p:txBody>
-        </p:sp>
-        <p:sp>
-          <p:nvSpPr>
-            <p:cNvPr id="74" name="Rectangle 73"/>
-            <p:cNvSpPr/>
-            <p:nvPr/>
-          </p:nvSpPr>
-          <p:spPr>
-            <a:xfrm>
-              <a:off x="838200" y="2224577"/>
-              <a:ext cx="1371600" cy="1676400"/>
-            </a:xfrm>
-            <a:prstGeom prst="rect">
-              <a:avLst/>
-            </a:prstGeom>
-            <a:blipFill>
-              <a:blip r:embed="rId2"/>
-              <a:stretch>
-                <a:fillRect/>
-              </a:stretch>
-            </a:blipFill>
-            <a:ln>
-              <a:noFill/>
-              <a:prstDash val="solid"/>
-            </a:ln>
-          </p:spPr>
-          <p:style>
-            <a:lnRef idx="2">
-              <a:schemeClr val="accent1">
-                <a:shade val="50000"/>
-              </a:schemeClr>
-            </a:lnRef>
-            <a:fillRef idx="1">
-              <a:schemeClr val="accent1"/>
-            </a:fillRef>
-            <a:effectRef idx="0">
-              <a:schemeClr val="accent1"/>
-            </a:effectRef>
-            <a:fontRef idx="minor">
-              <a:schemeClr val="lt1"/>
-            </a:fontRef>
-          </p:style>
-          <p:txBody>
-            <a:bodyPr rtlCol="0" anchor="ctr"/>
-            <a:lstStyle/>
-            <a:p>
-              <a:pPr algn="ctr"/>
-              <a:endParaRPr lang="en-US" u="sng" dirty="0"/>
-            </a:p>
-          </p:txBody>
-        </p:sp>
-      </p:grpSp>
-      <p:sp>
-        <p:nvSpPr>
-          <p:cNvPr id="77" name="TextBox 76"/>
-          <p:cNvSpPr txBox="1"/>
-          <p:nvPr/>
-        </p:nvSpPr>
-        <p:spPr>
-          <a:xfrm>
-            <a:off x="533400" y="4038600"/>
-            <a:ext cx="1828801" cy="369332"/>
-          </a:xfrm>
-          <a:prstGeom prst="rect">
-            <a:avLst/>
-          </a:prstGeom>
-          <a:noFill/>
-          <a:ln>
-            <a:noFill/>
-          </a:ln>
-        </p:spPr>
-        <p:txBody>
-          <a:bodyPr wrap="square" rtlCol="0">
-            <a:spAutoFit/>
-          </a:bodyPr>
-          <a:lstStyle/>
-          <a:p>
-            <a:pPr algn="ctr"/>
-            <a:r>
-              <a:rPr lang="en-US" b="1" dirty="0" smtClean="0">
-                <a:solidFill>
-                  <a:srgbClr val="0070C0"/>
-                </a:solidFill>
-              </a:rPr>
-              <a:t>Nguyen Van Sang</a:t>
-            </a:r>
-            <a:endParaRPr lang="en-US" b="1" dirty="0">
-              <a:solidFill>
-                <a:srgbClr val="0070C0"/>
-              </a:solidFill>
-            </a:endParaRPr>
-          </a:p>
-        </p:txBody>
-      </p:sp>
-      <p:cxnSp>
-        <p:nvCxnSpPr>
-          <p:cNvPr id="81" name="Elbow Connector 80"/>
-          <p:cNvCxnSpPr>
-            <a:stCxn id="19" idx="3"/>
-            <a:endCxn id="71" idx="1"/>
-          </p:cNvCxnSpPr>
-          <p:nvPr/>
-        </p:nvCxnSpPr>
-        <p:spPr>
-          <a:xfrm>
-            <a:off x="2209800" y="3062777"/>
-            <a:ext cx="533400" cy="1374077"/>
-          </a:xfrm>
-          <a:prstGeom prst="bentConnector3">
-            <a:avLst>
-              <a:gd name="adj1" fmla="val 50000"/>
-            </a:avLst>
-          </a:prstGeom>
-          <a:ln w="25400">
-            <a:prstDash val="dash"/>
-          </a:ln>
-        </p:spPr>
-        <p:style>
-          <a:lnRef idx="1">
-            <a:schemeClr val="accent1"/>
-          </a:lnRef>
-          <a:fillRef idx="0">
-            <a:schemeClr val="accent1"/>
-          </a:fillRef>
-          <a:effectRef idx="0">
-            <a:schemeClr val="accent1"/>
-          </a:effectRef>
-          <a:fontRef idx="minor">
-            <a:schemeClr val="tx1"/>
-          </a:fontRef>
-        </p:style>
-      </p:cxnSp>
-      <p:pic>
-        <p:nvPicPr>
-          <p:cNvPr id="86" name="Picture 2" descr="C:\Users\Chinh\Desktop\logo_dandelion3.png"/>
-          <p:cNvPicPr>
-            <a:picLocks noChangeAspect="1" noChangeArrowheads="1"/>
-          </p:cNvPicPr>
-          <p:nvPr/>
-        </p:nvPicPr>
-        <p:blipFill>
-          <a:blip r:embed="rId3" cstate="print">
-            <a:extLst>
-              <a:ext uri="{28A0092B-C50C-407E-A947-70E740481C1C}">
-                <a14:useLocalDpi xmlns:a14="http://schemas.microsoft.com/office/drawing/2010/main" val="0"/>
-              </a:ext>
-            </a:extLst>
-          </a:blip>
-          <a:srcRect/>
-          <a:stretch>
-            <a:fillRect/>
-          </a:stretch>
-        </p:blipFill>
-        <p:spPr bwMode="auto">
-          <a:xfrm>
-            <a:off x="141360" y="25854"/>
-            <a:ext cx="350693" cy="517080"/>
-          </a:xfrm>
-          <a:prstGeom prst="rect">
-            <a:avLst/>
-          </a:prstGeom>
-          <a:noFill/>
-          <a:extLst>
-            <a:ext uri="{909E8E84-426E-40DD-AFC4-6F175D3DCCD1}">
-              <a14:hiddenFill xmlns:a14="http://schemas.microsoft.com/office/drawing/2010/main">
-                <a:solidFill>
-                  <a:srgbClr val="FFFFFF"/>
-                </a:solidFill>
-              </a14:hiddenFill>
-            </a:ext>
-          </a:extLst>
-        </p:spPr>
-      </p:pic>
-    </p:spTree>
-    <p:extLst>
-      <p:ext uri="{BB962C8B-B14F-4D97-AF65-F5344CB8AC3E}">
-        <p14:creationId xmlns:p14="http://schemas.microsoft.com/office/powerpoint/2010/main" val="3993365249"/>
-      </p:ext>
-    </p:extLst>
-  </p:cSld>
-  <p:clrMapOvr>
-    <a:masterClrMapping/>
-  </p:clrMapOvr>
-  <p:timing>
-    <p:tnLst>
-      <p:par>
-        <p:cTn id="1" dur="indefinite" restart="never" nodeType="tmRoot">
-          <p:childTnLst>
-            <p:seq concurrent="1" nextAc="seek">
-              <p:cTn id="2" dur="indefinite" nodeType="mainSeq">
-                <p:childTnLst>
-                  <p:par>
-                    <p:cTn id="3" fill="hold">
-                      <p:stCondLst>
-                        <p:cond delay="indefinite"/>
-                        <p:cond evt="onBegin" delay="0">
-                          <p:tn val="2"/>
-                        </p:cond>
-                      </p:stCondLst>
-                      <p:childTnLst>
-                        <p:par>
-                          <p:cTn id="4" fill="hold">
-                            <p:stCondLst>
-                              <p:cond delay="0"/>
-                            </p:stCondLst>
-                            <p:childTnLst>
-                              <p:par>
-                                <p:cTn id="5" presetID="53" presetClass="entr" presetSubtype="16" fill="hold" nodeType="withEffect">
-                                  <p:stCondLst>
-                                    <p:cond delay="0"/>
-                                  </p:stCondLst>
-                                  <p:childTnLst>
-                                    <p:set>
-                                      <p:cBhvr>
-                                        <p:cTn id="6" dur="1" fill="hold">
-                                          <p:stCondLst>
-                                            <p:cond delay="0"/>
-                                          </p:stCondLst>
-                                        </p:cTn>
-                                        <p:tgtEl>
-                                          <p:spTgt spid="76"/>
-                                        </p:tgtEl>
-                                        <p:attrNameLst>
-                                          <p:attrName>style.visibility</p:attrName>
-                                        </p:attrNameLst>
-                                      </p:cBhvr>
-                                      <p:to>
-                                        <p:strVal val="visible"/>
-                                      </p:to>
-                                    </p:set>
-                                    <p:anim calcmode="lin" valueType="num">
-                                      <p:cBhvr>
-                                        <p:cTn id="7" dur="500" fill="hold"/>
-                                        <p:tgtEl>
-                                          <p:spTgt spid="76"/>
-                                        </p:tgtEl>
-                                        <p:attrNameLst>
-                                          <p:attrName>ppt_w</p:attrName>
-                                        </p:attrNameLst>
-                                      </p:cBhvr>
-                                      <p:tavLst>
-                                        <p:tav tm="0">
-                                          <p:val>
-                                            <p:fltVal val="0"/>
-                                          </p:val>
-                                        </p:tav>
-                                        <p:tav tm="100000">
-                                          <p:val>
-                                            <p:strVal val="#ppt_w"/>
-                                          </p:val>
-                                        </p:tav>
-                                      </p:tavLst>
-                                    </p:anim>
-                                    <p:anim calcmode="lin" valueType="num">
-                                      <p:cBhvr>
-                                        <p:cTn id="8" dur="500" fill="hold"/>
-                                        <p:tgtEl>
-                                          <p:spTgt spid="76"/>
-                                        </p:tgtEl>
-                                        <p:attrNameLst>
-                                          <p:attrName>ppt_h</p:attrName>
-                                        </p:attrNameLst>
-                                      </p:cBhvr>
-                                      <p:tavLst>
-                                        <p:tav tm="0">
-                                          <p:val>
-                                            <p:fltVal val="0"/>
-                                          </p:val>
-                                        </p:tav>
-                                        <p:tav tm="100000">
-                                          <p:val>
-                                            <p:strVal val="#ppt_h"/>
-                                          </p:val>
-                                        </p:tav>
-                                      </p:tavLst>
-                                    </p:anim>
-                                    <p:animEffect transition="in" filter="fade">
-                                      <p:cBhvr>
-                                        <p:cTn id="9" dur="500"/>
-                                        <p:tgtEl>
-                                          <p:spTgt spid="76"/>
-                                        </p:tgtEl>
-                                      </p:cBhvr>
-                                    </p:animEffect>
-                                  </p:childTnLst>
-                                </p:cTn>
-                              </p:par>
-                              <p:par>
-                                <p:cTn id="10" presetID="53" presetClass="entr" presetSubtype="16" fill="hold" grpId="0" nodeType="withEffect">
-                                  <p:stCondLst>
-                                    <p:cond delay="0"/>
-                                  </p:stCondLst>
-                                  <p:childTnLst>
-                                    <p:set>
-                                      <p:cBhvr>
-                                        <p:cTn id="11" dur="1" fill="hold">
-                                          <p:stCondLst>
-                                            <p:cond delay="0"/>
-                                          </p:stCondLst>
-                                        </p:cTn>
-                                        <p:tgtEl>
-                                          <p:spTgt spid="77"/>
-                                        </p:tgtEl>
-                                        <p:attrNameLst>
-                                          <p:attrName>style.visibility</p:attrName>
-                                        </p:attrNameLst>
-                                      </p:cBhvr>
-                                      <p:to>
-                                        <p:strVal val="visible"/>
-                                      </p:to>
-                                    </p:set>
-                                    <p:anim calcmode="lin" valueType="num">
-                                      <p:cBhvr>
-                                        <p:cTn id="12" dur="500" fill="hold"/>
-                                        <p:tgtEl>
-                                          <p:spTgt spid="77"/>
-                                        </p:tgtEl>
-                                        <p:attrNameLst>
-                                          <p:attrName>ppt_w</p:attrName>
-                                        </p:attrNameLst>
-                                      </p:cBhvr>
-                                      <p:tavLst>
-                                        <p:tav tm="0">
-                                          <p:val>
-                                            <p:fltVal val="0"/>
-                                          </p:val>
-                                        </p:tav>
-                                        <p:tav tm="100000">
-                                          <p:val>
-                                            <p:strVal val="#ppt_w"/>
-                                          </p:val>
-                                        </p:tav>
-                                      </p:tavLst>
-                                    </p:anim>
-                                    <p:anim calcmode="lin" valueType="num">
-                                      <p:cBhvr>
-                                        <p:cTn id="13" dur="500" fill="hold"/>
-                                        <p:tgtEl>
-                                          <p:spTgt spid="77"/>
-                                        </p:tgtEl>
-                                        <p:attrNameLst>
-                                          <p:attrName>ppt_h</p:attrName>
-                                        </p:attrNameLst>
-                                      </p:cBhvr>
-                                      <p:tavLst>
-                                        <p:tav tm="0">
-                                          <p:val>
-                                            <p:fltVal val="0"/>
-                                          </p:val>
-                                        </p:tav>
-                                        <p:tav tm="100000">
-                                          <p:val>
-                                            <p:strVal val="#ppt_h"/>
-                                          </p:val>
-                                        </p:tav>
-                                      </p:tavLst>
-                                    </p:anim>
-                                    <p:animEffect transition="in" filter="fade">
-                                      <p:cBhvr>
-                                        <p:cTn id="14" dur="500"/>
-                                        <p:tgtEl>
-                                          <p:spTgt spid="77"/>
-                                        </p:tgtEl>
-                                      </p:cBhvr>
-                                    </p:animEffect>
-                                  </p:childTnLst>
-                                </p:cTn>
-                              </p:par>
-                              <p:par>
-                                <p:cTn id="15" presetID="53" presetClass="entr" presetSubtype="16" fill="hold" grpId="0" nodeType="withEffect">
-                                  <p:stCondLst>
-                                    <p:cond delay="0"/>
-                                  </p:stCondLst>
-                                  <p:childTnLst>
-                                    <p:set>
-                                      <p:cBhvr>
-                                        <p:cTn id="16" dur="1" fill="hold">
-                                          <p:stCondLst>
-                                            <p:cond delay="0"/>
-                                          </p:stCondLst>
-                                        </p:cTn>
-                                        <p:tgtEl>
-                                          <p:spTgt spid="73"/>
-                                        </p:tgtEl>
-                                        <p:attrNameLst>
-                                          <p:attrName>style.visibility</p:attrName>
-                                        </p:attrNameLst>
-                                      </p:cBhvr>
-                                      <p:to>
-                                        <p:strVal val="visible"/>
-                                      </p:to>
-                                    </p:set>
-                                    <p:anim calcmode="lin" valueType="num">
-                                      <p:cBhvr>
-                                        <p:cTn id="17" dur="500" fill="hold"/>
-                                        <p:tgtEl>
-                                          <p:spTgt spid="73"/>
-                                        </p:tgtEl>
-                                        <p:attrNameLst>
-                                          <p:attrName>ppt_w</p:attrName>
-                                        </p:attrNameLst>
-                                      </p:cBhvr>
-                                      <p:tavLst>
-                                        <p:tav tm="0">
-                                          <p:val>
-                                            <p:fltVal val="0"/>
-                                          </p:val>
-                                        </p:tav>
-                                        <p:tav tm="100000">
-                                          <p:val>
-                                            <p:strVal val="#ppt_w"/>
-                                          </p:val>
-                                        </p:tav>
-                                      </p:tavLst>
-                                    </p:anim>
-                                    <p:anim calcmode="lin" valueType="num">
-                                      <p:cBhvr>
-                                        <p:cTn id="18" dur="500" fill="hold"/>
-                                        <p:tgtEl>
-                                          <p:spTgt spid="73"/>
-                                        </p:tgtEl>
-                                        <p:attrNameLst>
-                                          <p:attrName>ppt_h</p:attrName>
-                                        </p:attrNameLst>
-                                      </p:cBhvr>
-                                      <p:tavLst>
-                                        <p:tav tm="0">
-                                          <p:val>
-                                            <p:fltVal val="0"/>
-                                          </p:val>
-                                        </p:tav>
-                                        <p:tav tm="100000">
-                                          <p:val>
-                                            <p:strVal val="#ppt_h"/>
-                                          </p:val>
-                                        </p:tav>
-                                      </p:tavLst>
-                                    </p:anim>
-                                    <p:animEffect transition="in" filter="fade">
-                                      <p:cBhvr>
-                                        <p:cTn id="19" dur="500"/>
-                                        <p:tgtEl>
-                                          <p:spTgt spid="73"/>
-                                        </p:tgtEl>
-                                      </p:cBhvr>
-                                    </p:animEffect>
-                                  </p:childTnLst>
-                                </p:cTn>
-                              </p:par>
-                            </p:childTnLst>
-                          </p:cTn>
-                        </p:par>
-                        <p:par>
-                          <p:cTn id="20" fill="hold">
-                            <p:stCondLst>
-                              <p:cond delay="500"/>
-                            </p:stCondLst>
-                            <p:childTnLst>
-                              <p:par>
-                                <p:cTn id="21" presetID="22" presetClass="entr" presetSubtype="8" fill="hold" nodeType="afterEffect">
-                                  <p:stCondLst>
-                                    <p:cond delay="0"/>
-                                  </p:stCondLst>
-                                  <p:childTnLst>
-                                    <p:set>
-                                      <p:cBhvr>
-                                        <p:cTn id="22" dur="1" fill="hold">
-                                          <p:stCondLst>
-                                            <p:cond delay="0"/>
-                                          </p:stCondLst>
-                                        </p:cTn>
-                                        <p:tgtEl>
-                                          <p:spTgt spid="81"/>
-                                        </p:tgtEl>
-                                        <p:attrNameLst>
-                                          <p:attrName>style.visibility</p:attrName>
-                                        </p:attrNameLst>
-                                      </p:cBhvr>
-                                      <p:to>
-                                        <p:strVal val="visible"/>
-                                      </p:to>
-                                    </p:set>
-                                    <p:animEffect transition="in" filter="wipe(left)">
-                                      <p:cBhvr>
-                                        <p:cTn id="23" dur="500"/>
-                                        <p:tgtEl>
-                                          <p:spTgt spid="81"/>
-                                        </p:tgtEl>
-                                      </p:cBhvr>
-                                    </p:animEffect>
-                                  </p:childTnLst>
-                                </p:cTn>
-                              </p:par>
-                            </p:childTnLst>
-                          </p:cTn>
-                        </p:par>
-                        <p:par>
-                          <p:cTn id="24" fill="hold">
-                            <p:stCondLst>
-                              <p:cond delay="1000"/>
-                            </p:stCondLst>
-                            <p:childTnLst>
-                              <p:par>
-                                <p:cTn id="25" presetID="42" presetClass="entr" presetSubtype="0" fill="hold" nodeType="afterEffect">
-                                  <p:stCondLst>
-                                    <p:cond delay="0"/>
-                                  </p:stCondLst>
-                                  <p:childTnLst>
-                                    <p:set>
-                                      <p:cBhvr>
-                                        <p:cTn id="26" dur="1" fill="hold">
-                                          <p:stCondLst>
-                                            <p:cond delay="0"/>
-                                          </p:stCondLst>
-                                        </p:cTn>
-                                        <p:tgtEl>
-                                          <p:spTgt spid="75"/>
-                                        </p:tgtEl>
-                                        <p:attrNameLst>
-                                          <p:attrName>style.visibility</p:attrName>
-                                        </p:attrNameLst>
-                                      </p:cBhvr>
-                                      <p:to>
-                                        <p:strVal val="visible"/>
-                                      </p:to>
-                                    </p:set>
-                                    <p:animEffect transition="in" filter="fade">
-                                      <p:cBhvr>
-                                        <p:cTn id="27" dur="1000"/>
-                                        <p:tgtEl>
-                                          <p:spTgt spid="75"/>
-                                        </p:tgtEl>
-                                      </p:cBhvr>
-                                    </p:animEffect>
-                                    <p:anim calcmode="lin" valueType="num">
-                                      <p:cBhvr>
-                                        <p:cTn id="28" dur="1000" fill="hold"/>
-                                        <p:tgtEl>
-                                          <p:spTgt spid="75"/>
-                                        </p:tgtEl>
-                                        <p:attrNameLst>
-                                          <p:attrName>ppt_x</p:attrName>
-                                        </p:attrNameLst>
-                                      </p:cBhvr>
-                                      <p:tavLst>
-                                        <p:tav tm="0">
-                                          <p:val>
-                                            <p:strVal val="#ppt_x"/>
-                                          </p:val>
-                                        </p:tav>
-                                        <p:tav tm="100000">
-                                          <p:val>
-                                            <p:strVal val="#ppt_x"/>
-                                          </p:val>
-                                        </p:tav>
-                                      </p:tavLst>
-                                    </p:anim>
-                                    <p:anim calcmode="lin" valueType="num">
-                                      <p:cBhvr>
-                                        <p:cTn id="29" dur="1000" fill="hold"/>
-                                        <p:tgtEl>
-                                          <p:spTgt spid="75"/>
-                                        </p:tgtEl>
-                                        <p:attrNameLst>
-                                          <p:attrName>ppt_y</p:attrName>
-                                        </p:attrNameLst>
-                                      </p:cBhvr>
-                                      <p:tavLst>
-                                        <p:tav tm="0">
-                                          <p:val>
-                                            <p:strVal val="#ppt_y+.1"/>
-                                          </p:val>
-                                        </p:tav>
-                                        <p:tav tm="100000">
-                                          <p:val>
-                                            <p:strVal val="#ppt_y"/>
-                                          </p:val>
-                                        </p:tav>
-                                      </p:tavLst>
-                                    </p:anim>
-                                  </p:childTnLst>
-                                </p:cTn>
-                              </p:par>
-                              <p:par>
-                                <p:cTn id="30" presetID="42" presetClass="entr" presetSubtype="0" fill="hold" grpId="0" nodeType="withEffect">
-                                  <p:stCondLst>
-                                    <p:cond delay="0"/>
-                                  </p:stCondLst>
-                                  <p:childTnLst>
-                                    <p:set>
-                                      <p:cBhvr>
-                                        <p:cTn id="31" dur="1" fill="hold">
-                                          <p:stCondLst>
-                                            <p:cond delay="0"/>
-                                          </p:stCondLst>
-                                        </p:cTn>
-                                        <p:tgtEl>
-                                          <p:spTgt spid="72"/>
-                                        </p:tgtEl>
-                                        <p:attrNameLst>
-                                          <p:attrName>style.visibility</p:attrName>
-                                        </p:attrNameLst>
-                                      </p:cBhvr>
-                                      <p:to>
-                                        <p:strVal val="visible"/>
-                                      </p:to>
-                                    </p:set>
-                                    <p:animEffect transition="in" filter="fade">
-                                      <p:cBhvr>
-                                        <p:cTn id="32" dur="1000"/>
-                                        <p:tgtEl>
-                                          <p:spTgt spid="72"/>
-                                        </p:tgtEl>
-                                      </p:cBhvr>
-                                    </p:animEffect>
-                                    <p:anim calcmode="lin" valueType="num">
-                                      <p:cBhvr>
-                                        <p:cTn id="33" dur="1000" fill="hold"/>
-                                        <p:tgtEl>
-                                          <p:spTgt spid="72"/>
-                                        </p:tgtEl>
-                                        <p:attrNameLst>
-                                          <p:attrName>ppt_x</p:attrName>
-                                        </p:attrNameLst>
-                                      </p:cBhvr>
-                                      <p:tavLst>
-                                        <p:tav tm="0">
-                                          <p:val>
-                                            <p:strVal val="#ppt_x"/>
-                                          </p:val>
-                                        </p:tav>
-                                        <p:tav tm="100000">
-                                          <p:val>
-                                            <p:strVal val="#ppt_x"/>
-                                          </p:val>
-                                        </p:tav>
-                                      </p:tavLst>
-                                    </p:anim>
-                                    <p:anim calcmode="lin" valueType="num">
-                                      <p:cBhvr>
-                                        <p:cTn id="34" dur="1000" fill="hold"/>
-                                        <p:tgtEl>
-                                          <p:spTgt spid="72"/>
-                                        </p:tgtEl>
-                                        <p:attrNameLst>
-                                          <p:attrName>ppt_y</p:attrName>
-                                        </p:attrNameLst>
-                                      </p:cBhvr>
-                                      <p:tavLst>
-                                        <p:tav tm="0">
-                                          <p:val>
-                                            <p:strVal val="#ppt_y+.1"/>
-                                          </p:val>
-                                        </p:tav>
-                                        <p:tav tm="100000">
-                                          <p:val>
-                                            <p:strVal val="#ppt_y"/>
-                                          </p:val>
-                                        </p:tav>
-                                      </p:tavLst>
-                                    </p:anim>
-                                  </p:childTnLst>
-                                </p:cTn>
-                              </p:par>
-                            </p:childTnLst>
-                          </p:cTn>
-                        </p:par>
-                      </p:childTnLst>
-                    </p:cTn>
-                  </p:par>
-                </p:childTnLst>
-              </p:cTn>
-              <p:prevCondLst>
-                <p:cond evt="onPrev" delay="0">
-                  <p:tgtEl>
-                    <p:sldTgt/>
-                  </p:tgtEl>
-                </p:cond>
-              </p:prevCondLst>
-              <p:nextCondLst>
-                <p:cond evt="onNext" delay="0">
-                  <p:tgtEl>
-                    <p:sldTgt/>
-                  </p:tgtEl>
-                </p:cond>
-              </p:nextCondLst>
-            </p:seq>
-          </p:childTnLst>
-        </p:cTn>
-      </p:par>
-    </p:tnLst>
-    <p:bldLst>
-      <p:bldP spid="72" grpId="0"/>
-      <p:bldP spid="73" grpId="0"/>
-      <p:bldP spid="77" grpId="0"/>
-    </p:bldLst>
-  </p:timing>
-</p:sld>
-</file>
-
-<file path=ppt/slides/slide20.xml><?xml version="1.0" encoding="utf-8"?>
+<file path=ppt/slides/slide19.xml><?xml version="1.0" encoding="utf-8"?>
 <p:sld xmlns:a="http://schemas.openxmlformats.org/drawingml/2006/main" xmlns:r="http://schemas.openxmlformats.org/officeDocument/2006/relationships" xmlns:p="http://schemas.openxmlformats.org/presentationml/2006/main">
   <p:cSld>
     <p:spTree>
@@ -19135,7 +16549,2189 @@
 </p:sld>
 </file>
 
-<file path=ppt/slides/slide21.xml><?xml version="1.0" encoding="utf-8"?>
+<file path=ppt/slides/slide2.xml><?xml version="1.0" encoding="utf-8"?>
+<p:sld xmlns:a="http://schemas.openxmlformats.org/drawingml/2006/main" xmlns:r="http://schemas.openxmlformats.org/officeDocument/2006/relationships" xmlns:p="http://schemas.openxmlformats.org/presentationml/2006/main">
+  <p:cSld>
+    <p:spTree>
+      <p:nvGrpSpPr>
+        <p:cNvPr id="1" name=""/>
+        <p:cNvGrpSpPr/>
+        <p:nvPr/>
+      </p:nvGrpSpPr>
+      <p:grpSpPr>
+        <a:xfrm>
+          <a:off x="0" y="0"/>
+          <a:ext cx="0" cy="0"/>
+          <a:chOff x="0" y="0"/>
+          <a:chExt cx="0" cy="0"/>
+        </a:xfrm>
+      </p:grpSpPr>
+      <p:graphicFrame>
+        <p:nvGraphicFramePr>
+          <p:cNvPr id="9" name="Table 8"/>
+          <p:cNvGraphicFramePr>
+            <a:graphicFrameLocks noGrp="1"/>
+          </p:cNvGraphicFramePr>
+          <p:nvPr>
+            <p:extLst>
+              <p:ext uri="{D42A27DB-BD31-4B8C-83A1-F6EECF244321}">
+                <p14:modId xmlns:p14="http://schemas.microsoft.com/office/powerpoint/2010/main" val="2244436259"/>
+              </p:ext>
+            </p:extLst>
+          </p:nvPr>
+        </p:nvGraphicFramePr>
+        <p:xfrm>
+          <a:off x="10134600" y="120232"/>
+          <a:ext cx="6096000" cy="2176046"/>
+        </p:xfrm>
+        <a:graphic>
+          <a:graphicData uri="http://schemas.openxmlformats.org/drawingml/2006/table">
+            <a:tbl>
+              <a:tblPr firstRow="1" bandRow="1"/>
+              <a:tblGrid>
+                <a:gridCol w="2050473"/>
+                <a:gridCol w="4045527"/>
+              </a:tblGrid>
+              <a:tr h="2176046">
+                <a:tc>
+                  <a:txBody>
+                    <a:bodyPr/>
+                    <a:lstStyle/>
+                    <a:p>
+                      <a:pPr marL="0" marR="0" indent="0" algn="l" defTabSz="914400" rtl="0" eaLnBrk="1" fontAlgn="auto" latinLnBrk="0" hangingPunct="1">
+                        <a:lnSpc>
+                          <a:spcPct val="100000"/>
+                        </a:lnSpc>
+                        <a:spcBef>
+                          <a:spcPts val="0"/>
+                        </a:spcBef>
+                        <a:spcAft>
+                          <a:spcPts val="0"/>
+                        </a:spcAft>
+                        <a:buClrTx/>
+                        <a:buSzTx/>
+                        <a:buFontTx/>
+                        <a:buNone/>
+                        <a:tabLst/>
+                        <a:defRPr/>
+                      </a:pPr>
+                      <a:endParaRPr lang="en-US" sz="1800" dirty="0">
+                        <a:solidFill>
+                          <a:schemeClr val="bg1"/>
+                        </a:solidFill>
+                      </a:endParaRPr>
+                    </a:p>
+                  </a:txBody>
+                  <a:tcPr>
+                    <a:lnL w="9525" cap="flat" cmpd="sng">
+                      <a:noFill/>
+                      <a:prstDash val="solid"/>
+                      <a:round/>
+                      <a:headEnd type="none" w="med" len="med"/>
+                      <a:tailEnd type="none" w="med" len="med"/>
+                    </a:lnL>
+                    <a:lnR w="9525" cap="flat" cmpd="sng">
+                      <a:noFill/>
+                      <a:prstDash val="solid"/>
+                      <a:round/>
+                      <a:headEnd type="none" w="med" len="med"/>
+                      <a:tailEnd type="none" w="med" len="med"/>
+                    </a:lnR>
+                    <a:lnT w="9525" cap="flat" cmpd="sng">
+                      <a:noFill/>
+                      <a:prstDash val="solid"/>
+                      <a:round/>
+                      <a:headEnd type="none" w="med" len="med"/>
+                      <a:tailEnd type="none" w="med" len="med"/>
+                    </a:lnT>
+                    <a:lnB w="9525" cap="flat" cmpd="sng">
+                      <a:noFill/>
+                      <a:prstDash val="solid"/>
+                      <a:round/>
+                      <a:headEnd type="none" w="med" len="med"/>
+                      <a:tailEnd type="none" w="med" len="med"/>
+                    </a:lnB>
+                    <a:lnTlToBr w="12700" cmpd="sng">
+                      <a:noFill/>
+                      <a:prstDash val="solid"/>
+                    </a:lnTlToBr>
+                    <a:lnBlToTr w="12700" cmpd="sng">
+                      <a:noFill/>
+                      <a:prstDash val="solid"/>
+                    </a:lnBlToTr>
+                  </a:tcPr>
+                </a:tc>
+                <a:tc>
+                  <a:txBody>
+                    <a:bodyPr/>
+                    <a:lstStyle/>
+                    <a:p>
+                      <a:pPr marL="0" marR="0" indent="0" algn="l" defTabSz="914400" rtl="0" eaLnBrk="1" fontAlgn="auto" latinLnBrk="0" hangingPunct="1">
+                        <a:lnSpc>
+                          <a:spcPct val="100000"/>
+                        </a:lnSpc>
+                        <a:spcBef>
+                          <a:spcPts val="0"/>
+                        </a:spcBef>
+                        <a:spcAft>
+                          <a:spcPts val="0"/>
+                        </a:spcAft>
+                        <a:buClrTx/>
+                        <a:buSzTx/>
+                        <a:buFontTx/>
+                        <a:buNone/>
+                        <a:tabLst/>
+                        <a:defRPr/>
+                      </a:pPr>
+                      <a:endParaRPr lang="en-US" sz="1600" dirty="0">
+                        <a:solidFill>
+                          <a:schemeClr val="bg1"/>
+                        </a:solidFill>
+                      </a:endParaRPr>
+                    </a:p>
+                  </a:txBody>
+                  <a:tcPr>
+                    <a:lnL w="9525" cap="flat" cmpd="sng">
+                      <a:noFill/>
+                      <a:prstDash val="solid"/>
+                      <a:round/>
+                      <a:headEnd type="none" w="med" len="med"/>
+                      <a:tailEnd type="none" w="med" len="med"/>
+                    </a:lnL>
+                    <a:lnR w="9525" cap="flat" cmpd="sng">
+                      <a:noFill/>
+                      <a:prstDash val="solid"/>
+                      <a:round/>
+                      <a:headEnd type="none" w="med" len="med"/>
+                      <a:tailEnd type="none" w="med" len="med"/>
+                    </a:lnR>
+                    <a:lnT w="9525" cap="flat" cmpd="sng">
+                      <a:noFill/>
+                      <a:prstDash val="solid"/>
+                      <a:round/>
+                      <a:headEnd type="none" w="med" len="med"/>
+                      <a:tailEnd type="none" w="med" len="med"/>
+                    </a:lnT>
+                    <a:lnB w="9525" cap="flat" cmpd="sng">
+                      <a:noFill/>
+                      <a:prstDash val="solid"/>
+                      <a:round/>
+                      <a:headEnd type="none" w="med" len="med"/>
+                      <a:tailEnd type="none" w="med" len="med"/>
+                    </a:lnB>
+                    <a:lnTlToBr w="12700" cmpd="sng">
+                      <a:noFill/>
+                      <a:prstDash val="solid"/>
+                    </a:lnTlToBr>
+                    <a:lnBlToTr w="12700" cmpd="sng">
+                      <a:noFill/>
+                      <a:prstDash val="solid"/>
+                    </a:lnBlToTr>
+                  </a:tcPr>
+                </a:tc>
+              </a:tr>
+            </a:tbl>
+          </a:graphicData>
+        </a:graphic>
+      </p:graphicFrame>
+      <p:sp>
+        <p:nvSpPr>
+          <p:cNvPr id="21" name="TextBox 20"/>
+          <p:cNvSpPr txBox="1"/>
+          <p:nvPr/>
+        </p:nvSpPr>
+        <p:spPr>
+          <a:xfrm>
+            <a:off x="609600" y="-36731"/>
+            <a:ext cx="1907895" cy="646331"/>
+          </a:xfrm>
+          <a:prstGeom prst="rect">
+            <a:avLst/>
+          </a:prstGeom>
+          <a:noFill/>
+        </p:spPr>
+        <p:txBody>
+          <a:bodyPr wrap="none" rtlCol="0">
+            <a:spAutoFit/>
+          </a:bodyPr>
+          <a:lstStyle/>
+          <a:p>
+            <a:r>
+              <a:rPr lang="en-US" sz="3600" b="1" dirty="0" smtClean="0">
+                <a:solidFill>
+                  <a:schemeClr val="bg1"/>
+                </a:solidFill>
+              </a:rPr>
+              <a:t>About us</a:t>
+            </a:r>
+            <a:endParaRPr lang="en-US" sz="3600" b="1" dirty="0">
+              <a:solidFill>
+                <a:schemeClr val="bg1"/>
+              </a:solidFill>
+            </a:endParaRPr>
+          </a:p>
+        </p:txBody>
+      </p:sp>
+      <p:grpSp>
+        <p:nvGrpSpPr>
+          <p:cNvPr id="75" name="Group 74"/>
+          <p:cNvGrpSpPr/>
+          <p:nvPr/>
+        </p:nvGrpSpPr>
+        <p:grpSpPr>
+          <a:xfrm>
+            <a:off x="2743200" y="2091908"/>
+            <a:ext cx="6324600" cy="4689892"/>
+            <a:chOff x="2438400" y="2091908"/>
+            <a:chExt cx="6324600" cy="4689892"/>
+          </a:xfrm>
+        </p:grpSpPr>
+        <p:grpSp>
+          <p:nvGrpSpPr>
+            <p:cNvPr id="45" name="Group 44"/>
+            <p:cNvGrpSpPr/>
+            <p:nvPr/>
+          </p:nvGrpSpPr>
+          <p:grpSpPr>
+            <a:xfrm>
+              <a:off x="2514600" y="2378702"/>
+              <a:ext cx="1828801" cy="2117098"/>
+              <a:chOff x="2743199" y="4653034"/>
+              <a:chExt cx="1828801" cy="2117098"/>
+            </a:xfrm>
+          </p:grpSpPr>
+          <p:grpSp>
+            <p:nvGrpSpPr>
+              <p:cNvPr id="27" name="Group 26"/>
+              <p:cNvGrpSpPr/>
+              <p:nvPr/>
+            </p:nvGrpSpPr>
+            <p:grpSpPr>
+              <a:xfrm>
+                <a:off x="2804448" y="4653034"/>
+                <a:ext cx="1747766" cy="1747766"/>
+                <a:chOff x="2862941" y="1609725"/>
+                <a:chExt cx="2748301" cy="2748301"/>
+              </a:xfrm>
+            </p:grpSpPr>
+            <p:sp>
+              <p:nvSpPr>
+                <p:cNvPr id="23" name="Oval 22"/>
+                <p:cNvSpPr/>
+                <p:nvPr/>
+              </p:nvSpPr>
+              <p:spPr>
+                <a:xfrm>
+                  <a:off x="2862941" y="1609725"/>
+                  <a:ext cx="2748301" cy="2748301"/>
+                </a:xfrm>
+                <a:prstGeom prst="ellipse">
+                  <a:avLst/>
+                </a:prstGeom>
+                <a:solidFill>
+                  <a:schemeClr val="bg1"/>
+                </a:solidFill>
+                <a:ln w="25400">
+                  <a:prstDash val="sysDash"/>
+                </a:ln>
+              </p:spPr>
+              <p:style>
+                <a:lnRef idx="2">
+                  <a:schemeClr val="accent1">
+                    <a:shade val="50000"/>
+                  </a:schemeClr>
+                </a:lnRef>
+                <a:fillRef idx="1">
+                  <a:schemeClr val="accent1"/>
+                </a:fillRef>
+                <a:effectRef idx="0">
+                  <a:schemeClr val="accent1"/>
+                </a:effectRef>
+                <a:fontRef idx="minor">
+                  <a:schemeClr val="lt1"/>
+                </a:fontRef>
+              </p:style>
+              <p:txBody>
+                <a:bodyPr rtlCol="0" anchor="ctr"/>
+                <a:lstStyle/>
+                <a:p>
+                  <a:pPr algn="ctr"/>
+                  <a:endParaRPr lang="en-US"/>
+                </a:p>
+              </p:txBody>
+            </p:sp>
+            <p:sp>
+              <p:nvSpPr>
+                <p:cNvPr id="26" name="Oval 25"/>
+                <p:cNvSpPr/>
+                <p:nvPr/>
+              </p:nvSpPr>
+              <p:spPr>
+                <a:xfrm>
+                  <a:off x="2966472" y="1718244"/>
+                  <a:ext cx="2548956" cy="2548956"/>
+                </a:xfrm>
+                <a:prstGeom prst="ellipse">
+                  <a:avLst/>
+                </a:prstGeom>
+                <a:blipFill>
+                  <a:blip r:embed="rId2"/>
+                  <a:stretch>
+                    <a:fillRect/>
+                  </a:stretch>
+                </a:blipFill>
+                <a:ln w="25400">
+                  <a:noFill/>
+                  <a:prstDash val="solid"/>
+                </a:ln>
+              </p:spPr>
+              <p:style>
+                <a:lnRef idx="2">
+                  <a:schemeClr val="accent1">
+                    <a:shade val="50000"/>
+                  </a:schemeClr>
+                </a:lnRef>
+                <a:fillRef idx="1">
+                  <a:schemeClr val="accent1"/>
+                </a:fillRef>
+                <a:effectRef idx="0">
+                  <a:schemeClr val="accent1"/>
+                </a:effectRef>
+                <a:fontRef idx="minor">
+                  <a:schemeClr val="lt1"/>
+                </a:fontRef>
+              </p:style>
+              <p:txBody>
+                <a:bodyPr rtlCol="0" anchor="ctr"/>
+                <a:lstStyle/>
+                <a:p>
+                  <a:pPr algn="ctr"/>
+                  <a:endParaRPr lang="en-US"/>
+                </a:p>
+              </p:txBody>
+            </p:sp>
+          </p:grpSp>
+          <p:sp>
+            <p:nvSpPr>
+              <p:cNvPr id="44" name="TextBox 43"/>
+              <p:cNvSpPr txBox="1"/>
+              <p:nvPr/>
+            </p:nvSpPr>
+            <p:spPr>
+              <a:xfrm>
+                <a:off x="2743199" y="6400800"/>
+                <a:ext cx="1828801" cy="369332"/>
+              </a:xfrm>
+              <a:prstGeom prst="rect">
+                <a:avLst/>
+              </a:prstGeom>
+              <a:noFill/>
+            </p:spPr>
+            <p:txBody>
+              <a:bodyPr wrap="square" rtlCol="0">
+                <a:spAutoFit/>
+              </a:bodyPr>
+              <a:lstStyle/>
+              <a:p>
+                <a:pPr algn="ctr"/>
+                <a:r>
+                  <a:rPr lang="en-US" b="1" dirty="0" smtClean="0">
+                    <a:solidFill>
+                      <a:srgbClr val="0070C0"/>
+                    </a:solidFill>
+                  </a:rPr>
+                  <a:t>Luu Ngoc Manh</a:t>
+                </a:r>
+                <a:endParaRPr lang="en-US" b="1" dirty="0">
+                  <a:solidFill>
+                    <a:srgbClr val="0070C0"/>
+                  </a:solidFill>
+                </a:endParaRPr>
+              </a:p>
+            </p:txBody>
+          </p:sp>
+        </p:grpSp>
+        <p:grpSp>
+          <p:nvGrpSpPr>
+            <p:cNvPr id="46" name="Group 45"/>
+            <p:cNvGrpSpPr/>
+            <p:nvPr/>
+          </p:nvGrpSpPr>
+          <p:grpSpPr>
+            <a:xfrm>
+              <a:off x="4495800" y="2362200"/>
+              <a:ext cx="1924245" cy="2117098"/>
+              <a:chOff x="2686244" y="4653034"/>
+              <a:chExt cx="1924245" cy="2117098"/>
+            </a:xfrm>
+          </p:grpSpPr>
+          <p:grpSp>
+            <p:nvGrpSpPr>
+              <p:cNvPr id="47" name="Group 46"/>
+              <p:cNvGrpSpPr/>
+              <p:nvPr/>
+            </p:nvGrpSpPr>
+            <p:grpSpPr>
+              <a:xfrm>
+                <a:off x="2804448" y="4653034"/>
+                <a:ext cx="1747766" cy="1747766"/>
+                <a:chOff x="2862941" y="1609725"/>
+                <a:chExt cx="2748301" cy="2748301"/>
+              </a:xfrm>
+            </p:grpSpPr>
+            <p:sp>
+              <p:nvSpPr>
+                <p:cNvPr id="49" name="Oval 48"/>
+                <p:cNvSpPr/>
+                <p:nvPr/>
+              </p:nvSpPr>
+              <p:spPr>
+                <a:xfrm>
+                  <a:off x="2862941" y="1609725"/>
+                  <a:ext cx="2748301" cy="2748301"/>
+                </a:xfrm>
+                <a:prstGeom prst="ellipse">
+                  <a:avLst/>
+                </a:prstGeom>
+                <a:solidFill>
+                  <a:schemeClr val="bg1"/>
+                </a:solidFill>
+                <a:ln w="25400">
+                  <a:prstDash val="sysDash"/>
+                </a:ln>
+              </p:spPr>
+              <p:style>
+                <a:lnRef idx="2">
+                  <a:schemeClr val="accent1">
+                    <a:shade val="50000"/>
+                  </a:schemeClr>
+                </a:lnRef>
+                <a:fillRef idx="1">
+                  <a:schemeClr val="accent1"/>
+                </a:fillRef>
+                <a:effectRef idx="0">
+                  <a:schemeClr val="accent1"/>
+                </a:effectRef>
+                <a:fontRef idx="minor">
+                  <a:schemeClr val="lt1"/>
+                </a:fontRef>
+              </p:style>
+              <p:txBody>
+                <a:bodyPr rtlCol="0" anchor="ctr"/>
+                <a:lstStyle/>
+                <a:p>
+                  <a:pPr algn="ctr"/>
+                  <a:endParaRPr lang="en-US"/>
+                </a:p>
+              </p:txBody>
+            </p:sp>
+            <p:sp>
+              <p:nvSpPr>
+                <p:cNvPr id="50" name="Oval 49"/>
+                <p:cNvSpPr/>
+                <p:nvPr/>
+              </p:nvSpPr>
+              <p:spPr>
+                <a:xfrm>
+                  <a:off x="2966472" y="1718244"/>
+                  <a:ext cx="2548956" cy="2548956"/>
+                </a:xfrm>
+                <a:prstGeom prst="ellipse">
+                  <a:avLst/>
+                </a:prstGeom>
+                <a:blipFill>
+                  <a:blip r:embed="rId2"/>
+                  <a:stretch>
+                    <a:fillRect/>
+                  </a:stretch>
+                </a:blipFill>
+                <a:ln w="25400">
+                  <a:noFill/>
+                  <a:prstDash val="solid"/>
+                </a:ln>
+              </p:spPr>
+              <p:style>
+                <a:lnRef idx="2">
+                  <a:schemeClr val="accent1">
+                    <a:shade val="50000"/>
+                  </a:schemeClr>
+                </a:lnRef>
+                <a:fillRef idx="1">
+                  <a:schemeClr val="accent1"/>
+                </a:fillRef>
+                <a:effectRef idx="0">
+                  <a:schemeClr val="accent1"/>
+                </a:effectRef>
+                <a:fontRef idx="minor">
+                  <a:schemeClr val="lt1"/>
+                </a:fontRef>
+              </p:style>
+              <p:txBody>
+                <a:bodyPr rtlCol="0" anchor="ctr"/>
+                <a:lstStyle/>
+                <a:p>
+                  <a:pPr algn="ctr"/>
+                  <a:endParaRPr lang="en-US"/>
+                </a:p>
+              </p:txBody>
+            </p:sp>
+          </p:grpSp>
+          <p:sp>
+            <p:nvSpPr>
+              <p:cNvPr id="48" name="TextBox 47"/>
+              <p:cNvSpPr txBox="1"/>
+              <p:nvPr/>
+            </p:nvSpPr>
+            <p:spPr>
+              <a:xfrm>
+                <a:off x="2686244" y="6400800"/>
+                <a:ext cx="1924245" cy="369332"/>
+              </a:xfrm>
+              <a:prstGeom prst="rect">
+                <a:avLst/>
+              </a:prstGeom>
+              <a:noFill/>
+            </p:spPr>
+            <p:txBody>
+              <a:bodyPr wrap="square" rtlCol="0">
+                <a:spAutoFit/>
+              </a:bodyPr>
+              <a:lstStyle/>
+              <a:p>
+                <a:pPr algn="ctr"/>
+                <a:r>
+                  <a:rPr lang="en-US" b="1" dirty="0" smtClean="0">
+                    <a:solidFill>
+                      <a:srgbClr val="0070C0"/>
+                    </a:solidFill>
+                  </a:rPr>
+                  <a:t>Nguyen Minh Huy</a:t>
+                </a:r>
+                <a:endParaRPr lang="en-US" b="1" dirty="0">
+                  <a:solidFill>
+                    <a:srgbClr val="0070C0"/>
+                  </a:solidFill>
+                </a:endParaRPr>
+              </a:p>
+            </p:txBody>
+          </p:sp>
+        </p:grpSp>
+        <p:grpSp>
+          <p:nvGrpSpPr>
+            <p:cNvPr id="51" name="Group 50"/>
+            <p:cNvGrpSpPr/>
+            <p:nvPr/>
+          </p:nvGrpSpPr>
+          <p:grpSpPr>
+            <a:xfrm>
+              <a:off x="6741824" y="2286000"/>
+              <a:ext cx="1828801" cy="2117098"/>
+              <a:chOff x="2743199" y="4653034"/>
+              <a:chExt cx="1828801" cy="2117098"/>
+            </a:xfrm>
+          </p:grpSpPr>
+          <p:grpSp>
+            <p:nvGrpSpPr>
+              <p:cNvPr id="52" name="Group 51"/>
+              <p:cNvGrpSpPr/>
+              <p:nvPr/>
+            </p:nvGrpSpPr>
+            <p:grpSpPr>
+              <a:xfrm>
+                <a:off x="2804448" y="4653034"/>
+                <a:ext cx="1747766" cy="1747766"/>
+                <a:chOff x="2862941" y="1609725"/>
+                <a:chExt cx="2748301" cy="2748301"/>
+              </a:xfrm>
+            </p:grpSpPr>
+            <p:sp>
+              <p:nvSpPr>
+                <p:cNvPr id="54" name="Oval 53"/>
+                <p:cNvSpPr/>
+                <p:nvPr/>
+              </p:nvSpPr>
+              <p:spPr>
+                <a:xfrm>
+                  <a:off x="2862941" y="1609725"/>
+                  <a:ext cx="2748301" cy="2748301"/>
+                </a:xfrm>
+                <a:prstGeom prst="ellipse">
+                  <a:avLst/>
+                </a:prstGeom>
+                <a:solidFill>
+                  <a:schemeClr val="bg1"/>
+                </a:solidFill>
+                <a:ln w="25400">
+                  <a:prstDash val="sysDash"/>
+                </a:ln>
+              </p:spPr>
+              <p:style>
+                <a:lnRef idx="2">
+                  <a:schemeClr val="accent1">
+                    <a:shade val="50000"/>
+                  </a:schemeClr>
+                </a:lnRef>
+                <a:fillRef idx="1">
+                  <a:schemeClr val="accent1"/>
+                </a:fillRef>
+                <a:effectRef idx="0">
+                  <a:schemeClr val="accent1"/>
+                </a:effectRef>
+                <a:fontRef idx="minor">
+                  <a:schemeClr val="lt1"/>
+                </a:fontRef>
+              </p:style>
+              <p:txBody>
+                <a:bodyPr rtlCol="0" anchor="ctr"/>
+                <a:lstStyle/>
+                <a:p>
+                  <a:pPr algn="ctr"/>
+                  <a:endParaRPr lang="en-US"/>
+                </a:p>
+              </p:txBody>
+            </p:sp>
+            <p:sp>
+              <p:nvSpPr>
+                <p:cNvPr id="55" name="Oval 54"/>
+                <p:cNvSpPr/>
+                <p:nvPr/>
+              </p:nvSpPr>
+              <p:spPr>
+                <a:xfrm>
+                  <a:off x="2966472" y="1718244"/>
+                  <a:ext cx="2548956" cy="2548956"/>
+                </a:xfrm>
+                <a:prstGeom prst="ellipse">
+                  <a:avLst/>
+                </a:prstGeom>
+                <a:blipFill>
+                  <a:blip r:embed="rId2"/>
+                  <a:stretch>
+                    <a:fillRect/>
+                  </a:stretch>
+                </a:blipFill>
+                <a:ln w="25400">
+                  <a:noFill/>
+                  <a:prstDash val="solid"/>
+                </a:ln>
+              </p:spPr>
+              <p:style>
+                <a:lnRef idx="2">
+                  <a:schemeClr val="accent1">
+                    <a:shade val="50000"/>
+                  </a:schemeClr>
+                </a:lnRef>
+                <a:fillRef idx="1">
+                  <a:schemeClr val="accent1"/>
+                </a:fillRef>
+                <a:effectRef idx="0">
+                  <a:schemeClr val="accent1"/>
+                </a:effectRef>
+                <a:fontRef idx="minor">
+                  <a:schemeClr val="lt1"/>
+                </a:fontRef>
+              </p:style>
+              <p:txBody>
+                <a:bodyPr rtlCol="0" anchor="ctr"/>
+                <a:lstStyle/>
+                <a:p>
+                  <a:pPr algn="ctr"/>
+                  <a:endParaRPr lang="en-US"/>
+                </a:p>
+              </p:txBody>
+            </p:sp>
+          </p:grpSp>
+          <p:sp>
+            <p:nvSpPr>
+              <p:cNvPr id="53" name="TextBox 52"/>
+              <p:cNvSpPr txBox="1"/>
+              <p:nvPr/>
+            </p:nvSpPr>
+            <p:spPr>
+              <a:xfrm>
+                <a:off x="2743199" y="6400800"/>
+                <a:ext cx="1828801" cy="369332"/>
+              </a:xfrm>
+              <a:prstGeom prst="rect">
+                <a:avLst/>
+              </a:prstGeom>
+              <a:noFill/>
+            </p:spPr>
+            <p:txBody>
+              <a:bodyPr wrap="square" rtlCol="0">
+                <a:spAutoFit/>
+              </a:bodyPr>
+              <a:lstStyle/>
+              <a:p>
+                <a:pPr algn="ctr"/>
+                <a:r>
+                  <a:rPr lang="en-US" b="1" dirty="0" smtClean="0">
+                    <a:solidFill>
+                      <a:srgbClr val="0070C0"/>
+                    </a:solidFill>
+                  </a:rPr>
+                  <a:t>Vu Ngoc Trung</a:t>
+                </a:r>
+                <a:endParaRPr lang="en-US" b="1" dirty="0">
+                  <a:solidFill>
+                    <a:srgbClr val="0070C0"/>
+                  </a:solidFill>
+                </a:endParaRPr>
+              </a:p>
+            </p:txBody>
+          </p:sp>
+        </p:grpSp>
+        <p:grpSp>
+          <p:nvGrpSpPr>
+            <p:cNvPr id="56" name="Group 55"/>
+            <p:cNvGrpSpPr/>
+            <p:nvPr/>
+          </p:nvGrpSpPr>
+          <p:grpSpPr>
+            <a:xfrm>
+              <a:off x="2514600" y="4512302"/>
+              <a:ext cx="1828801" cy="2117098"/>
+              <a:chOff x="2743199" y="4653034"/>
+              <a:chExt cx="1828801" cy="2117098"/>
+            </a:xfrm>
+          </p:grpSpPr>
+          <p:grpSp>
+            <p:nvGrpSpPr>
+              <p:cNvPr id="57" name="Group 56"/>
+              <p:cNvGrpSpPr/>
+              <p:nvPr/>
+            </p:nvGrpSpPr>
+            <p:grpSpPr>
+              <a:xfrm>
+                <a:off x="2804448" y="4653034"/>
+                <a:ext cx="1747766" cy="1747766"/>
+                <a:chOff x="2862941" y="1609725"/>
+                <a:chExt cx="2748301" cy="2748301"/>
+              </a:xfrm>
+            </p:grpSpPr>
+            <p:sp>
+              <p:nvSpPr>
+                <p:cNvPr id="59" name="Oval 58"/>
+                <p:cNvSpPr/>
+                <p:nvPr/>
+              </p:nvSpPr>
+              <p:spPr>
+                <a:xfrm>
+                  <a:off x="2862941" y="1609725"/>
+                  <a:ext cx="2748301" cy="2748301"/>
+                </a:xfrm>
+                <a:prstGeom prst="ellipse">
+                  <a:avLst/>
+                </a:prstGeom>
+                <a:solidFill>
+                  <a:schemeClr val="bg1"/>
+                </a:solidFill>
+                <a:ln w="25400">
+                  <a:prstDash val="sysDash"/>
+                </a:ln>
+              </p:spPr>
+              <p:style>
+                <a:lnRef idx="2">
+                  <a:schemeClr val="accent1">
+                    <a:shade val="50000"/>
+                  </a:schemeClr>
+                </a:lnRef>
+                <a:fillRef idx="1">
+                  <a:schemeClr val="accent1"/>
+                </a:fillRef>
+                <a:effectRef idx="0">
+                  <a:schemeClr val="accent1"/>
+                </a:effectRef>
+                <a:fontRef idx="minor">
+                  <a:schemeClr val="lt1"/>
+                </a:fontRef>
+              </p:style>
+              <p:txBody>
+                <a:bodyPr rtlCol="0" anchor="ctr"/>
+                <a:lstStyle/>
+                <a:p>
+                  <a:pPr algn="ctr"/>
+                  <a:endParaRPr lang="en-US"/>
+                </a:p>
+              </p:txBody>
+            </p:sp>
+            <p:sp>
+              <p:nvSpPr>
+                <p:cNvPr id="60" name="Oval 59"/>
+                <p:cNvSpPr/>
+                <p:nvPr/>
+              </p:nvSpPr>
+              <p:spPr>
+                <a:xfrm>
+                  <a:off x="2966472" y="1718244"/>
+                  <a:ext cx="2548956" cy="2548956"/>
+                </a:xfrm>
+                <a:prstGeom prst="ellipse">
+                  <a:avLst/>
+                </a:prstGeom>
+                <a:blipFill>
+                  <a:blip r:embed="rId2"/>
+                  <a:stretch>
+                    <a:fillRect/>
+                  </a:stretch>
+                </a:blipFill>
+                <a:ln w="25400">
+                  <a:noFill/>
+                  <a:prstDash val="solid"/>
+                </a:ln>
+              </p:spPr>
+              <p:style>
+                <a:lnRef idx="2">
+                  <a:schemeClr val="accent1">
+                    <a:shade val="50000"/>
+                  </a:schemeClr>
+                </a:lnRef>
+                <a:fillRef idx="1">
+                  <a:schemeClr val="accent1"/>
+                </a:fillRef>
+                <a:effectRef idx="0">
+                  <a:schemeClr val="accent1"/>
+                </a:effectRef>
+                <a:fontRef idx="minor">
+                  <a:schemeClr val="lt1"/>
+                </a:fontRef>
+              </p:style>
+              <p:txBody>
+                <a:bodyPr rtlCol="0" anchor="ctr"/>
+                <a:lstStyle/>
+                <a:p>
+                  <a:pPr algn="ctr"/>
+                  <a:endParaRPr lang="en-US"/>
+                </a:p>
+              </p:txBody>
+            </p:sp>
+          </p:grpSp>
+          <p:sp>
+            <p:nvSpPr>
+              <p:cNvPr id="58" name="TextBox 57"/>
+              <p:cNvSpPr txBox="1"/>
+              <p:nvPr/>
+            </p:nvSpPr>
+            <p:spPr>
+              <a:xfrm>
+                <a:off x="2743199" y="6400800"/>
+                <a:ext cx="1828801" cy="369332"/>
+              </a:xfrm>
+              <a:prstGeom prst="rect">
+                <a:avLst/>
+              </a:prstGeom>
+              <a:noFill/>
+            </p:spPr>
+            <p:txBody>
+              <a:bodyPr wrap="square" rtlCol="0">
+                <a:spAutoFit/>
+              </a:bodyPr>
+              <a:lstStyle/>
+              <a:p>
+                <a:pPr algn="ctr"/>
+                <a:r>
+                  <a:rPr lang="en-US" b="1" dirty="0" smtClean="0">
+                    <a:solidFill>
+                      <a:srgbClr val="0070C0"/>
+                    </a:solidFill>
+                  </a:rPr>
+                  <a:t>Duong Duc Anh</a:t>
+                </a:r>
+                <a:endParaRPr lang="en-US" b="1" dirty="0">
+                  <a:solidFill>
+                    <a:srgbClr val="0070C0"/>
+                  </a:solidFill>
+                </a:endParaRPr>
+              </a:p>
+            </p:txBody>
+          </p:sp>
+        </p:grpSp>
+        <p:grpSp>
+          <p:nvGrpSpPr>
+            <p:cNvPr id="61" name="Group 60"/>
+            <p:cNvGrpSpPr/>
+            <p:nvPr/>
+          </p:nvGrpSpPr>
+          <p:grpSpPr>
+            <a:xfrm>
+              <a:off x="4552755" y="4503168"/>
+              <a:ext cx="1828801" cy="2117098"/>
+              <a:chOff x="2743199" y="4653034"/>
+              <a:chExt cx="1828801" cy="2117098"/>
+            </a:xfrm>
+          </p:grpSpPr>
+          <p:grpSp>
+            <p:nvGrpSpPr>
+              <p:cNvPr id="62" name="Group 61"/>
+              <p:cNvGrpSpPr/>
+              <p:nvPr/>
+            </p:nvGrpSpPr>
+            <p:grpSpPr>
+              <a:xfrm>
+                <a:off x="2804448" y="4653034"/>
+                <a:ext cx="1747766" cy="1747766"/>
+                <a:chOff x="2862941" y="1609725"/>
+                <a:chExt cx="2748301" cy="2748301"/>
+              </a:xfrm>
+            </p:grpSpPr>
+            <p:sp>
+              <p:nvSpPr>
+                <p:cNvPr id="64" name="Oval 63"/>
+                <p:cNvSpPr/>
+                <p:nvPr/>
+              </p:nvSpPr>
+              <p:spPr>
+                <a:xfrm>
+                  <a:off x="2862941" y="1609725"/>
+                  <a:ext cx="2748301" cy="2748301"/>
+                </a:xfrm>
+                <a:prstGeom prst="ellipse">
+                  <a:avLst/>
+                </a:prstGeom>
+                <a:solidFill>
+                  <a:schemeClr val="bg1"/>
+                </a:solidFill>
+                <a:ln w="25400">
+                  <a:prstDash val="sysDash"/>
+                </a:ln>
+              </p:spPr>
+              <p:style>
+                <a:lnRef idx="2">
+                  <a:schemeClr val="accent1">
+                    <a:shade val="50000"/>
+                  </a:schemeClr>
+                </a:lnRef>
+                <a:fillRef idx="1">
+                  <a:schemeClr val="accent1"/>
+                </a:fillRef>
+                <a:effectRef idx="0">
+                  <a:schemeClr val="accent1"/>
+                </a:effectRef>
+                <a:fontRef idx="minor">
+                  <a:schemeClr val="lt1"/>
+                </a:fontRef>
+              </p:style>
+              <p:txBody>
+                <a:bodyPr rtlCol="0" anchor="ctr"/>
+                <a:lstStyle/>
+                <a:p>
+                  <a:pPr algn="ctr"/>
+                  <a:endParaRPr lang="en-US"/>
+                </a:p>
+              </p:txBody>
+            </p:sp>
+            <p:sp>
+              <p:nvSpPr>
+                <p:cNvPr id="65" name="Oval 64"/>
+                <p:cNvSpPr/>
+                <p:nvPr/>
+              </p:nvSpPr>
+              <p:spPr>
+                <a:xfrm>
+                  <a:off x="2966472" y="1718244"/>
+                  <a:ext cx="2548956" cy="2548956"/>
+                </a:xfrm>
+                <a:prstGeom prst="ellipse">
+                  <a:avLst/>
+                </a:prstGeom>
+                <a:blipFill>
+                  <a:blip r:embed="rId2"/>
+                  <a:stretch>
+                    <a:fillRect/>
+                  </a:stretch>
+                </a:blipFill>
+                <a:ln w="25400">
+                  <a:noFill/>
+                  <a:prstDash val="solid"/>
+                </a:ln>
+              </p:spPr>
+              <p:style>
+                <a:lnRef idx="2">
+                  <a:schemeClr val="accent1">
+                    <a:shade val="50000"/>
+                  </a:schemeClr>
+                </a:lnRef>
+                <a:fillRef idx="1">
+                  <a:schemeClr val="accent1"/>
+                </a:fillRef>
+                <a:effectRef idx="0">
+                  <a:schemeClr val="accent1"/>
+                </a:effectRef>
+                <a:fontRef idx="minor">
+                  <a:schemeClr val="lt1"/>
+                </a:fontRef>
+              </p:style>
+              <p:txBody>
+                <a:bodyPr rtlCol="0" anchor="ctr"/>
+                <a:lstStyle/>
+                <a:p>
+                  <a:pPr algn="ctr"/>
+                  <a:endParaRPr lang="en-US"/>
+                </a:p>
+              </p:txBody>
+            </p:sp>
+          </p:grpSp>
+          <p:sp>
+            <p:nvSpPr>
+              <p:cNvPr id="63" name="TextBox 62"/>
+              <p:cNvSpPr txBox="1"/>
+              <p:nvPr/>
+            </p:nvSpPr>
+            <p:spPr>
+              <a:xfrm>
+                <a:off x="2743199" y="6400800"/>
+                <a:ext cx="1828801" cy="369332"/>
+              </a:xfrm>
+              <a:prstGeom prst="rect">
+                <a:avLst/>
+              </a:prstGeom>
+              <a:noFill/>
+            </p:spPr>
+            <p:txBody>
+              <a:bodyPr wrap="square" rtlCol="0">
+                <a:spAutoFit/>
+              </a:bodyPr>
+              <a:lstStyle/>
+              <a:p>
+                <a:pPr algn="ctr"/>
+                <a:r>
+                  <a:rPr lang="en-US" b="1" dirty="0" smtClean="0">
+                    <a:solidFill>
+                      <a:srgbClr val="0070C0"/>
+                    </a:solidFill>
+                  </a:rPr>
+                  <a:t>Vu Cong Chinh</a:t>
+                </a:r>
+                <a:endParaRPr lang="en-US" b="1" dirty="0">
+                  <a:solidFill>
+                    <a:srgbClr val="0070C0"/>
+                  </a:solidFill>
+                </a:endParaRPr>
+              </a:p>
+            </p:txBody>
+          </p:sp>
+        </p:grpSp>
+        <p:grpSp>
+          <p:nvGrpSpPr>
+            <p:cNvPr id="66" name="Group 65"/>
+            <p:cNvGrpSpPr/>
+            <p:nvPr/>
+          </p:nvGrpSpPr>
+          <p:grpSpPr>
+            <a:xfrm>
+              <a:off x="6612420" y="4512302"/>
+              <a:ext cx="2150580" cy="2117098"/>
+              <a:chOff x="2613795" y="4653034"/>
+              <a:chExt cx="2150580" cy="2117098"/>
+            </a:xfrm>
+          </p:grpSpPr>
+          <p:grpSp>
+            <p:nvGrpSpPr>
+              <p:cNvPr id="67" name="Group 66"/>
+              <p:cNvGrpSpPr/>
+              <p:nvPr/>
+            </p:nvGrpSpPr>
+            <p:grpSpPr>
+              <a:xfrm>
+                <a:off x="2804448" y="4653034"/>
+                <a:ext cx="1747766" cy="1747766"/>
+                <a:chOff x="2862941" y="1609725"/>
+                <a:chExt cx="2748301" cy="2748301"/>
+              </a:xfrm>
+            </p:grpSpPr>
+            <p:sp>
+              <p:nvSpPr>
+                <p:cNvPr id="69" name="Oval 68"/>
+                <p:cNvSpPr/>
+                <p:nvPr/>
+              </p:nvSpPr>
+              <p:spPr>
+                <a:xfrm>
+                  <a:off x="2862941" y="1609725"/>
+                  <a:ext cx="2748301" cy="2748301"/>
+                </a:xfrm>
+                <a:prstGeom prst="ellipse">
+                  <a:avLst/>
+                </a:prstGeom>
+                <a:solidFill>
+                  <a:schemeClr val="bg1"/>
+                </a:solidFill>
+                <a:ln w="25400">
+                  <a:prstDash val="sysDash"/>
+                </a:ln>
+              </p:spPr>
+              <p:style>
+                <a:lnRef idx="2">
+                  <a:schemeClr val="accent1">
+                    <a:shade val="50000"/>
+                  </a:schemeClr>
+                </a:lnRef>
+                <a:fillRef idx="1">
+                  <a:schemeClr val="accent1"/>
+                </a:fillRef>
+                <a:effectRef idx="0">
+                  <a:schemeClr val="accent1"/>
+                </a:effectRef>
+                <a:fontRef idx="minor">
+                  <a:schemeClr val="lt1"/>
+                </a:fontRef>
+              </p:style>
+              <p:txBody>
+                <a:bodyPr rtlCol="0" anchor="ctr"/>
+                <a:lstStyle/>
+                <a:p>
+                  <a:pPr algn="ctr"/>
+                  <a:endParaRPr lang="en-US"/>
+                </a:p>
+              </p:txBody>
+            </p:sp>
+            <p:sp>
+              <p:nvSpPr>
+                <p:cNvPr id="70" name="Oval 69"/>
+                <p:cNvSpPr/>
+                <p:nvPr/>
+              </p:nvSpPr>
+              <p:spPr>
+                <a:xfrm>
+                  <a:off x="2966472" y="1718244"/>
+                  <a:ext cx="2548956" cy="2548956"/>
+                </a:xfrm>
+                <a:prstGeom prst="ellipse">
+                  <a:avLst/>
+                </a:prstGeom>
+                <a:blipFill>
+                  <a:blip r:embed="rId2"/>
+                  <a:stretch>
+                    <a:fillRect/>
+                  </a:stretch>
+                </a:blipFill>
+                <a:ln w="25400">
+                  <a:noFill/>
+                  <a:prstDash val="solid"/>
+                </a:ln>
+              </p:spPr>
+              <p:style>
+                <a:lnRef idx="2">
+                  <a:schemeClr val="accent1">
+                    <a:shade val="50000"/>
+                  </a:schemeClr>
+                </a:lnRef>
+                <a:fillRef idx="1">
+                  <a:schemeClr val="accent1"/>
+                </a:fillRef>
+                <a:effectRef idx="0">
+                  <a:schemeClr val="accent1"/>
+                </a:effectRef>
+                <a:fontRef idx="minor">
+                  <a:schemeClr val="lt1"/>
+                </a:fontRef>
+              </p:style>
+              <p:txBody>
+                <a:bodyPr rtlCol="0" anchor="ctr"/>
+                <a:lstStyle/>
+                <a:p>
+                  <a:pPr algn="ctr"/>
+                  <a:endParaRPr lang="en-US"/>
+                </a:p>
+              </p:txBody>
+            </p:sp>
+          </p:grpSp>
+          <p:sp>
+            <p:nvSpPr>
+              <p:cNvPr id="68" name="TextBox 67"/>
+              <p:cNvSpPr txBox="1"/>
+              <p:nvPr/>
+            </p:nvSpPr>
+            <p:spPr>
+              <a:xfrm>
+                <a:off x="2613795" y="6400800"/>
+                <a:ext cx="2150580" cy="369332"/>
+              </a:xfrm>
+              <a:prstGeom prst="rect">
+                <a:avLst/>
+              </a:prstGeom>
+              <a:noFill/>
+            </p:spPr>
+            <p:txBody>
+              <a:bodyPr wrap="square" rtlCol="0">
+                <a:spAutoFit/>
+              </a:bodyPr>
+              <a:lstStyle/>
+              <a:p>
+                <a:pPr algn="ctr"/>
+                <a:r>
+                  <a:rPr lang="en-US" b="1" dirty="0" smtClean="0">
+                    <a:solidFill>
+                      <a:srgbClr val="0070C0"/>
+                    </a:solidFill>
+                  </a:rPr>
+                  <a:t>Cao Thi Phuong Mai</a:t>
+                </a:r>
+                <a:endParaRPr lang="en-US" b="1" dirty="0">
+                  <a:solidFill>
+                    <a:srgbClr val="0070C0"/>
+                  </a:solidFill>
+                </a:endParaRPr>
+              </a:p>
+            </p:txBody>
+          </p:sp>
+        </p:grpSp>
+        <p:sp>
+          <p:nvSpPr>
+            <p:cNvPr id="71" name="Rectangle 70"/>
+            <p:cNvSpPr/>
+            <p:nvPr/>
+          </p:nvSpPr>
+          <p:spPr>
+            <a:xfrm>
+              <a:off x="2438400" y="2091908"/>
+              <a:ext cx="6324600" cy="4689892"/>
+            </a:xfrm>
+            <a:prstGeom prst="rect">
+              <a:avLst/>
+            </a:prstGeom>
+            <a:noFill/>
+            <a:ln w="25400" cmpd="sng">
+              <a:solidFill>
+                <a:srgbClr val="0070C0"/>
+              </a:solidFill>
+              <a:prstDash val="solid"/>
+            </a:ln>
+          </p:spPr>
+          <p:style>
+            <a:lnRef idx="2">
+              <a:schemeClr val="accent1">
+                <a:shade val="50000"/>
+              </a:schemeClr>
+            </a:lnRef>
+            <a:fillRef idx="1">
+              <a:schemeClr val="accent1"/>
+            </a:fillRef>
+            <a:effectRef idx="0">
+              <a:schemeClr val="accent1"/>
+            </a:effectRef>
+            <a:fontRef idx="minor">
+              <a:schemeClr val="lt1"/>
+            </a:fontRef>
+          </p:style>
+          <p:txBody>
+            <a:bodyPr rtlCol="0" anchor="ctr"/>
+            <a:lstStyle/>
+            <a:p>
+              <a:pPr algn="ctr"/>
+              <a:endParaRPr lang="en-US"/>
+            </a:p>
+          </p:txBody>
+        </p:sp>
+      </p:grpSp>
+      <p:sp>
+        <p:nvSpPr>
+          <p:cNvPr id="72" name="Rectangle 71"/>
+          <p:cNvSpPr/>
+          <p:nvPr/>
+        </p:nvSpPr>
+        <p:spPr>
+          <a:xfrm>
+            <a:off x="2743200" y="1380292"/>
+            <a:ext cx="6324600" cy="677108"/>
+          </a:xfrm>
+          <a:prstGeom prst="rect">
+            <a:avLst/>
+          </a:prstGeom>
+        </p:spPr>
+        <p:txBody>
+          <a:bodyPr wrap="square">
+            <a:spAutoFit/>
+          </a:bodyPr>
+          <a:lstStyle/>
+          <a:p>
+            <a:pPr>
+              <a:defRPr/>
+            </a:pPr>
+            <a:r>
+              <a:rPr lang="en-US" b="1" dirty="0">
+                <a:solidFill>
+                  <a:srgbClr val="0070C0"/>
+                </a:solidFill>
+                <a:latin typeface="Muli"/>
+                <a:ea typeface="Muli"/>
+                <a:cs typeface="Muli"/>
+                <a:sym typeface="Arial"/>
+                <a:rtl val="0"/>
+              </a:rPr>
+              <a:t>Team member </a:t>
+            </a:r>
+            <a:r>
+              <a:rPr lang="en-US" b="1" kern="0" dirty="0">
+                <a:solidFill>
+                  <a:srgbClr val="0070C0"/>
+                </a:solidFill>
+              </a:rPr>
+              <a:t>	      </a:t>
+            </a:r>
+          </a:p>
+          <a:p>
+            <a:pPr>
+              <a:defRPr/>
+            </a:pPr>
+            <a:r>
+              <a:rPr lang="ja-JP" altLang="en-US" sz="2000" b="1" kern="0" dirty="0">
+                <a:solidFill>
+                  <a:srgbClr val="0070C0"/>
+                </a:solidFill>
+                <a:latin typeface="News Cycle" panose="02000803000000000000" pitchFamily="2" charset="2"/>
+              </a:rPr>
+              <a:t>チームメンバ</a:t>
+            </a:r>
+            <a:r>
+              <a:rPr lang="ja-JP" altLang="en-US" sz="2000" b="1" kern="0" dirty="0">
+                <a:solidFill>
+                  <a:schemeClr val="bg1"/>
+                </a:solidFill>
+                <a:latin typeface="News Cycle" panose="02000803000000000000" pitchFamily="2" charset="2"/>
+              </a:rPr>
+              <a:t>ー </a:t>
+            </a:r>
+            <a:endParaRPr lang="en-US" sz="2000" b="1" dirty="0">
+              <a:solidFill>
+                <a:schemeClr val="bg1"/>
+              </a:solidFill>
+            </a:endParaRPr>
+          </a:p>
+        </p:txBody>
+      </p:sp>
+      <p:sp>
+        <p:nvSpPr>
+          <p:cNvPr id="73" name="Rectangle 72"/>
+          <p:cNvSpPr/>
+          <p:nvPr/>
+        </p:nvSpPr>
+        <p:spPr>
+          <a:xfrm>
+            <a:off x="609600" y="1379195"/>
+            <a:ext cx="1600200" cy="677108"/>
+          </a:xfrm>
+          <a:prstGeom prst="rect">
+            <a:avLst/>
+          </a:prstGeom>
+        </p:spPr>
+        <p:txBody>
+          <a:bodyPr wrap="square">
+            <a:spAutoFit/>
+          </a:bodyPr>
+          <a:lstStyle/>
+          <a:p>
+            <a:pPr>
+              <a:defRPr/>
+            </a:pPr>
+            <a:r>
+              <a:rPr lang="en-US" b="1" dirty="0">
+                <a:solidFill>
+                  <a:srgbClr val="0070C0"/>
+                </a:solidFill>
+                <a:latin typeface="Muli"/>
+                <a:ea typeface="Muli"/>
+                <a:cs typeface="Muli"/>
+                <a:sym typeface="Arial"/>
+                <a:rtl val="0"/>
+              </a:rPr>
+              <a:t>Supervisor</a:t>
+            </a:r>
+            <a:r>
+              <a:rPr lang="en-US" b="1" kern="0" dirty="0">
+                <a:solidFill>
+                  <a:srgbClr val="0070C0"/>
+                </a:solidFill>
+                <a:latin typeface="Roke1984" pitchFamily="50" charset="0"/>
+              </a:rPr>
+              <a:t> </a:t>
+            </a:r>
+          </a:p>
+          <a:p>
+            <a:pPr>
+              <a:defRPr/>
+            </a:pPr>
+            <a:r>
+              <a:rPr lang="ja-JP" altLang="en-US" sz="2000" b="1" kern="0" dirty="0">
+                <a:solidFill>
+                  <a:srgbClr val="0070C0"/>
+                </a:solidFill>
+              </a:rPr>
+              <a:t>指導教員</a:t>
+            </a:r>
+            <a:endParaRPr lang="en-US" altLang="ja-JP" sz="2000" b="1" kern="0" dirty="0">
+              <a:solidFill>
+                <a:srgbClr val="0070C0"/>
+              </a:solidFill>
+            </a:endParaRPr>
+          </a:p>
+        </p:txBody>
+      </p:sp>
+      <p:grpSp>
+        <p:nvGrpSpPr>
+          <p:cNvPr id="76" name="Group 75"/>
+          <p:cNvGrpSpPr/>
+          <p:nvPr/>
+        </p:nvGrpSpPr>
+        <p:grpSpPr>
+          <a:xfrm>
+            <a:off x="685800" y="2148377"/>
+            <a:ext cx="1524000" cy="1828800"/>
+            <a:chOff x="762000" y="2148377"/>
+            <a:chExt cx="1524000" cy="1828800"/>
+          </a:xfrm>
+        </p:grpSpPr>
+        <p:sp>
+          <p:nvSpPr>
+            <p:cNvPr id="19" name="Rectangle 18"/>
+            <p:cNvSpPr/>
+            <p:nvPr/>
+          </p:nvSpPr>
+          <p:spPr>
+            <a:xfrm>
+              <a:off x="762000" y="2148377"/>
+              <a:ext cx="1524000" cy="1828800"/>
+            </a:xfrm>
+            <a:prstGeom prst="rect">
+              <a:avLst/>
+            </a:prstGeom>
+            <a:noFill/>
+            <a:ln>
+              <a:solidFill>
+                <a:srgbClr val="0070C0"/>
+              </a:solidFill>
+              <a:prstDash val="solid"/>
+            </a:ln>
+          </p:spPr>
+          <p:style>
+            <a:lnRef idx="2">
+              <a:schemeClr val="accent1">
+                <a:shade val="50000"/>
+              </a:schemeClr>
+            </a:lnRef>
+            <a:fillRef idx="1">
+              <a:schemeClr val="accent1"/>
+            </a:fillRef>
+            <a:effectRef idx="0">
+              <a:schemeClr val="accent1"/>
+            </a:effectRef>
+            <a:fontRef idx="minor">
+              <a:schemeClr val="lt1"/>
+            </a:fontRef>
+          </p:style>
+          <p:txBody>
+            <a:bodyPr rtlCol="0" anchor="ctr"/>
+            <a:lstStyle/>
+            <a:p>
+              <a:pPr algn="ctr"/>
+              <a:endParaRPr lang="en-US" u="sng" dirty="0">
+                <a:solidFill>
+                  <a:srgbClr val="0070C0"/>
+                </a:solidFill>
+              </a:endParaRPr>
+            </a:p>
+          </p:txBody>
+        </p:sp>
+        <p:sp>
+          <p:nvSpPr>
+            <p:cNvPr id="74" name="Rectangle 73"/>
+            <p:cNvSpPr/>
+            <p:nvPr/>
+          </p:nvSpPr>
+          <p:spPr>
+            <a:xfrm>
+              <a:off x="838200" y="2224577"/>
+              <a:ext cx="1371600" cy="1676400"/>
+            </a:xfrm>
+            <a:prstGeom prst="rect">
+              <a:avLst/>
+            </a:prstGeom>
+            <a:blipFill>
+              <a:blip r:embed="rId2"/>
+              <a:stretch>
+                <a:fillRect/>
+              </a:stretch>
+            </a:blipFill>
+            <a:ln>
+              <a:noFill/>
+              <a:prstDash val="solid"/>
+            </a:ln>
+          </p:spPr>
+          <p:style>
+            <a:lnRef idx="2">
+              <a:schemeClr val="accent1">
+                <a:shade val="50000"/>
+              </a:schemeClr>
+            </a:lnRef>
+            <a:fillRef idx="1">
+              <a:schemeClr val="accent1"/>
+            </a:fillRef>
+            <a:effectRef idx="0">
+              <a:schemeClr val="accent1"/>
+            </a:effectRef>
+            <a:fontRef idx="minor">
+              <a:schemeClr val="lt1"/>
+            </a:fontRef>
+          </p:style>
+          <p:txBody>
+            <a:bodyPr rtlCol="0" anchor="ctr"/>
+            <a:lstStyle/>
+            <a:p>
+              <a:pPr algn="ctr"/>
+              <a:endParaRPr lang="en-US" u="sng" dirty="0"/>
+            </a:p>
+          </p:txBody>
+        </p:sp>
+      </p:grpSp>
+      <p:sp>
+        <p:nvSpPr>
+          <p:cNvPr id="77" name="TextBox 76"/>
+          <p:cNvSpPr txBox="1"/>
+          <p:nvPr/>
+        </p:nvSpPr>
+        <p:spPr>
+          <a:xfrm>
+            <a:off x="533400" y="4038600"/>
+            <a:ext cx="1828801" cy="369332"/>
+          </a:xfrm>
+          <a:prstGeom prst="rect">
+            <a:avLst/>
+          </a:prstGeom>
+          <a:noFill/>
+          <a:ln>
+            <a:noFill/>
+          </a:ln>
+        </p:spPr>
+        <p:txBody>
+          <a:bodyPr wrap="square" rtlCol="0">
+            <a:spAutoFit/>
+          </a:bodyPr>
+          <a:lstStyle/>
+          <a:p>
+            <a:pPr algn="ctr"/>
+            <a:r>
+              <a:rPr lang="en-US" b="1" dirty="0" smtClean="0">
+                <a:solidFill>
+                  <a:srgbClr val="0070C0"/>
+                </a:solidFill>
+              </a:rPr>
+              <a:t>Nguyen Van Sang</a:t>
+            </a:r>
+            <a:endParaRPr lang="en-US" b="1" dirty="0">
+              <a:solidFill>
+                <a:srgbClr val="0070C0"/>
+              </a:solidFill>
+            </a:endParaRPr>
+          </a:p>
+        </p:txBody>
+      </p:sp>
+      <p:cxnSp>
+        <p:nvCxnSpPr>
+          <p:cNvPr id="81" name="Elbow Connector 80"/>
+          <p:cNvCxnSpPr>
+            <a:stCxn id="19" idx="3"/>
+            <a:endCxn id="71" idx="1"/>
+          </p:cNvCxnSpPr>
+          <p:nvPr/>
+        </p:nvCxnSpPr>
+        <p:spPr>
+          <a:xfrm>
+            <a:off x="2209800" y="3062777"/>
+            <a:ext cx="533400" cy="1374077"/>
+          </a:xfrm>
+          <a:prstGeom prst="bentConnector3">
+            <a:avLst>
+              <a:gd name="adj1" fmla="val 50000"/>
+            </a:avLst>
+          </a:prstGeom>
+          <a:ln w="25400">
+            <a:prstDash val="dash"/>
+          </a:ln>
+        </p:spPr>
+        <p:style>
+          <a:lnRef idx="1">
+            <a:schemeClr val="accent1"/>
+          </a:lnRef>
+          <a:fillRef idx="0">
+            <a:schemeClr val="accent1"/>
+          </a:fillRef>
+          <a:effectRef idx="0">
+            <a:schemeClr val="accent1"/>
+          </a:effectRef>
+          <a:fontRef idx="minor">
+            <a:schemeClr val="tx1"/>
+          </a:fontRef>
+        </p:style>
+      </p:cxnSp>
+      <p:pic>
+        <p:nvPicPr>
+          <p:cNvPr id="86" name="Picture 2" descr="C:\Users\Chinh\Desktop\logo_dandelion3.png"/>
+          <p:cNvPicPr>
+            <a:picLocks noChangeAspect="1" noChangeArrowheads="1"/>
+          </p:cNvPicPr>
+          <p:nvPr/>
+        </p:nvPicPr>
+        <p:blipFill>
+          <a:blip r:embed="rId3" cstate="print">
+            <a:extLst>
+              <a:ext uri="{28A0092B-C50C-407E-A947-70E740481C1C}">
+                <a14:useLocalDpi xmlns:a14="http://schemas.microsoft.com/office/drawing/2010/main" val="0"/>
+              </a:ext>
+            </a:extLst>
+          </a:blip>
+          <a:srcRect/>
+          <a:stretch>
+            <a:fillRect/>
+          </a:stretch>
+        </p:blipFill>
+        <p:spPr bwMode="auto">
+          <a:xfrm>
+            <a:off x="141360" y="25854"/>
+            <a:ext cx="350693" cy="517080"/>
+          </a:xfrm>
+          <a:prstGeom prst="rect">
+            <a:avLst/>
+          </a:prstGeom>
+          <a:noFill/>
+          <a:extLst>
+            <a:ext uri="{909E8E84-426E-40DD-AFC4-6F175D3DCCD1}">
+              <a14:hiddenFill xmlns:a14="http://schemas.microsoft.com/office/drawing/2010/main">
+                <a:solidFill>
+                  <a:srgbClr val="FFFFFF"/>
+                </a:solidFill>
+              </a14:hiddenFill>
+            </a:ext>
+          </a:extLst>
+        </p:spPr>
+      </p:pic>
+    </p:spTree>
+    <p:extLst>
+      <p:ext uri="{BB962C8B-B14F-4D97-AF65-F5344CB8AC3E}">
+        <p14:creationId xmlns:p14="http://schemas.microsoft.com/office/powerpoint/2010/main" val="3993365249"/>
+      </p:ext>
+    </p:extLst>
+  </p:cSld>
+  <p:clrMapOvr>
+    <a:masterClrMapping/>
+  </p:clrMapOvr>
+  <p:timing>
+    <p:tnLst>
+      <p:par>
+        <p:cTn id="1" dur="indefinite" restart="never" nodeType="tmRoot">
+          <p:childTnLst>
+            <p:seq concurrent="1" nextAc="seek">
+              <p:cTn id="2" dur="indefinite" nodeType="mainSeq">
+                <p:childTnLst>
+                  <p:par>
+                    <p:cTn id="3" fill="hold">
+                      <p:stCondLst>
+                        <p:cond delay="indefinite"/>
+                        <p:cond evt="onBegin" delay="0">
+                          <p:tn val="2"/>
+                        </p:cond>
+                      </p:stCondLst>
+                      <p:childTnLst>
+                        <p:par>
+                          <p:cTn id="4" fill="hold">
+                            <p:stCondLst>
+                              <p:cond delay="0"/>
+                            </p:stCondLst>
+                            <p:childTnLst>
+                              <p:par>
+                                <p:cTn id="5" presetID="53" presetClass="entr" presetSubtype="16" fill="hold" nodeType="withEffect">
+                                  <p:stCondLst>
+                                    <p:cond delay="0"/>
+                                  </p:stCondLst>
+                                  <p:childTnLst>
+                                    <p:set>
+                                      <p:cBhvr>
+                                        <p:cTn id="6" dur="1" fill="hold">
+                                          <p:stCondLst>
+                                            <p:cond delay="0"/>
+                                          </p:stCondLst>
+                                        </p:cTn>
+                                        <p:tgtEl>
+                                          <p:spTgt spid="76"/>
+                                        </p:tgtEl>
+                                        <p:attrNameLst>
+                                          <p:attrName>style.visibility</p:attrName>
+                                        </p:attrNameLst>
+                                      </p:cBhvr>
+                                      <p:to>
+                                        <p:strVal val="visible"/>
+                                      </p:to>
+                                    </p:set>
+                                    <p:anim calcmode="lin" valueType="num">
+                                      <p:cBhvr>
+                                        <p:cTn id="7" dur="500" fill="hold"/>
+                                        <p:tgtEl>
+                                          <p:spTgt spid="76"/>
+                                        </p:tgtEl>
+                                        <p:attrNameLst>
+                                          <p:attrName>ppt_w</p:attrName>
+                                        </p:attrNameLst>
+                                      </p:cBhvr>
+                                      <p:tavLst>
+                                        <p:tav tm="0">
+                                          <p:val>
+                                            <p:fltVal val="0"/>
+                                          </p:val>
+                                        </p:tav>
+                                        <p:tav tm="100000">
+                                          <p:val>
+                                            <p:strVal val="#ppt_w"/>
+                                          </p:val>
+                                        </p:tav>
+                                      </p:tavLst>
+                                    </p:anim>
+                                    <p:anim calcmode="lin" valueType="num">
+                                      <p:cBhvr>
+                                        <p:cTn id="8" dur="500" fill="hold"/>
+                                        <p:tgtEl>
+                                          <p:spTgt spid="76"/>
+                                        </p:tgtEl>
+                                        <p:attrNameLst>
+                                          <p:attrName>ppt_h</p:attrName>
+                                        </p:attrNameLst>
+                                      </p:cBhvr>
+                                      <p:tavLst>
+                                        <p:tav tm="0">
+                                          <p:val>
+                                            <p:fltVal val="0"/>
+                                          </p:val>
+                                        </p:tav>
+                                        <p:tav tm="100000">
+                                          <p:val>
+                                            <p:strVal val="#ppt_h"/>
+                                          </p:val>
+                                        </p:tav>
+                                      </p:tavLst>
+                                    </p:anim>
+                                    <p:animEffect transition="in" filter="fade">
+                                      <p:cBhvr>
+                                        <p:cTn id="9" dur="500"/>
+                                        <p:tgtEl>
+                                          <p:spTgt spid="76"/>
+                                        </p:tgtEl>
+                                      </p:cBhvr>
+                                    </p:animEffect>
+                                  </p:childTnLst>
+                                </p:cTn>
+                              </p:par>
+                              <p:par>
+                                <p:cTn id="10" presetID="53" presetClass="entr" presetSubtype="16" fill="hold" grpId="0" nodeType="withEffect">
+                                  <p:stCondLst>
+                                    <p:cond delay="0"/>
+                                  </p:stCondLst>
+                                  <p:childTnLst>
+                                    <p:set>
+                                      <p:cBhvr>
+                                        <p:cTn id="11" dur="1" fill="hold">
+                                          <p:stCondLst>
+                                            <p:cond delay="0"/>
+                                          </p:stCondLst>
+                                        </p:cTn>
+                                        <p:tgtEl>
+                                          <p:spTgt spid="77"/>
+                                        </p:tgtEl>
+                                        <p:attrNameLst>
+                                          <p:attrName>style.visibility</p:attrName>
+                                        </p:attrNameLst>
+                                      </p:cBhvr>
+                                      <p:to>
+                                        <p:strVal val="visible"/>
+                                      </p:to>
+                                    </p:set>
+                                    <p:anim calcmode="lin" valueType="num">
+                                      <p:cBhvr>
+                                        <p:cTn id="12" dur="500" fill="hold"/>
+                                        <p:tgtEl>
+                                          <p:spTgt spid="77"/>
+                                        </p:tgtEl>
+                                        <p:attrNameLst>
+                                          <p:attrName>ppt_w</p:attrName>
+                                        </p:attrNameLst>
+                                      </p:cBhvr>
+                                      <p:tavLst>
+                                        <p:tav tm="0">
+                                          <p:val>
+                                            <p:fltVal val="0"/>
+                                          </p:val>
+                                        </p:tav>
+                                        <p:tav tm="100000">
+                                          <p:val>
+                                            <p:strVal val="#ppt_w"/>
+                                          </p:val>
+                                        </p:tav>
+                                      </p:tavLst>
+                                    </p:anim>
+                                    <p:anim calcmode="lin" valueType="num">
+                                      <p:cBhvr>
+                                        <p:cTn id="13" dur="500" fill="hold"/>
+                                        <p:tgtEl>
+                                          <p:spTgt spid="77"/>
+                                        </p:tgtEl>
+                                        <p:attrNameLst>
+                                          <p:attrName>ppt_h</p:attrName>
+                                        </p:attrNameLst>
+                                      </p:cBhvr>
+                                      <p:tavLst>
+                                        <p:tav tm="0">
+                                          <p:val>
+                                            <p:fltVal val="0"/>
+                                          </p:val>
+                                        </p:tav>
+                                        <p:tav tm="100000">
+                                          <p:val>
+                                            <p:strVal val="#ppt_h"/>
+                                          </p:val>
+                                        </p:tav>
+                                      </p:tavLst>
+                                    </p:anim>
+                                    <p:animEffect transition="in" filter="fade">
+                                      <p:cBhvr>
+                                        <p:cTn id="14" dur="500"/>
+                                        <p:tgtEl>
+                                          <p:spTgt spid="77"/>
+                                        </p:tgtEl>
+                                      </p:cBhvr>
+                                    </p:animEffect>
+                                  </p:childTnLst>
+                                </p:cTn>
+                              </p:par>
+                              <p:par>
+                                <p:cTn id="15" presetID="53" presetClass="entr" presetSubtype="16" fill="hold" grpId="0" nodeType="withEffect">
+                                  <p:stCondLst>
+                                    <p:cond delay="0"/>
+                                  </p:stCondLst>
+                                  <p:childTnLst>
+                                    <p:set>
+                                      <p:cBhvr>
+                                        <p:cTn id="16" dur="1" fill="hold">
+                                          <p:stCondLst>
+                                            <p:cond delay="0"/>
+                                          </p:stCondLst>
+                                        </p:cTn>
+                                        <p:tgtEl>
+                                          <p:spTgt spid="73"/>
+                                        </p:tgtEl>
+                                        <p:attrNameLst>
+                                          <p:attrName>style.visibility</p:attrName>
+                                        </p:attrNameLst>
+                                      </p:cBhvr>
+                                      <p:to>
+                                        <p:strVal val="visible"/>
+                                      </p:to>
+                                    </p:set>
+                                    <p:anim calcmode="lin" valueType="num">
+                                      <p:cBhvr>
+                                        <p:cTn id="17" dur="500" fill="hold"/>
+                                        <p:tgtEl>
+                                          <p:spTgt spid="73"/>
+                                        </p:tgtEl>
+                                        <p:attrNameLst>
+                                          <p:attrName>ppt_w</p:attrName>
+                                        </p:attrNameLst>
+                                      </p:cBhvr>
+                                      <p:tavLst>
+                                        <p:tav tm="0">
+                                          <p:val>
+                                            <p:fltVal val="0"/>
+                                          </p:val>
+                                        </p:tav>
+                                        <p:tav tm="100000">
+                                          <p:val>
+                                            <p:strVal val="#ppt_w"/>
+                                          </p:val>
+                                        </p:tav>
+                                      </p:tavLst>
+                                    </p:anim>
+                                    <p:anim calcmode="lin" valueType="num">
+                                      <p:cBhvr>
+                                        <p:cTn id="18" dur="500" fill="hold"/>
+                                        <p:tgtEl>
+                                          <p:spTgt spid="73"/>
+                                        </p:tgtEl>
+                                        <p:attrNameLst>
+                                          <p:attrName>ppt_h</p:attrName>
+                                        </p:attrNameLst>
+                                      </p:cBhvr>
+                                      <p:tavLst>
+                                        <p:tav tm="0">
+                                          <p:val>
+                                            <p:fltVal val="0"/>
+                                          </p:val>
+                                        </p:tav>
+                                        <p:tav tm="100000">
+                                          <p:val>
+                                            <p:strVal val="#ppt_h"/>
+                                          </p:val>
+                                        </p:tav>
+                                      </p:tavLst>
+                                    </p:anim>
+                                    <p:animEffect transition="in" filter="fade">
+                                      <p:cBhvr>
+                                        <p:cTn id="19" dur="500"/>
+                                        <p:tgtEl>
+                                          <p:spTgt spid="73"/>
+                                        </p:tgtEl>
+                                      </p:cBhvr>
+                                    </p:animEffect>
+                                  </p:childTnLst>
+                                </p:cTn>
+                              </p:par>
+                            </p:childTnLst>
+                          </p:cTn>
+                        </p:par>
+                        <p:par>
+                          <p:cTn id="20" fill="hold">
+                            <p:stCondLst>
+                              <p:cond delay="500"/>
+                            </p:stCondLst>
+                            <p:childTnLst>
+                              <p:par>
+                                <p:cTn id="21" presetID="22" presetClass="entr" presetSubtype="8" fill="hold" nodeType="afterEffect">
+                                  <p:stCondLst>
+                                    <p:cond delay="0"/>
+                                  </p:stCondLst>
+                                  <p:childTnLst>
+                                    <p:set>
+                                      <p:cBhvr>
+                                        <p:cTn id="22" dur="1" fill="hold">
+                                          <p:stCondLst>
+                                            <p:cond delay="0"/>
+                                          </p:stCondLst>
+                                        </p:cTn>
+                                        <p:tgtEl>
+                                          <p:spTgt spid="81"/>
+                                        </p:tgtEl>
+                                        <p:attrNameLst>
+                                          <p:attrName>style.visibility</p:attrName>
+                                        </p:attrNameLst>
+                                      </p:cBhvr>
+                                      <p:to>
+                                        <p:strVal val="visible"/>
+                                      </p:to>
+                                    </p:set>
+                                    <p:animEffect transition="in" filter="wipe(left)">
+                                      <p:cBhvr>
+                                        <p:cTn id="23" dur="500"/>
+                                        <p:tgtEl>
+                                          <p:spTgt spid="81"/>
+                                        </p:tgtEl>
+                                      </p:cBhvr>
+                                    </p:animEffect>
+                                  </p:childTnLst>
+                                </p:cTn>
+                              </p:par>
+                            </p:childTnLst>
+                          </p:cTn>
+                        </p:par>
+                        <p:par>
+                          <p:cTn id="24" fill="hold">
+                            <p:stCondLst>
+                              <p:cond delay="1000"/>
+                            </p:stCondLst>
+                            <p:childTnLst>
+                              <p:par>
+                                <p:cTn id="25" presetID="42" presetClass="entr" presetSubtype="0" fill="hold" nodeType="afterEffect">
+                                  <p:stCondLst>
+                                    <p:cond delay="0"/>
+                                  </p:stCondLst>
+                                  <p:childTnLst>
+                                    <p:set>
+                                      <p:cBhvr>
+                                        <p:cTn id="26" dur="1" fill="hold">
+                                          <p:stCondLst>
+                                            <p:cond delay="0"/>
+                                          </p:stCondLst>
+                                        </p:cTn>
+                                        <p:tgtEl>
+                                          <p:spTgt spid="75"/>
+                                        </p:tgtEl>
+                                        <p:attrNameLst>
+                                          <p:attrName>style.visibility</p:attrName>
+                                        </p:attrNameLst>
+                                      </p:cBhvr>
+                                      <p:to>
+                                        <p:strVal val="visible"/>
+                                      </p:to>
+                                    </p:set>
+                                    <p:animEffect transition="in" filter="fade">
+                                      <p:cBhvr>
+                                        <p:cTn id="27" dur="1000"/>
+                                        <p:tgtEl>
+                                          <p:spTgt spid="75"/>
+                                        </p:tgtEl>
+                                      </p:cBhvr>
+                                    </p:animEffect>
+                                    <p:anim calcmode="lin" valueType="num">
+                                      <p:cBhvr>
+                                        <p:cTn id="28" dur="1000" fill="hold"/>
+                                        <p:tgtEl>
+                                          <p:spTgt spid="75"/>
+                                        </p:tgtEl>
+                                        <p:attrNameLst>
+                                          <p:attrName>ppt_x</p:attrName>
+                                        </p:attrNameLst>
+                                      </p:cBhvr>
+                                      <p:tavLst>
+                                        <p:tav tm="0">
+                                          <p:val>
+                                            <p:strVal val="#ppt_x"/>
+                                          </p:val>
+                                        </p:tav>
+                                        <p:tav tm="100000">
+                                          <p:val>
+                                            <p:strVal val="#ppt_x"/>
+                                          </p:val>
+                                        </p:tav>
+                                      </p:tavLst>
+                                    </p:anim>
+                                    <p:anim calcmode="lin" valueType="num">
+                                      <p:cBhvr>
+                                        <p:cTn id="29" dur="1000" fill="hold"/>
+                                        <p:tgtEl>
+                                          <p:spTgt spid="75"/>
+                                        </p:tgtEl>
+                                        <p:attrNameLst>
+                                          <p:attrName>ppt_y</p:attrName>
+                                        </p:attrNameLst>
+                                      </p:cBhvr>
+                                      <p:tavLst>
+                                        <p:tav tm="0">
+                                          <p:val>
+                                            <p:strVal val="#ppt_y+.1"/>
+                                          </p:val>
+                                        </p:tav>
+                                        <p:tav tm="100000">
+                                          <p:val>
+                                            <p:strVal val="#ppt_y"/>
+                                          </p:val>
+                                        </p:tav>
+                                      </p:tavLst>
+                                    </p:anim>
+                                  </p:childTnLst>
+                                </p:cTn>
+                              </p:par>
+                              <p:par>
+                                <p:cTn id="30" presetID="42" presetClass="entr" presetSubtype="0" fill="hold" grpId="0" nodeType="withEffect">
+                                  <p:stCondLst>
+                                    <p:cond delay="0"/>
+                                  </p:stCondLst>
+                                  <p:childTnLst>
+                                    <p:set>
+                                      <p:cBhvr>
+                                        <p:cTn id="31" dur="1" fill="hold">
+                                          <p:stCondLst>
+                                            <p:cond delay="0"/>
+                                          </p:stCondLst>
+                                        </p:cTn>
+                                        <p:tgtEl>
+                                          <p:spTgt spid="72"/>
+                                        </p:tgtEl>
+                                        <p:attrNameLst>
+                                          <p:attrName>style.visibility</p:attrName>
+                                        </p:attrNameLst>
+                                      </p:cBhvr>
+                                      <p:to>
+                                        <p:strVal val="visible"/>
+                                      </p:to>
+                                    </p:set>
+                                    <p:animEffect transition="in" filter="fade">
+                                      <p:cBhvr>
+                                        <p:cTn id="32" dur="1000"/>
+                                        <p:tgtEl>
+                                          <p:spTgt spid="72"/>
+                                        </p:tgtEl>
+                                      </p:cBhvr>
+                                    </p:animEffect>
+                                    <p:anim calcmode="lin" valueType="num">
+                                      <p:cBhvr>
+                                        <p:cTn id="33" dur="1000" fill="hold"/>
+                                        <p:tgtEl>
+                                          <p:spTgt spid="72"/>
+                                        </p:tgtEl>
+                                        <p:attrNameLst>
+                                          <p:attrName>ppt_x</p:attrName>
+                                        </p:attrNameLst>
+                                      </p:cBhvr>
+                                      <p:tavLst>
+                                        <p:tav tm="0">
+                                          <p:val>
+                                            <p:strVal val="#ppt_x"/>
+                                          </p:val>
+                                        </p:tav>
+                                        <p:tav tm="100000">
+                                          <p:val>
+                                            <p:strVal val="#ppt_x"/>
+                                          </p:val>
+                                        </p:tav>
+                                      </p:tavLst>
+                                    </p:anim>
+                                    <p:anim calcmode="lin" valueType="num">
+                                      <p:cBhvr>
+                                        <p:cTn id="34" dur="1000" fill="hold"/>
+                                        <p:tgtEl>
+                                          <p:spTgt spid="72"/>
+                                        </p:tgtEl>
+                                        <p:attrNameLst>
+                                          <p:attrName>ppt_y</p:attrName>
+                                        </p:attrNameLst>
+                                      </p:cBhvr>
+                                      <p:tavLst>
+                                        <p:tav tm="0">
+                                          <p:val>
+                                            <p:strVal val="#ppt_y+.1"/>
+                                          </p:val>
+                                        </p:tav>
+                                        <p:tav tm="100000">
+                                          <p:val>
+                                            <p:strVal val="#ppt_y"/>
+                                          </p:val>
+                                        </p:tav>
+                                      </p:tavLst>
+                                    </p:anim>
+                                  </p:childTnLst>
+                                </p:cTn>
+                              </p:par>
+                            </p:childTnLst>
+                          </p:cTn>
+                        </p:par>
+                      </p:childTnLst>
+                    </p:cTn>
+                  </p:par>
+                </p:childTnLst>
+              </p:cTn>
+              <p:prevCondLst>
+                <p:cond evt="onPrev" delay="0">
+                  <p:tgtEl>
+                    <p:sldTgt/>
+                  </p:tgtEl>
+                </p:cond>
+              </p:prevCondLst>
+              <p:nextCondLst>
+                <p:cond evt="onNext" delay="0">
+                  <p:tgtEl>
+                    <p:sldTgt/>
+                  </p:tgtEl>
+                </p:cond>
+              </p:nextCondLst>
+            </p:seq>
+          </p:childTnLst>
+        </p:cTn>
+      </p:par>
+    </p:tnLst>
+    <p:bldLst>
+      <p:bldP spid="72" grpId="0"/>
+      <p:bldP spid="73" grpId="0"/>
+      <p:bldP spid="77" grpId="0"/>
+    </p:bldLst>
+  </p:timing>
+</p:sld>
+</file>
+
+<file path=ppt/slides/slide20.xml><?xml version="1.0" encoding="utf-8"?>
 <p:sld xmlns:a="http://schemas.openxmlformats.org/drawingml/2006/main" xmlns:r="http://schemas.openxmlformats.org/officeDocument/2006/relationships" xmlns:p="http://schemas.openxmlformats.org/presentationml/2006/main">
   <p:cSld>
     <p:spTree>
@@ -19758,7 +19354,7 @@
 </p:sld>
 </file>
 
-<file path=ppt/slides/slide22.xml><?xml version="1.0" encoding="utf-8"?>
+<file path=ppt/slides/slide21.xml><?xml version="1.0" encoding="utf-8"?>
 <p:sld xmlns:a="http://schemas.openxmlformats.org/drawingml/2006/main" xmlns:r="http://schemas.openxmlformats.org/officeDocument/2006/relationships" xmlns:p="http://schemas.openxmlformats.org/presentationml/2006/main">
   <p:cSld>
     <p:spTree>
@@ -20055,7 +19651,7 @@
 </p:sld>
 </file>
 
-<file path=ppt/slides/slide23.xml><?xml version="1.0" encoding="utf-8"?>
+<file path=ppt/slides/slide22.xml><?xml version="1.0" encoding="utf-8"?>
 <p:sld xmlns:a="http://schemas.openxmlformats.org/drawingml/2006/main" xmlns:r="http://schemas.openxmlformats.org/officeDocument/2006/relationships" xmlns:p="http://schemas.openxmlformats.org/presentationml/2006/main">
   <p:cSld>
     <p:spTree>
@@ -21524,7 +21120,7 @@
 </p:sld>
 </file>
 
-<file path=ppt/slides/slide24.xml><?xml version="1.0" encoding="utf-8"?>
+<file path=ppt/slides/slide23.xml><?xml version="1.0" encoding="utf-8"?>
 <p:sld xmlns:a="http://schemas.openxmlformats.org/drawingml/2006/main" xmlns:r="http://schemas.openxmlformats.org/officeDocument/2006/relationships" xmlns:p="http://schemas.openxmlformats.org/presentationml/2006/main">
   <p:cSld>
     <p:spTree>
@@ -22147,7 +21743,7 @@
 </p:sld>
 </file>
 
-<file path=ppt/slides/slide25.xml><?xml version="1.0" encoding="utf-8"?>
+<file path=ppt/slides/slide24.xml><?xml version="1.0" encoding="utf-8"?>
 <p:sld xmlns:a="http://schemas.openxmlformats.org/drawingml/2006/main" xmlns:r="http://schemas.openxmlformats.org/officeDocument/2006/relationships" xmlns:p="http://schemas.openxmlformats.org/presentationml/2006/main">
   <p:cSld>
     <p:spTree>
@@ -22650,7 +22246,7 @@
 </p:sld>
 </file>
 
-<file path=ppt/slides/slide26.xml><?xml version="1.0" encoding="utf-8"?>
+<file path=ppt/slides/slide25.xml><?xml version="1.0" encoding="utf-8"?>
 <p:sld xmlns:a="http://schemas.openxmlformats.org/drawingml/2006/main" xmlns:r="http://schemas.openxmlformats.org/officeDocument/2006/relationships" xmlns:p="http://schemas.openxmlformats.org/presentationml/2006/main">
   <p:cSld>
     <p:spTree>
@@ -23904,7 +23500,7 @@
 </p:sld>
 </file>
 
-<file path=ppt/slides/slide27.xml><?xml version="1.0" encoding="utf-8"?>
+<file path=ppt/slides/slide26.xml><?xml version="1.0" encoding="utf-8"?>
 <p:sld xmlns:a="http://schemas.openxmlformats.org/drawingml/2006/main" xmlns:r="http://schemas.openxmlformats.org/officeDocument/2006/relationships" xmlns:p="http://schemas.openxmlformats.org/presentationml/2006/main">
   <p:cSld>
     <p:spTree>
@@ -24527,7 +24123,7 @@
 </p:sld>
 </file>
 
-<file path=ppt/slides/slide28.xml><?xml version="1.0" encoding="utf-8"?>
+<file path=ppt/slides/slide27.xml><?xml version="1.0" encoding="utf-8"?>
 <p:sld xmlns:a="http://schemas.openxmlformats.org/drawingml/2006/main" xmlns:r="http://schemas.openxmlformats.org/officeDocument/2006/relationships" xmlns:p="http://schemas.openxmlformats.org/presentationml/2006/main">
   <p:cSld>
     <p:spTree>
@@ -24840,7 +24436,7 @@
 </p:sld>
 </file>
 
-<file path=ppt/slides/slide29.xml><?xml version="1.0" encoding="utf-8"?>
+<file path=ppt/slides/slide28.xml><?xml version="1.0" encoding="utf-8"?>
 <p:sld xmlns:a="http://schemas.openxmlformats.org/drawingml/2006/main" xmlns:r="http://schemas.openxmlformats.org/officeDocument/2006/relationships" xmlns:p="http://schemas.openxmlformats.org/presentationml/2006/main">
   <p:cSld>
     <p:spTree>
@@ -26094,6 +25690,647 @@
 </p:sld>
 </file>
 
+<file path=ppt/slides/slide29.xml><?xml version="1.0" encoding="utf-8"?>
+<p:sld xmlns:a="http://schemas.openxmlformats.org/drawingml/2006/main" xmlns:r="http://schemas.openxmlformats.org/officeDocument/2006/relationships" xmlns:p="http://schemas.openxmlformats.org/presentationml/2006/main">
+  <p:cSld>
+    <p:spTree>
+      <p:nvGrpSpPr>
+        <p:cNvPr id="1" name=""/>
+        <p:cNvGrpSpPr/>
+        <p:nvPr/>
+      </p:nvGrpSpPr>
+      <p:grpSpPr>
+        <a:xfrm>
+          <a:off x="0" y="0"/>
+          <a:ext cx="0" cy="0"/>
+          <a:chOff x="0" y="0"/>
+          <a:chExt cx="0" cy="0"/>
+        </a:xfrm>
+      </p:grpSpPr>
+      <p:pic>
+        <p:nvPicPr>
+          <p:cNvPr id="43" name="Picture 2" descr="C:\Users\Chinh\Desktop\Slides\logo_dandelion2.png"/>
+          <p:cNvPicPr>
+            <a:picLocks noChangeAspect="1" noChangeArrowheads="1"/>
+          </p:cNvPicPr>
+          <p:nvPr/>
+        </p:nvPicPr>
+        <p:blipFill>
+          <a:blip r:embed="rId2">
+            <a:extLst>
+              <a:ext uri="{28A0092B-C50C-407E-A947-70E740481C1C}">
+                <a14:useLocalDpi xmlns:a14="http://schemas.microsoft.com/office/drawing/2010/main" val="0"/>
+              </a:ext>
+            </a:extLst>
+          </a:blip>
+          <a:srcRect/>
+          <a:stretch>
+            <a:fillRect/>
+          </a:stretch>
+        </p:blipFill>
+        <p:spPr bwMode="auto">
+          <a:xfrm>
+            <a:off x="5631873" y="3124200"/>
+            <a:ext cx="2195286" cy="3236848"/>
+          </a:xfrm>
+          <a:prstGeom prst="rect">
+            <a:avLst/>
+          </a:prstGeom>
+          <a:noFill/>
+          <a:extLst>
+            <a:ext uri="{909E8E84-426E-40DD-AFC4-6F175D3DCCD1}">
+              <a14:hiddenFill xmlns:a14="http://schemas.microsoft.com/office/drawing/2010/main">
+                <a:solidFill>
+                  <a:srgbClr val="FFFFFF"/>
+                </a:solidFill>
+              </a14:hiddenFill>
+            </a:ext>
+          </a:extLst>
+        </p:spPr>
+      </p:pic>
+      <p:pic>
+        <p:nvPicPr>
+          <p:cNvPr id="44" name="Picture 2" descr="C:\Users\Chinh\Desktop\Slides\logo_dandelion2.png"/>
+          <p:cNvPicPr>
+            <a:picLocks noChangeAspect="1" noChangeArrowheads="1"/>
+          </p:cNvPicPr>
+          <p:nvPr/>
+        </p:nvPicPr>
+        <p:blipFill>
+          <a:blip r:embed="rId3" cstate="print">
+            <a:extLst>
+              <a:ext uri="{28A0092B-C50C-407E-A947-70E740481C1C}">
+                <a14:useLocalDpi xmlns:a14="http://schemas.microsoft.com/office/drawing/2010/main" val="0"/>
+              </a:ext>
+            </a:extLst>
+          </a:blip>
+          <a:srcRect/>
+          <a:stretch>
+            <a:fillRect/>
+          </a:stretch>
+        </p:blipFill>
+        <p:spPr bwMode="auto">
+          <a:xfrm>
+            <a:off x="8016843" y="5196061"/>
+            <a:ext cx="1127157" cy="1661939"/>
+          </a:xfrm>
+          <a:prstGeom prst="rect">
+            <a:avLst/>
+          </a:prstGeom>
+          <a:noFill/>
+          <a:extLst>
+            <a:ext uri="{909E8E84-426E-40DD-AFC4-6F175D3DCCD1}">
+              <a14:hiddenFill xmlns:a14="http://schemas.microsoft.com/office/drawing/2010/main">
+                <a:solidFill>
+                  <a:srgbClr val="FFFFFF"/>
+                </a:solidFill>
+              </a14:hiddenFill>
+            </a:ext>
+          </a:extLst>
+        </p:spPr>
+      </p:pic>
+      <p:grpSp>
+        <p:nvGrpSpPr>
+          <p:cNvPr id="63" name="Group 62"/>
+          <p:cNvGrpSpPr/>
+          <p:nvPr/>
+        </p:nvGrpSpPr>
+        <p:grpSpPr>
+          <a:xfrm>
+            <a:off x="5060950" y="4253637"/>
+            <a:ext cx="2489200" cy="2404765"/>
+            <a:chOff x="1066800" y="1177085"/>
+            <a:chExt cx="2489200" cy="2404765"/>
+          </a:xfrm>
+          <a:noFill/>
+        </p:grpSpPr>
+        <p:sp>
+          <p:nvSpPr>
+            <p:cNvPr id="64" name="TextBox 63"/>
+            <p:cNvSpPr txBox="1"/>
+            <p:nvPr/>
+          </p:nvSpPr>
+          <p:spPr>
+            <a:xfrm>
+              <a:off x="1600200" y="1177085"/>
+              <a:ext cx="1955800" cy="461665"/>
+            </a:xfrm>
+            <a:prstGeom prst="rect">
+              <a:avLst/>
+            </a:prstGeom>
+            <a:grpFill/>
+          </p:spPr>
+          <p:txBody>
+            <a:bodyPr wrap="square" rtlCol="0">
+              <a:spAutoFit/>
+            </a:bodyPr>
+            <a:lstStyle/>
+            <a:p>
+              <a:r>
+                <a:rPr lang="en-US" sz="2400" b="1" dirty="0">
+                  <a:latin typeface="Times New Roman" panose="02020603050405020304" pitchFamily="18" charset="0"/>
+                  <a:cs typeface="Times New Roman" panose="02020603050405020304" pitchFamily="18" charset="0"/>
+                </a:rPr>
+                <a:t>Q &amp; A</a:t>
+              </a:r>
+              <a:endParaRPr lang="en-US" sz="2400" b="1" dirty="0"/>
+            </a:p>
+          </p:txBody>
+        </p:sp>
+        <p:sp>
+          <p:nvSpPr>
+            <p:cNvPr id="65" name="TextBox 64"/>
+            <p:cNvSpPr txBox="1"/>
+            <p:nvPr/>
+          </p:nvSpPr>
+          <p:spPr>
+            <a:xfrm>
+              <a:off x="1066800" y="1642858"/>
+              <a:ext cx="533400" cy="1938992"/>
+            </a:xfrm>
+            <a:prstGeom prst="rect">
+              <a:avLst/>
+            </a:prstGeom>
+            <a:grpFill/>
+          </p:spPr>
+          <p:txBody>
+            <a:bodyPr wrap="square" rtlCol="0">
+              <a:spAutoFit/>
+            </a:bodyPr>
+            <a:lstStyle/>
+            <a:p>
+              <a:pPr algn="ctr"/>
+              <a:r>
+                <a:rPr lang="ja-JP" altLang="en-US" sz="2400" b="1" dirty="0">
+                  <a:latin typeface="Times New Roman" panose="02020603050405020304" pitchFamily="18" charset="0"/>
+                  <a:ea typeface="SimSun" panose="02010600030101010101" pitchFamily="2" charset="-122"/>
+                  <a:cs typeface="Times New Roman" panose="02020603050405020304" pitchFamily="18" charset="0"/>
+                </a:rPr>
+                <a:t>質問と回答</a:t>
+              </a:r>
+              <a:endParaRPr lang="en-US" sz="2400" b="1" dirty="0"/>
+            </a:p>
+          </p:txBody>
+        </p:sp>
+        <p:sp>
+          <p:nvSpPr>
+            <p:cNvPr id="66" name="TextBox 65"/>
+            <p:cNvSpPr txBox="1"/>
+            <p:nvPr/>
+          </p:nvSpPr>
+          <p:spPr>
+            <a:xfrm>
+              <a:off x="1066800" y="1181100"/>
+              <a:ext cx="533400" cy="461665"/>
+            </a:xfrm>
+            <a:prstGeom prst="rect">
+              <a:avLst/>
+            </a:prstGeom>
+            <a:grpFill/>
+          </p:spPr>
+          <p:txBody>
+            <a:bodyPr wrap="square" rtlCol="0">
+              <a:spAutoFit/>
+            </a:bodyPr>
+            <a:lstStyle/>
+            <a:p>
+              <a:pPr algn="ctr"/>
+              <a:r>
+                <a:rPr lang="en-US" sz="2400" b="1" dirty="0">
+                  <a:solidFill>
+                    <a:srgbClr val="0070C0"/>
+                  </a:solidFill>
+                </a:rPr>
+                <a:t>8</a:t>
+              </a:r>
+            </a:p>
+          </p:txBody>
+        </p:sp>
+      </p:grpSp>
+      <p:grpSp>
+        <p:nvGrpSpPr>
+          <p:cNvPr id="88" name="Group 87"/>
+          <p:cNvGrpSpPr/>
+          <p:nvPr/>
+        </p:nvGrpSpPr>
+        <p:grpSpPr>
+          <a:xfrm>
+            <a:off x="42636" y="77177"/>
+            <a:ext cx="2489200" cy="2404765"/>
+            <a:chOff x="1066800" y="1177085"/>
+            <a:chExt cx="2489200" cy="2404765"/>
+          </a:xfrm>
+          <a:noFill/>
+        </p:grpSpPr>
+        <p:sp>
+          <p:nvSpPr>
+            <p:cNvPr id="89" name="TextBox 88"/>
+            <p:cNvSpPr txBox="1"/>
+            <p:nvPr/>
+          </p:nvSpPr>
+          <p:spPr>
+            <a:xfrm>
+              <a:off x="1600200" y="1177085"/>
+              <a:ext cx="1955800" cy="461665"/>
+            </a:xfrm>
+            <a:prstGeom prst="rect">
+              <a:avLst/>
+            </a:prstGeom>
+            <a:grpFill/>
+          </p:spPr>
+          <p:txBody>
+            <a:bodyPr wrap="square" rtlCol="0">
+              <a:spAutoFit/>
+            </a:bodyPr>
+            <a:lstStyle/>
+            <a:p>
+              <a:r>
+                <a:rPr lang="en-US" sz="2400" b="1" dirty="0">
+                  <a:solidFill>
+                    <a:schemeClr val="bg1"/>
+                  </a:solidFill>
+                  <a:latin typeface="Times New Roman" panose="02020603050405020304" pitchFamily="18" charset="0"/>
+                  <a:cs typeface="Times New Roman" panose="02020603050405020304" pitchFamily="18" charset="0"/>
+                </a:rPr>
+                <a:t>Q &amp; A</a:t>
+              </a:r>
+              <a:endParaRPr lang="en-US" sz="2400" b="1" dirty="0">
+                <a:solidFill>
+                  <a:schemeClr val="bg1"/>
+                </a:solidFill>
+              </a:endParaRPr>
+            </a:p>
+          </p:txBody>
+        </p:sp>
+        <p:sp>
+          <p:nvSpPr>
+            <p:cNvPr id="90" name="TextBox 89"/>
+            <p:cNvSpPr txBox="1"/>
+            <p:nvPr/>
+          </p:nvSpPr>
+          <p:spPr>
+            <a:xfrm>
+              <a:off x="1066800" y="1642858"/>
+              <a:ext cx="533400" cy="1938992"/>
+            </a:xfrm>
+            <a:prstGeom prst="rect">
+              <a:avLst/>
+            </a:prstGeom>
+            <a:grpFill/>
+          </p:spPr>
+          <p:txBody>
+            <a:bodyPr wrap="square" rtlCol="0">
+              <a:spAutoFit/>
+            </a:bodyPr>
+            <a:lstStyle/>
+            <a:p>
+              <a:pPr algn="ctr"/>
+              <a:r>
+                <a:rPr lang="ja-JP" altLang="en-US" sz="2400" b="1" dirty="0">
+                  <a:solidFill>
+                    <a:schemeClr val="bg1"/>
+                  </a:solidFill>
+                  <a:latin typeface="Times New Roman" panose="02020603050405020304" pitchFamily="18" charset="0"/>
+                  <a:ea typeface="SimSun" panose="02010600030101010101" pitchFamily="2" charset="-122"/>
+                  <a:cs typeface="Times New Roman" panose="02020603050405020304" pitchFamily="18" charset="0"/>
+                </a:rPr>
+                <a:t>質問と回答</a:t>
+              </a:r>
+              <a:endParaRPr lang="en-US" sz="2400" b="1" dirty="0">
+                <a:solidFill>
+                  <a:schemeClr val="bg1"/>
+                </a:solidFill>
+              </a:endParaRPr>
+            </a:p>
+          </p:txBody>
+        </p:sp>
+        <p:sp>
+          <p:nvSpPr>
+            <p:cNvPr id="91" name="TextBox 90"/>
+            <p:cNvSpPr txBox="1"/>
+            <p:nvPr/>
+          </p:nvSpPr>
+          <p:spPr>
+            <a:xfrm>
+              <a:off x="1066800" y="1181100"/>
+              <a:ext cx="533400" cy="461665"/>
+            </a:xfrm>
+            <a:prstGeom prst="rect">
+              <a:avLst/>
+            </a:prstGeom>
+            <a:grpFill/>
+          </p:spPr>
+          <p:txBody>
+            <a:bodyPr wrap="square" rtlCol="0">
+              <a:spAutoFit/>
+            </a:bodyPr>
+            <a:lstStyle/>
+            <a:p>
+              <a:pPr algn="ctr"/>
+              <a:r>
+                <a:rPr lang="en-US" sz="2400" b="1" dirty="0">
+                  <a:solidFill>
+                    <a:schemeClr val="bg1"/>
+                  </a:solidFill>
+                </a:rPr>
+                <a:t>8</a:t>
+              </a:r>
+            </a:p>
+          </p:txBody>
+        </p:sp>
+      </p:grpSp>
+    </p:spTree>
+    <p:extLst>
+      <p:ext uri="{BB962C8B-B14F-4D97-AF65-F5344CB8AC3E}">
+        <p14:creationId xmlns:p14="http://schemas.microsoft.com/office/powerpoint/2010/main" val="2812594114"/>
+      </p:ext>
+    </p:extLst>
+  </p:cSld>
+  <p:clrMapOvr>
+    <a:masterClrMapping/>
+  </p:clrMapOvr>
+  <p:timing>
+    <p:tnLst>
+      <p:par>
+        <p:cTn id="1" dur="indefinite" restart="never" nodeType="tmRoot">
+          <p:childTnLst>
+            <p:seq concurrent="1" nextAc="seek">
+              <p:cTn id="2" dur="indefinite" nodeType="mainSeq">
+                <p:childTnLst>
+                  <p:par>
+                    <p:cTn id="3" fill="hold">
+                      <p:stCondLst>
+                        <p:cond delay="indefinite"/>
+                        <p:cond evt="onBegin" delay="0">
+                          <p:tn val="2"/>
+                        </p:cond>
+                      </p:stCondLst>
+                      <p:childTnLst>
+                        <p:par>
+                          <p:cTn id="4" fill="hold">
+                            <p:stCondLst>
+                              <p:cond delay="0"/>
+                            </p:stCondLst>
+                            <p:childTnLst>
+                              <p:par>
+                                <p:cTn id="5" presetID="0" presetClass="path" presetSubtype="0" accel="50000" decel="50000" fill="hold" nodeType="withEffect">
+                                  <p:stCondLst>
+                                    <p:cond delay="0"/>
+                                  </p:stCondLst>
+                                  <p:childTnLst>
+                                    <p:animMotion origin="layout" path="M 8.05556E-6 -1.7341E-7 L -0.55069 -0.61087 " pathEditMode="relative" ptsTypes="AA">
+                                      <p:cBhvr>
+                                        <p:cTn id="6" dur="2000" fill="hold"/>
+                                        <p:tgtEl>
+                                          <p:spTgt spid="63"/>
+                                        </p:tgtEl>
+                                        <p:attrNameLst>
+                                          <p:attrName>ppt_x</p:attrName>
+                                          <p:attrName>ppt_y</p:attrName>
+                                        </p:attrNameLst>
+                                      </p:cBhvr>
+                                    </p:animMotion>
+                                  </p:childTnLst>
+                                </p:cTn>
+                              </p:par>
+                              <p:par>
+                                <p:cTn id="7" presetID="6" presetClass="emph" presetSubtype="0" fill="hold" nodeType="withEffect">
+                                  <p:stCondLst>
+                                    <p:cond delay="0"/>
+                                  </p:stCondLst>
+                                  <p:childTnLst>
+                                    <p:animScale>
+                                      <p:cBhvr>
+                                        <p:cTn id="8" dur="2000" fill="hold"/>
+                                        <p:tgtEl>
+                                          <p:spTgt spid="43"/>
+                                        </p:tgtEl>
+                                      </p:cBhvr>
+                                      <p:by x="50000" y="50000"/>
+                                    </p:animScale>
+                                  </p:childTnLst>
+                                </p:cTn>
+                              </p:par>
+                              <p:par>
+                                <p:cTn id="9" presetID="0" presetClass="path" presetSubtype="0" accel="50000" decel="50000" fill="hold" nodeType="withEffect">
+                                  <p:stCondLst>
+                                    <p:cond delay="0"/>
+                                  </p:stCondLst>
+                                  <p:childTnLst>
+                                    <p:animMotion origin="layout" path="M -0.01927 -0.01991 L 0.20052 0.18634 " pathEditMode="relative" rAng="0" ptsTypes="AA">
+                                      <p:cBhvr>
+                                        <p:cTn id="10" dur="2000" fill="hold"/>
+                                        <p:tgtEl>
+                                          <p:spTgt spid="43"/>
+                                        </p:tgtEl>
+                                        <p:attrNameLst>
+                                          <p:attrName>ppt_x</p:attrName>
+                                          <p:attrName>ppt_y</p:attrName>
+                                        </p:attrNameLst>
+                                      </p:cBhvr>
+                                      <p:rCtr x="10990" y="10301"/>
+                                    </p:animMotion>
+                                  </p:childTnLst>
+                                </p:cTn>
+                              </p:par>
+                            </p:childTnLst>
+                          </p:cTn>
+                        </p:par>
+                        <p:par>
+                          <p:cTn id="11" fill="hold">
+                            <p:stCondLst>
+                              <p:cond delay="2000"/>
+                            </p:stCondLst>
+                            <p:childTnLst>
+                              <p:par>
+                                <p:cTn id="12" presetID="10" presetClass="exit" presetSubtype="0" fill="hold" nodeType="afterEffect">
+                                  <p:stCondLst>
+                                    <p:cond delay="0"/>
+                                  </p:stCondLst>
+                                  <p:childTnLst>
+                                    <p:animEffect transition="out" filter="fade">
+                                      <p:cBhvr>
+                                        <p:cTn id="13" dur="500"/>
+                                        <p:tgtEl>
+                                          <p:spTgt spid="43"/>
+                                        </p:tgtEl>
+                                      </p:cBhvr>
+                                    </p:animEffect>
+                                    <p:set>
+                                      <p:cBhvr>
+                                        <p:cTn id="14" dur="1" fill="hold">
+                                          <p:stCondLst>
+                                            <p:cond delay="499"/>
+                                          </p:stCondLst>
+                                        </p:cTn>
+                                        <p:tgtEl>
+                                          <p:spTgt spid="43"/>
+                                        </p:tgtEl>
+                                        <p:attrNameLst>
+                                          <p:attrName>style.visibility</p:attrName>
+                                        </p:attrNameLst>
+                                      </p:cBhvr>
+                                      <p:to>
+                                        <p:strVal val="hidden"/>
+                                      </p:to>
+                                    </p:set>
+                                  </p:childTnLst>
+                                </p:cTn>
+                              </p:par>
+                              <p:par>
+                                <p:cTn id="15" presetID="10" presetClass="entr" presetSubtype="0" fill="hold" nodeType="withEffect">
+                                  <p:stCondLst>
+                                    <p:cond delay="0"/>
+                                  </p:stCondLst>
+                                  <p:childTnLst>
+                                    <p:set>
+                                      <p:cBhvr>
+                                        <p:cTn id="16" dur="1" fill="hold">
+                                          <p:stCondLst>
+                                            <p:cond delay="0"/>
+                                          </p:stCondLst>
+                                        </p:cTn>
+                                        <p:tgtEl>
+                                          <p:spTgt spid="44"/>
+                                        </p:tgtEl>
+                                        <p:attrNameLst>
+                                          <p:attrName>style.visibility</p:attrName>
+                                        </p:attrNameLst>
+                                      </p:cBhvr>
+                                      <p:to>
+                                        <p:strVal val="visible"/>
+                                      </p:to>
+                                    </p:set>
+                                    <p:animEffect transition="in" filter="fade">
+                                      <p:cBhvr>
+                                        <p:cTn id="17" dur="500"/>
+                                        <p:tgtEl>
+                                          <p:spTgt spid="44"/>
+                                        </p:tgtEl>
+                                      </p:cBhvr>
+                                    </p:animEffect>
+                                  </p:childTnLst>
+                                </p:cTn>
+                              </p:par>
+                              <p:par>
+                                <p:cTn id="18" presetID="10" presetClass="exit" presetSubtype="0" fill="hold" nodeType="withEffect">
+                                  <p:stCondLst>
+                                    <p:cond delay="0"/>
+                                  </p:stCondLst>
+                                  <p:childTnLst>
+                                    <p:animEffect transition="out" filter="fade">
+                                      <p:cBhvr>
+                                        <p:cTn id="19" dur="500"/>
+                                        <p:tgtEl>
+                                          <p:spTgt spid="63"/>
+                                        </p:tgtEl>
+                                      </p:cBhvr>
+                                    </p:animEffect>
+                                    <p:set>
+                                      <p:cBhvr>
+                                        <p:cTn id="20" dur="1" fill="hold">
+                                          <p:stCondLst>
+                                            <p:cond delay="499"/>
+                                          </p:stCondLst>
+                                        </p:cTn>
+                                        <p:tgtEl>
+                                          <p:spTgt spid="63"/>
+                                        </p:tgtEl>
+                                        <p:attrNameLst>
+                                          <p:attrName>style.visibility</p:attrName>
+                                        </p:attrNameLst>
+                                      </p:cBhvr>
+                                      <p:to>
+                                        <p:strVal val="hidden"/>
+                                      </p:to>
+                                    </p:set>
+                                  </p:childTnLst>
+                                </p:cTn>
+                              </p:par>
+                            </p:childTnLst>
+                          </p:cTn>
+                        </p:par>
+                      </p:childTnLst>
+                    </p:cTn>
+                  </p:par>
+                  <p:par>
+                    <p:cTn id="21" fill="hold">
+                      <p:stCondLst>
+                        <p:cond delay="indefinite"/>
+                      </p:stCondLst>
+                      <p:childTnLst>
+                        <p:par>
+                          <p:cTn id="22" fill="hold">
+                            <p:stCondLst>
+                              <p:cond delay="0"/>
+                            </p:stCondLst>
+                            <p:childTnLst>
+                              <p:par>
+                                <p:cTn id="23" presetID="10" presetClass="entr" presetSubtype="0" fill="hold" nodeType="clickEffect">
+                                  <p:stCondLst>
+                                    <p:cond delay="0"/>
+                                  </p:stCondLst>
+                                  <p:childTnLst>
+                                    <p:set>
+                                      <p:cBhvr>
+                                        <p:cTn id="24" dur="1" fill="hold">
+                                          <p:stCondLst>
+                                            <p:cond delay="0"/>
+                                          </p:stCondLst>
+                                        </p:cTn>
+                                        <p:tgtEl>
+                                          <p:spTgt spid="88"/>
+                                        </p:tgtEl>
+                                        <p:attrNameLst>
+                                          <p:attrName>style.visibility</p:attrName>
+                                        </p:attrNameLst>
+                                      </p:cBhvr>
+                                      <p:to>
+                                        <p:strVal val="visible"/>
+                                      </p:to>
+                                    </p:set>
+                                    <p:animEffect transition="in" filter="fade">
+                                      <p:cBhvr>
+                                        <p:cTn id="25" dur="500"/>
+                                        <p:tgtEl>
+                                          <p:spTgt spid="88"/>
+                                        </p:tgtEl>
+                                      </p:cBhvr>
+                                    </p:animEffect>
+                                  </p:childTnLst>
+                                </p:cTn>
+                              </p:par>
+                            </p:childTnLst>
+                          </p:cTn>
+                        </p:par>
+                      </p:childTnLst>
+                    </p:cTn>
+                  </p:par>
+                </p:childTnLst>
+              </p:cTn>
+              <p:prevCondLst>
+                <p:cond evt="onPrev" delay="0">
+                  <p:tgtEl>
+                    <p:sldTgt/>
+                  </p:tgtEl>
+                </p:cond>
+              </p:prevCondLst>
+              <p:nextCondLst>
+                <p:cond evt="onNext" delay="0">
+                  <p:tgtEl>
+                    <p:sldTgt/>
+                  </p:tgtEl>
+                </p:cond>
+              </p:nextCondLst>
+            </p:seq>
+          </p:childTnLst>
+        </p:cTn>
+      </p:par>
+    </p:tnLst>
+  </p:timing>
+</p:sld>
+</file>
+
 <file path=ppt/slides/slide3.xml><?xml version="1.0" encoding="utf-8"?>
 <p:sld xmlns:a="http://schemas.openxmlformats.org/drawingml/2006/main" xmlns:r="http://schemas.openxmlformats.org/officeDocument/2006/relationships" xmlns:p="http://schemas.openxmlformats.org/presentationml/2006/main">
   <p:cSld>
@@ -27365,647 +27602,6 @@
           <a:chExt cx="0" cy="0"/>
         </a:xfrm>
       </p:grpSpPr>
-      <p:pic>
-        <p:nvPicPr>
-          <p:cNvPr id="43" name="Picture 2" descr="C:\Users\Chinh\Desktop\Slides\logo_dandelion2.png"/>
-          <p:cNvPicPr>
-            <a:picLocks noChangeAspect="1" noChangeArrowheads="1"/>
-          </p:cNvPicPr>
-          <p:nvPr/>
-        </p:nvPicPr>
-        <p:blipFill>
-          <a:blip r:embed="rId2">
-            <a:extLst>
-              <a:ext uri="{28A0092B-C50C-407E-A947-70E740481C1C}">
-                <a14:useLocalDpi xmlns:a14="http://schemas.microsoft.com/office/drawing/2010/main" val="0"/>
-              </a:ext>
-            </a:extLst>
-          </a:blip>
-          <a:srcRect/>
-          <a:stretch>
-            <a:fillRect/>
-          </a:stretch>
-        </p:blipFill>
-        <p:spPr bwMode="auto">
-          <a:xfrm>
-            <a:off x="5631873" y="3124200"/>
-            <a:ext cx="2195286" cy="3236848"/>
-          </a:xfrm>
-          <a:prstGeom prst="rect">
-            <a:avLst/>
-          </a:prstGeom>
-          <a:noFill/>
-          <a:extLst>
-            <a:ext uri="{909E8E84-426E-40DD-AFC4-6F175D3DCCD1}">
-              <a14:hiddenFill xmlns:a14="http://schemas.microsoft.com/office/drawing/2010/main">
-                <a:solidFill>
-                  <a:srgbClr val="FFFFFF"/>
-                </a:solidFill>
-              </a14:hiddenFill>
-            </a:ext>
-          </a:extLst>
-        </p:spPr>
-      </p:pic>
-      <p:pic>
-        <p:nvPicPr>
-          <p:cNvPr id="44" name="Picture 2" descr="C:\Users\Chinh\Desktop\Slides\logo_dandelion2.png"/>
-          <p:cNvPicPr>
-            <a:picLocks noChangeAspect="1" noChangeArrowheads="1"/>
-          </p:cNvPicPr>
-          <p:nvPr/>
-        </p:nvPicPr>
-        <p:blipFill>
-          <a:blip r:embed="rId3" cstate="print">
-            <a:extLst>
-              <a:ext uri="{28A0092B-C50C-407E-A947-70E740481C1C}">
-                <a14:useLocalDpi xmlns:a14="http://schemas.microsoft.com/office/drawing/2010/main" val="0"/>
-              </a:ext>
-            </a:extLst>
-          </a:blip>
-          <a:srcRect/>
-          <a:stretch>
-            <a:fillRect/>
-          </a:stretch>
-        </p:blipFill>
-        <p:spPr bwMode="auto">
-          <a:xfrm>
-            <a:off x="8016843" y="5196061"/>
-            <a:ext cx="1127157" cy="1661939"/>
-          </a:xfrm>
-          <a:prstGeom prst="rect">
-            <a:avLst/>
-          </a:prstGeom>
-          <a:noFill/>
-          <a:extLst>
-            <a:ext uri="{909E8E84-426E-40DD-AFC4-6F175D3DCCD1}">
-              <a14:hiddenFill xmlns:a14="http://schemas.microsoft.com/office/drawing/2010/main">
-                <a:solidFill>
-                  <a:srgbClr val="FFFFFF"/>
-                </a:solidFill>
-              </a14:hiddenFill>
-            </a:ext>
-          </a:extLst>
-        </p:spPr>
-      </p:pic>
-      <p:grpSp>
-        <p:nvGrpSpPr>
-          <p:cNvPr id="63" name="Group 62"/>
-          <p:cNvGrpSpPr/>
-          <p:nvPr/>
-        </p:nvGrpSpPr>
-        <p:grpSpPr>
-          <a:xfrm>
-            <a:off x="5060950" y="4253637"/>
-            <a:ext cx="2489200" cy="2404765"/>
-            <a:chOff x="1066800" y="1177085"/>
-            <a:chExt cx="2489200" cy="2404765"/>
-          </a:xfrm>
-          <a:noFill/>
-        </p:grpSpPr>
-        <p:sp>
-          <p:nvSpPr>
-            <p:cNvPr id="64" name="TextBox 63"/>
-            <p:cNvSpPr txBox="1"/>
-            <p:nvPr/>
-          </p:nvSpPr>
-          <p:spPr>
-            <a:xfrm>
-              <a:off x="1600200" y="1177085"/>
-              <a:ext cx="1955800" cy="461665"/>
-            </a:xfrm>
-            <a:prstGeom prst="rect">
-              <a:avLst/>
-            </a:prstGeom>
-            <a:grpFill/>
-          </p:spPr>
-          <p:txBody>
-            <a:bodyPr wrap="square" rtlCol="0">
-              <a:spAutoFit/>
-            </a:bodyPr>
-            <a:lstStyle/>
-            <a:p>
-              <a:r>
-                <a:rPr lang="en-US" sz="2400" b="1" dirty="0">
-                  <a:latin typeface="Times New Roman" panose="02020603050405020304" pitchFamily="18" charset="0"/>
-                  <a:cs typeface="Times New Roman" panose="02020603050405020304" pitchFamily="18" charset="0"/>
-                </a:rPr>
-                <a:t>Q &amp; A</a:t>
-              </a:r>
-              <a:endParaRPr lang="en-US" sz="2400" b="1" dirty="0"/>
-            </a:p>
-          </p:txBody>
-        </p:sp>
-        <p:sp>
-          <p:nvSpPr>
-            <p:cNvPr id="65" name="TextBox 64"/>
-            <p:cNvSpPr txBox="1"/>
-            <p:nvPr/>
-          </p:nvSpPr>
-          <p:spPr>
-            <a:xfrm>
-              <a:off x="1066800" y="1642858"/>
-              <a:ext cx="533400" cy="1938992"/>
-            </a:xfrm>
-            <a:prstGeom prst="rect">
-              <a:avLst/>
-            </a:prstGeom>
-            <a:grpFill/>
-          </p:spPr>
-          <p:txBody>
-            <a:bodyPr wrap="square" rtlCol="0">
-              <a:spAutoFit/>
-            </a:bodyPr>
-            <a:lstStyle/>
-            <a:p>
-              <a:pPr algn="ctr"/>
-              <a:r>
-                <a:rPr lang="ja-JP" altLang="en-US" sz="2400" b="1" dirty="0">
-                  <a:latin typeface="Times New Roman" panose="02020603050405020304" pitchFamily="18" charset="0"/>
-                  <a:ea typeface="SimSun" panose="02010600030101010101" pitchFamily="2" charset="-122"/>
-                  <a:cs typeface="Times New Roman" panose="02020603050405020304" pitchFamily="18" charset="0"/>
-                </a:rPr>
-                <a:t>質問と回答</a:t>
-              </a:r>
-              <a:endParaRPr lang="en-US" sz="2400" b="1" dirty="0"/>
-            </a:p>
-          </p:txBody>
-        </p:sp>
-        <p:sp>
-          <p:nvSpPr>
-            <p:cNvPr id="66" name="TextBox 65"/>
-            <p:cNvSpPr txBox="1"/>
-            <p:nvPr/>
-          </p:nvSpPr>
-          <p:spPr>
-            <a:xfrm>
-              <a:off x="1066800" y="1181100"/>
-              <a:ext cx="533400" cy="461665"/>
-            </a:xfrm>
-            <a:prstGeom prst="rect">
-              <a:avLst/>
-            </a:prstGeom>
-            <a:grpFill/>
-          </p:spPr>
-          <p:txBody>
-            <a:bodyPr wrap="square" rtlCol="0">
-              <a:spAutoFit/>
-            </a:bodyPr>
-            <a:lstStyle/>
-            <a:p>
-              <a:pPr algn="ctr"/>
-              <a:r>
-                <a:rPr lang="en-US" sz="2400" b="1" dirty="0">
-                  <a:solidFill>
-                    <a:srgbClr val="0070C0"/>
-                  </a:solidFill>
-                </a:rPr>
-                <a:t>8</a:t>
-              </a:r>
-            </a:p>
-          </p:txBody>
-        </p:sp>
-      </p:grpSp>
-      <p:grpSp>
-        <p:nvGrpSpPr>
-          <p:cNvPr id="88" name="Group 87"/>
-          <p:cNvGrpSpPr/>
-          <p:nvPr/>
-        </p:nvGrpSpPr>
-        <p:grpSpPr>
-          <a:xfrm>
-            <a:off x="42636" y="77177"/>
-            <a:ext cx="2489200" cy="2404765"/>
-            <a:chOff x="1066800" y="1177085"/>
-            <a:chExt cx="2489200" cy="2404765"/>
-          </a:xfrm>
-          <a:noFill/>
-        </p:grpSpPr>
-        <p:sp>
-          <p:nvSpPr>
-            <p:cNvPr id="89" name="TextBox 88"/>
-            <p:cNvSpPr txBox="1"/>
-            <p:nvPr/>
-          </p:nvSpPr>
-          <p:spPr>
-            <a:xfrm>
-              <a:off x="1600200" y="1177085"/>
-              <a:ext cx="1955800" cy="461665"/>
-            </a:xfrm>
-            <a:prstGeom prst="rect">
-              <a:avLst/>
-            </a:prstGeom>
-            <a:grpFill/>
-          </p:spPr>
-          <p:txBody>
-            <a:bodyPr wrap="square" rtlCol="0">
-              <a:spAutoFit/>
-            </a:bodyPr>
-            <a:lstStyle/>
-            <a:p>
-              <a:r>
-                <a:rPr lang="en-US" sz="2400" b="1" dirty="0">
-                  <a:solidFill>
-                    <a:schemeClr val="bg1"/>
-                  </a:solidFill>
-                  <a:latin typeface="Times New Roman" panose="02020603050405020304" pitchFamily="18" charset="0"/>
-                  <a:cs typeface="Times New Roman" panose="02020603050405020304" pitchFamily="18" charset="0"/>
-                </a:rPr>
-                <a:t>Q &amp; A</a:t>
-              </a:r>
-              <a:endParaRPr lang="en-US" sz="2400" b="1" dirty="0">
-                <a:solidFill>
-                  <a:schemeClr val="bg1"/>
-                </a:solidFill>
-              </a:endParaRPr>
-            </a:p>
-          </p:txBody>
-        </p:sp>
-        <p:sp>
-          <p:nvSpPr>
-            <p:cNvPr id="90" name="TextBox 89"/>
-            <p:cNvSpPr txBox="1"/>
-            <p:nvPr/>
-          </p:nvSpPr>
-          <p:spPr>
-            <a:xfrm>
-              <a:off x="1066800" y="1642858"/>
-              <a:ext cx="533400" cy="1938992"/>
-            </a:xfrm>
-            <a:prstGeom prst="rect">
-              <a:avLst/>
-            </a:prstGeom>
-            <a:grpFill/>
-          </p:spPr>
-          <p:txBody>
-            <a:bodyPr wrap="square" rtlCol="0">
-              <a:spAutoFit/>
-            </a:bodyPr>
-            <a:lstStyle/>
-            <a:p>
-              <a:pPr algn="ctr"/>
-              <a:r>
-                <a:rPr lang="ja-JP" altLang="en-US" sz="2400" b="1" dirty="0">
-                  <a:solidFill>
-                    <a:schemeClr val="bg1"/>
-                  </a:solidFill>
-                  <a:latin typeface="Times New Roman" panose="02020603050405020304" pitchFamily="18" charset="0"/>
-                  <a:ea typeface="SimSun" panose="02010600030101010101" pitchFamily="2" charset="-122"/>
-                  <a:cs typeface="Times New Roman" panose="02020603050405020304" pitchFamily="18" charset="0"/>
-                </a:rPr>
-                <a:t>質問と回答</a:t>
-              </a:r>
-              <a:endParaRPr lang="en-US" sz="2400" b="1" dirty="0">
-                <a:solidFill>
-                  <a:schemeClr val="bg1"/>
-                </a:solidFill>
-              </a:endParaRPr>
-            </a:p>
-          </p:txBody>
-        </p:sp>
-        <p:sp>
-          <p:nvSpPr>
-            <p:cNvPr id="91" name="TextBox 90"/>
-            <p:cNvSpPr txBox="1"/>
-            <p:nvPr/>
-          </p:nvSpPr>
-          <p:spPr>
-            <a:xfrm>
-              <a:off x="1066800" y="1181100"/>
-              <a:ext cx="533400" cy="461665"/>
-            </a:xfrm>
-            <a:prstGeom prst="rect">
-              <a:avLst/>
-            </a:prstGeom>
-            <a:grpFill/>
-          </p:spPr>
-          <p:txBody>
-            <a:bodyPr wrap="square" rtlCol="0">
-              <a:spAutoFit/>
-            </a:bodyPr>
-            <a:lstStyle/>
-            <a:p>
-              <a:pPr algn="ctr"/>
-              <a:r>
-                <a:rPr lang="en-US" sz="2400" b="1" dirty="0">
-                  <a:solidFill>
-                    <a:schemeClr val="bg1"/>
-                  </a:solidFill>
-                </a:rPr>
-                <a:t>8</a:t>
-              </a:r>
-            </a:p>
-          </p:txBody>
-        </p:sp>
-      </p:grpSp>
-    </p:spTree>
-    <p:extLst>
-      <p:ext uri="{BB962C8B-B14F-4D97-AF65-F5344CB8AC3E}">
-        <p14:creationId xmlns:p14="http://schemas.microsoft.com/office/powerpoint/2010/main" val="2812594114"/>
-      </p:ext>
-    </p:extLst>
-  </p:cSld>
-  <p:clrMapOvr>
-    <a:masterClrMapping/>
-  </p:clrMapOvr>
-  <p:timing>
-    <p:tnLst>
-      <p:par>
-        <p:cTn id="1" dur="indefinite" restart="never" nodeType="tmRoot">
-          <p:childTnLst>
-            <p:seq concurrent="1" nextAc="seek">
-              <p:cTn id="2" dur="indefinite" nodeType="mainSeq">
-                <p:childTnLst>
-                  <p:par>
-                    <p:cTn id="3" fill="hold">
-                      <p:stCondLst>
-                        <p:cond delay="indefinite"/>
-                        <p:cond evt="onBegin" delay="0">
-                          <p:tn val="2"/>
-                        </p:cond>
-                      </p:stCondLst>
-                      <p:childTnLst>
-                        <p:par>
-                          <p:cTn id="4" fill="hold">
-                            <p:stCondLst>
-                              <p:cond delay="0"/>
-                            </p:stCondLst>
-                            <p:childTnLst>
-                              <p:par>
-                                <p:cTn id="5" presetID="0" presetClass="path" presetSubtype="0" accel="50000" decel="50000" fill="hold" nodeType="withEffect">
-                                  <p:stCondLst>
-                                    <p:cond delay="0"/>
-                                  </p:stCondLst>
-                                  <p:childTnLst>
-                                    <p:animMotion origin="layout" path="M 8.05556E-6 -1.7341E-7 L -0.55069 -0.61087 " pathEditMode="relative" ptsTypes="AA">
-                                      <p:cBhvr>
-                                        <p:cTn id="6" dur="2000" fill="hold"/>
-                                        <p:tgtEl>
-                                          <p:spTgt spid="63"/>
-                                        </p:tgtEl>
-                                        <p:attrNameLst>
-                                          <p:attrName>ppt_x</p:attrName>
-                                          <p:attrName>ppt_y</p:attrName>
-                                        </p:attrNameLst>
-                                      </p:cBhvr>
-                                    </p:animMotion>
-                                  </p:childTnLst>
-                                </p:cTn>
-                              </p:par>
-                              <p:par>
-                                <p:cTn id="7" presetID="6" presetClass="emph" presetSubtype="0" fill="hold" nodeType="withEffect">
-                                  <p:stCondLst>
-                                    <p:cond delay="0"/>
-                                  </p:stCondLst>
-                                  <p:childTnLst>
-                                    <p:animScale>
-                                      <p:cBhvr>
-                                        <p:cTn id="8" dur="2000" fill="hold"/>
-                                        <p:tgtEl>
-                                          <p:spTgt spid="43"/>
-                                        </p:tgtEl>
-                                      </p:cBhvr>
-                                      <p:by x="50000" y="50000"/>
-                                    </p:animScale>
-                                  </p:childTnLst>
-                                </p:cTn>
-                              </p:par>
-                              <p:par>
-                                <p:cTn id="9" presetID="0" presetClass="path" presetSubtype="0" accel="50000" decel="50000" fill="hold" nodeType="withEffect">
-                                  <p:stCondLst>
-                                    <p:cond delay="0"/>
-                                  </p:stCondLst>
-                                  <p:childTnLst>
-                                    <p:animMotion origin="layout" path="M -0.01927 -0.01991 L 0.20052 0.18634 " pathEditMode="relative" rAng="0" ptsTypes="AA">
-                                      <p:cBhvr>
-                                        <p:cTn id="10" dur="2000" fill="hold"/>
-                                        <p:tgtEl>
-                                          <p:spTgt spid="43"/>
-                                        </p:tgtEl>
-                                        <p:attrNameLst>
-                                          <p:attrName>ppt_x</p:attrName>
-                                          <p:attrName>ppt_y</p:attrName>
-                                        </p:attrNameLst>
-                                      </p:cBhvr>
-                                      <p:rCtr x="10990" y="10301"/>
-                                    </p:animMotion>
-                                  </p:childTnLst>
-                                </p:cTn>
-                              </p:par>
-                            </p:childTnLst>
-                          </p:cTn>
-                        </p:par>
-                        <p:par>
-                          <p:cTn id="11" fill="hold">
-                            <p:stCondLst>
-                              <p:cond delay="2000"/>
-                            </p:stCondLst>
-                            <p:childTnLst>
-                              <p:par>
-                                <p:cTn id="12" presetID="10" presetClass="exit" presetSubtype="0" fill="hold" nodeType="afterEffect">
-                                  <p:stCondLst>
-                                    <p:cond delay="0"/>
-                                  </p:stCondLst>
-                                  <p:childTnLst>
-                                    <p:animEffect transition="out" filter="fade">
-                                      <p:cBhvr>
-                                        <p:cTn id="13" dur="500"/>
-                                        <p:tgtEl>
-                                          <p:spTgt spid="43"/>
-                                        </p:tgtEl>
-                                      </p:cBhvr>
-                                    </p:animEffect>
-                                    <p:set>
-                                      <p:cBhvr>
-                                        <p:cTn id="14" dur="1" fill="hold">
-                                          <p:stCondLst>
-                                            <p:cond delay="499"/>
-                                          </p:stCondLst>
-                                        </p:cTn>
-                                        <p:tgtEl>
-                                          <p:spTgt spid="43"/>
-                                        </p:tgtEl>
-                                        <p:attrNameLst>
-                                          <p:attrName>style.visibility</p:attrName>
-                                        </p:attrNameLst>
-                                      </p:cBhvr>
-                                      <p:to>
-                                        <p:strVal val="hidden"/>
-                                      </p:to>
-                                    </p:set>
-                                  </p:childTnLst>
-                                </p:cTn>
-                              </p:par>
-                              <p:par>
-                                <p:cTn id="15" presetID="10" presetClass="entr" presetSubtype="0" fill="hold" nodeType="withEffect">
-                                  <p:stCondLst>
-                                    <p:cond delay="0"/>
-                                  </p:stCondLst>
-                                  <p:childTnLst>
-                                    <p:set>
-                                      <p:cBhvr>
-                                        <p:cTn id="16" dur="1" fill="hold">
-                                          <p:stCondLst>
-                                            <p:cond delay="0"/>
-                                          </p:stCondLst>
-                                        </p:cTn>
-                                        <p:tgtEl>
-                                          <p:spTgt spid="44"/>
-                                        </p:tgtEl>
-                                        <p:attrNameLst>
-                                          <p:attrName>style.visibility</p:attrName>
-                                        </p:attrNameLst>
-                                      </p:cBhvr>
-                                      <p:to>
-                                        <p:strVal val="visible"/>
-                                      </p:to>
-                                    </p:set>
-                                    <p:animEffect transition="in" filter="fade">
-                                      <p:cBhvr>
-                                        <p:cTn id="17" dur="500"/>
-                                        <p:tgtEl>
-                                          <p:spTgt spid="44"/>
-                                        </p:tgtEl>
-                                      </p:cBhvr>
-                                    </p:animEffect>
-                                  </p:childTnLst>
-                                </p:cTn>
-                              </p:par>
-                              <p:par>
-                                <p:cTn id="18" presetID="10" presetClass="exit" presetSubtype="0" fill="hold" nodeType="withEffect">
-                                  <p:stCondLst>
-                                    <p:cond delay="0"/>
-                                  </p:stCondLst>
-                                  <p:childTnLst>
-                                    <p:animEffect transition="out" filter="fade">
-                                      <p:cBhvr>
-                                        <p:cTn id="19" dur="500"/>
-                                        <p:tgtEl>
-                                          <p:spTgt spid="63"/>
-                                        </p:tgtEl>
-                                      </p:cBhvr>
-                                    </p:animEffect>
-                                    <p:set>
-                                      <p:cBhvr>
-                                        <p:cTn id="20" dur="1" fill="hold">
-                                          <p:stCondLst>
-                                            <p:cond delay="499"/>
-                                          </p:stCondLst>
-                                        </p:cTn>
-                                        <p:tgtEl>
-                                          <p:spTgt spid="63"/>
-                                        </p:tgtEl>
-                                        <p:attrNameLst>
-                                          <p:attrName>style.visibility</p:attrName>
-                                        </p:attrNameLst>
-                                      </p:cBhvr>
-                                      <p:to>
-                                        <p:strVal val="hidden"/>
-                                      </p:to>
-                                    </p:set>
-                                  </p:childTnLst>
-                                </p:cTn>
-                              </p:par>
-                            </p:childTnLst>
-                          </p:cTn>
-                        </p:par>
-                      </p:childTnLst>
-                    </p:cTn>
-                  </p:par>
-                  <p:par>
-                    <p:cTn id="21" fill="hold">
-                      <p:stCondLst>
-                        <p:cond delay="indefinite"/>
-                      </p:stCondLst>
-                      <p:childTnLst>
-                        <p:par>
-                          <p:cTn id="22" fill="hold">
-                            <p:stCondLst>
-                              <p:cond delay="0"/>
-                            </p:stCondLst>
-                            <p:childTnLst>
-                              <p:par>
-                                <p:cTn id="23" presetID="10" presetClass="entr" presetSubtype="0" fill="hold" nodeType="clickEffect">
-                                  <p:stCondLst>
-                                    <p:cond delay="0"/>
-                                  </p:stCondLst>
-                                  <p:childTnLst>
-                                    <p:set>
-                                      <p:cBhvr>
-                                        <p:cTn id="24" dur="1" fill="hold">
-                                          <p:stCondLst>
-                                            <p:cond delay="0"/>
-                                          </p:stCondLst>
-                                        </p:cTn>
-                                        <p:tgtEl>
-                                          <p:spTgt spid="88"/>
-                                        </p:tgtEl>
-                                        <p:attrNameLst>
-                                          <p:attrName>style.visibility</p:attrName>
-                                        </p:attrNameLst>
-                                      </p:cBhvr>
-                                      <p:to>
-                                        <p:strVal val="visible"/>
-                                      </p:to>
-                                    </p:set>
-                                    <p:animEffect transition="in" filter="fade">
-                                      <p:cBhvr>
-                                        <p:cTn id="25" dur="500"/>
-                                        <p:tgtEl>
-                                          <p:spTgt spid="88"/>
-                                        </p:tgtEl>
-                                      </p:cBhvr>
-                                    </p:animEffect>
-                                  </p:childTnLst>
-                                </p:cTn>
-                              </p:par>
-                            </p:childTnLst>
-                          </p:cTn>
-                        </p:par>
-                      </p:childTnLst>
-                    </p:cTn>
-                  </p:par>
-                </p:childTnLst>
-              </p:cTn>
-              <p:prevCondLst>
-                <p:cond evt="onPrev" delay="0">
-                  <p:tgtEl>
-                    <p:sldTgt/>
-                  </p:tgtEl>
-                </p:cond>
-              </p:prevCondLst>
-              <p:nextCondLst>
-                <p:cond evt="onNext" delay="0">
-                  <p:tgtEl>
-                    <p:sldTgt/>
-                  </p:tgtEl>
-                </p:cond>
-              </p:nextCondLst>
-            </p:seq>
-          </p:childTnLst>
-        </p:cTn>
-      </p:par>
-    </p:tnLst>
-  </p:timing>
-</p:sld>
-</file>
-
-<file path=ppt/slides/slide31.xml><?xml version="1.0" encoding="utf-8"?>
-<p:sld xmlns:a="http://schemas.openxmlformats.org/drawingml/2006/main" xmlns:r="http://schemas.openxmlformats.org/officeDocument/2006/relationships" xmlns:p="http://schemas.openxmlformats.org/presentationml/2006/main">
-  <p:cSld>
-    <p:spTree>
-      <p:nvGrpSpPr>
-        <p:cNvPr id="1" name=""/>
-        <p:cNvGrpSpPr/>
-        <p:nvPr/>
-      </p:nvGrpSpPr>
-      <p:grpSpPr>
-        <a:xfrm>
-          <a:off x="0" y="0"/>
-          <a:ext cx="0" cy="0"/>
-          <a:chOff x="0" y="0"/>
-          <a:chExt cx="0" cy="0"/>
-        </a:xfrm>
-      </p:grpSpPr>
       <p:sp>
         <p:nvSpPr>
           <p:cNvPr id="2" name="Title 1"/>
